--- a/presentation/images/images_powerpoint.pptx
+++ b/presentation/images/images_powerpoint.pptx
@@ -104,6 +104,11 @@
       </a:defRPr>
     </a:lvl9pPr>
   </p:defaultTextStyle>
+  <p:extLst>
+    <p:ext uri="{EFAFB233-063F-42B5-8137-9DF3F51BA10A}">
+      <p15:sldGuideLst xmlns:p15="http://schemas.microsoft.com/office/powerpoint/2012/main"/>
+    </p:ext>
+  </p:extLst>
 </p:presentation>
 </file>
 
@@ -254,7 +259,7 @@
           <a:p>
             <a:fld id="{C49EFF57-3444-4D3C-901B-15A513E1D5E0}" type="datetimeFigureOut">
               <a:rPr lang="en-US" smtClean="0"/>
-              <a:t>7/11/2021</a:t>
+              <a:t>7/12/2021</a:t>
             </a:fld>
             <a:endParaRPr lang="en-US"/>
           </a:p>
@@ -452,7 +457,7 @@
           <a:p>
             <a:fld id="{C49EFF57-3444-4D3C-901B-15A513E1D5E0}" type="datetimeFigureOut">
               <a:rPr lang="en-US" smtClean="0"/>
-              <a:t>7/11/2021</a:t>
+              <a:t>7/12/2021</a:t>
             </a:fld>
             <a:endParaRPr lang="en-US"/>
           </a:p>
@@ -660,7 +665,7 @@
           <a:p>
             <a:fld id="{C49EFF57-3444-4D3C-901B-15A513E1D5E0}" type="datetimeFigureOut">
               <a:rPr lang="en-US" smtClean="0"/>
-              <a:t>7/11/2021</a:t>
+              <a:t>7/12/2021</a:t>
             </a:fld>
             <a:endParaRPr lang="en-US"/>
           </a:p>
@@ -858,7 +863,7 @@
           <a:p>
             <a:fld id="{C49EFF57-3444-4D3C-901B-15A513E1D5E0}" type="datetimeFigureOut">
               <a:rPr lang="en-US" smtClean="0"/>
-              <a:t>7/11/2021</a:t>
+              <a:t>7/12/2021</a:t>
             </a:fld>
             <a:endParaRPr lang="en-US"/>
           </a:p>
@@ -1133,7 +1138,7 @@
           <a:p>
             <a:fld id="{C49EFF57-3444-4D3C-901B-15A513E1D5E0}" type="datetimeFigureOut">
               <a:rPr lang="en-US" smtClean="0"/>
-              <a:t>7/11/2021</a:t>
+              <a:t>7/12/2021</a:t>
             </a:fld>
             <a:endParaRPr lang="en-US"/>
           </a:p>
@@ -1398,7 +1403,7 @@
           <a:p>
             <a:fld id="{C49EFF57-3444-4D3C-901B-15A513E1D5E0}" type="datetimeFigureOut">
               <a:rPr lang="en-US" smtClean="0"/>
-              <a:t>7/11/2021</a:t>
+              <a:t>7/12/2021</a:t>
             </a:fld>
             <a:endParaRPr lang="en-US"/>
           </a:p>
@@ -1810,7 +1815,7 @@
           <a:p>
             <a:fld id="{C49EFF57-3444-4D3C-901B-15A513E1D5E0}" type="datetimeFigureOut">
               <a:rPr lang="en-US" smtClean="0"/>
-              <a:t>7/11/2021</a:t>
+              <a:t>7/12/2021</a:t>
             </a:fld>
             <a:endParaRPr lang="en-US"/>
           </a:p>
@@ -1951,7 +1956,7 @@
           <a:p>
             <a:fld id="{C49EFF57-3444-4D3C-901B-15A513E1D5E0}" type="datetimeFigureOut">
               <a:rPr lang="en-US" smtClean="0"/>
-              <a:t>7/11/2021</a:t>
+              <a:t>7/12/2021</a:t>
             </a:fld>
             <a:endParaRPr lang="en-US"/>
           </a:p>
@@ -2064,7 +2069,7 @@
           <a:p>
             <a:fld id="{C49EFF57-3444-4D3C-901B-15A513E1D5E0}" type="datetimeFigureOut">
               <a:rPr lang="en-US" smtClean="0"/>
-              <a:t>7/11/2021</a:t>
+              <a:t>7/12/2021</a:t>
             </a:fld>
             <a:endParaRPr lang="en-US"/>
           </a:p>
@@ -2375,7 +2380,7 @@
           <a:p>
             <a:fld id="{C49EFF57-3444-4D3C-901B-15A513E1D5E0}" type="datetimeFigureOut">
               <a:rPr lang="en-US" smtClean="0"/>
-              <a:t>7/11/2021</a:t>
+              <a:t>7/12/2021</a:t>
             </a:fld>
             <a:endParaRPr lang="en-US"/>
           </a:p>
@@ -2663,7 +2668,7 @@
           <a:p>
             <a:fld id="{C49EFF57-3444-4D3C-901B-15A513E1D5E0}" type="datetimeFigureOut">
               <a:rPr lang="en-US" smtClean="0"/>
-              <a:t>7/11/2021</a:t>
+              <a:t>7/12/2021</a:t>
             </a:fld>
             <a:endParaRPr lang="en-US"/>
           </a:p>
@@ -2904,7 +2909,7 @@
           <a:p>
             <a:fld id="{C49EFF57-3444-4D3C-901B-15A513E1D5E0}" type="datetimeFigureOut">
               <a:rPr lang="en-US" smtClean="0"/>
-              <a:t>7/11/2021</a:t>
+              <a:t>7/12/2021</a:t>
             </a:fld>
             <a:endParaRPr lang="en-US"/>
           </a:p>
@@ -3323,10 +3328,10 @@
       </p:grpSpPr>
       <p:grpSp>
         <p:nvGrpSpPr>
-          <p:cNvPr id="22" name="Group 21">
-            <a:extLst>
-              <a:ext uri="{FF2B5EF4-FFF2-40B4-BE49-F238E27FC236}">
-                <a16:creationId xmlns:a16="http://schemas.microsoft.com/office/drawing/2014/main" id="{E76B3620-0EB4-412C-9996-8C138AE9B931}"/>
+          <p:cNvPr id="12" name="Group 11">
+            <a:extLst>
+              <a:ext uri="{FF2B5EF4-FFF2-40B4-BE49-F238E27FC236}">
+                <a16:creationId xmlns:a16="http://schemas.microsoft.com/office/drawing/2014/main" id="{8FD51DEE-164F-48F3-85C4-B9A91E0104BB}"/>
               </a:ext>
             </a:extLst>
           </p:cNvPr>
@@ -3335,18 +3340,18 @@
         </p:nvGrpSpPr>
         <p:grpSpPr>
           <a:xfrm>
-            <a:off x="553002" y="658237"/>
-            <a:ext cx="10295973" cy="5571978"/>
-            <a:chOff x="553002" y="658237"/>
-            <a:chExt cx="10295973" cy="5571978"/>
+            <a:off x="591021" y="765100"/>
+            <a:ext cx="10257954" cy="4464610"/>
+            <a:chOff x="591021" y="765100"/>
+            <a:chExt cx="10257954" cy="4464610"/>
           </a:xfrm>
         </p:grpSpPr>
         <p:grpSp>
           <p:nvGrpSpPr>
-            <p:cNvPr id="15" name="Group 14">
+            <p:cNvPr id="3" name="Group 2">
               <a:extLst>
                 <a:ext uri="{FF2B5EF4-FFF2-40B4-BE49-F238E27FC236}">
-                  <a16:creationId xmlns:a16="http://schemas.microsoft.com/office/drawing/2014/main" id="{B3B5DEB4-47A5-4C1A-9833-BD701DF26D6F}"/>
+                  <a16:creationId xmlns:a16="http://schemas.microsoft.com/office/drawing/2014/main" id="{D37A8DF6-170F-4956-B940-2DD5AECE024B}"/>
                 </a:ext>
               </a:extLst>
             </p:cNvPr>
@@ -3355,512 +3360,719 @@
           </p:nvGrpSpPr>
           <p:grpSpPr>
             <a:xfrm>
-              <a:off x="1096010" y="2681605"/>
-              <a:ext cx="9752965" cy="934720"/>
-              <a:chOff x="924560" y="2367280"/>
-              <a:chExt cx="9752965" cy="934720"/>
+              <a:off x="591021" y="765100"/>
+              <a:ext cx="10257954" cy="4464610"/>
+              <a:chOff x="591021" y="765100"/>
+              <a:chExt cx="10257954" cy="4464610"/>
             </a:xfrm>
           </p:grpSpPr>
-          <p:sp>
-            <p:nvSpPr>
-              <p:cNvPr id="4" name="Rectangle: Rounded Corners 3">
+          <p:grpSp>
+            <p:nvGrpSpPr>
+              <p:cNvPr id="22" name="Group 21">
                 <a:extLst>
                   <a:ext uri="{FF2B5EF4-FFF2-40B4-BE49-F238E27FC236}">
-                    <a16:creationId xmlns:a16="http://schemas.microsoft.com/office/drawing/2014/main" id="{E2548BEB-AED9-4D45-B1D4-5EB5D49EAFF2}"/>
+                    <a16:creationId xmlns:a16="http://schemas.microsoft.com/office/drawing/2014/main" id="{E76B3620-0EB4-412C-9996-8C138AE9B931}"/>
                   </a:ext>
                 </a:extLst>
               </p:cNvPr>
-              <p:cNvSpPr/>
+              <p:cNvGrpSpPr/>
+              <p:nvPr/>
+            </p:nvGrpSpPr>
+            <p:grpSpPr>
+              <a:xfrm>
+                <a:off x="591021" y="1432420"/>
+                <a:ext cx="10257954" cy="3797290"/>
+                <a:chOff x="591021" y="1432420"/>
+                <a:chExt cx="10257954" cy="3797290"/>
+              </a:xfrm>
+            </p:grpSpPr>
+            <p:grpSp>
+              <p:nvGrpSpPr>
+                <p:cNvPr id="15" name="Group 14">
+                  <a:extLst>
+                    <a:ext uri="{FF2B5EF4-FFF2-40B4-BE49-F238E27FC236}">
+                      <a16:creationId xmlns:a16="http://schemas.microsoft.com/office/drawing/2014/main" id="{B3B5DEB4-47A5-4C1A-9833-BD701DF26D6F}"/>
+                    </a:ext>
+                  </a:extLst>
+                </p:cNvPr>
+                <p:cNvGrpSpPr/>
+                <p:nvPr/>
+              </p:nvGrpSpPr>
+              <p:grpSpPr>
+                <a:xfrm>
+                  <a:off x="1096010" y="2681605"/>
+                  <a:ext cx="9752965" cy="934720"/>
+                  <a:chOff x="924560" y="2367280"/>
+                  <a:chExt cx="9752965" cy="934720"/>
+                </a:xfrm>
+              </p:grpSpPr>
+              <p:sp>
+                <p:nvSpPr>
+                  <p:cNvPr id="4" name="Rectangle: Rounded Corners 3">
+                    <a:extLst>
+                      <a:ext uri="{FF2B5EF4-FFF2-40B4-BE49-F238E27FC236}">
+                        <a16:creationId xmlns:a16="http://schemas.microsoft.com/office/drawing/2014/main" id="{E2548BEB-AED9-4D45-B1D4-5EB5D49EAFF2}"/>
+                      </a:ext>
+                    </a:extLst>
+                  </p:cNvPr>
+                  <p:cNvSpPr/>
+                  <p:nvPr/>
+                </p:nvSpPr>
+                <p:spPr>
+                  <a:xfrm>
+                    <a:off x="924560" y="2367280"/>
+                    <a:ext cx="1751965" cy="934720"/>
+                  </a:xfrm>
+                  <a:prstGeom prst="roundRect">
+                    <a:avLst/>
+                  </a:prstGeom>
+                  <a:solidFill>
+                    <a:schemeClr val="accent6"/>
+                  </a:solidFill>
+                  <a:ln>
+                    <a:solidFill>
+                      <a:schemeClr val="tx1"/>
+                    </a:solidFill>
+                  </a:ln>
+                </p:spPr>
+                <p:style>
+                  <a:lnRef idx="2">
+                    <a:schemeClr val="accent1">
+                      <a:shade val="50000"/>
+                    </a:schemeClr>
+                  </a:lnRef>
+                  <a:fillRef idx="1">
+                    <a:schemeClr val="accent1"/>
+                  </a:fillRef>
+                  <a:effectRef idx="0">
+                    <a:schemeClr val="accent1"/>
+                  </a:effectRef>
+                  <a:fontRef idx="minor">
+                    <a:schemeClr val="lt1"/>
+                  </a:fontRef>
+                </p:style>
+                <p:txBody>
+                  <a:bodyPr rtlCol="0" anchor="ctr"/>
+                  <a:lstStyle/>
+                  <a:p>
+                    <a:pPr algn="ctr"/>
+                    <a:r>
+                      <a:rPr lang="en-US" dirty="0"/>
+                      <a:t>Explain</a:t>
+                    </a:r>
+                  </a:p>
+                </p:txBody>
+              </p:sp>
+              <p:sp>
+                <p:nvSpPr>
+                  <p:cNvPr id="5" name="Rectangle: Rounded Corners 4">
+                    <a:extLst>
+                      <a:ext uri="{FF2B5EF4-FFF2-40B4-BE49-F238E27FC236}">
+                        <a16:creationId xmlns:a16="http://schemas.microsoft.com/office/drawing/2014/main" id="{6AFB17C0-1F78-4254-93EC-31A9DB3CA2E6}"/>
+                      </a:ext>
+                    </a:extLst>
+                  </p:cNvPr>
+                  <p:cNvSpPr/>
+                  <p:nvPr/>
+                </p:nvSpPr>
+                <p:spPr>
+                  <a:xfrm>
+                    <a:off x="3429635" y="2367280"/>
+                    <a:ext cx="1751965" cy="934720"/>
+                  </a:xfrm>
+                  <a:prstGeom prst="roundRect">
+                    <a:avLst/>
+                  </a:prstGeom>
+                  <a:solidFill>
+                    <a:schemeClr val="accent2"/>
+                  </a:solidFill>
+                  <a:ln>
+                    <a:solidFill>
+                      <a:schemeClr val="tx1"/>
+                    </a:solidFill>
+                  </a:ln>
+                </p:spPr>
+                <p:style>
+                  <a:lnRef idx="2">
+                    <a:schemeClr val="accent1">
+                      <a:shade val="50000"/>
+                    </a:schemeClr>
+                  </a:lnRef>
+                  <a:fillRef idx="1">
+                    <a:schemeClr val="accent1"/>
+                  </a:fillRef>
+                  <a:effectRef idx="0">
+                    <a:schemeClr val="accent1"/>
+                  </a:effectRef>
+                  <a:fontRef idx="minor">
+                    <a:schemeClr val="lt1"/>
+                  </a:fontRef>
+                </p:style>
+                <p:txBody>
+                  <a:bodyPr rtlCol="0" anchor="ctr"/>
+                  <a:lstStyle/>
+                  <a:p>
+                    <a:pPr algn="ctr"/>
+                    <a:r>
+                      <a:rPr lang="en-US" dirty="0"/>
+                      <a:t>Demonstrate</a:t>
+                    </a:r>
+                  </a:p>
+                </p:txBody>
+              </p:sp>
+              <p:sp>
+                <p:nvSpPr>
+                  <p:cNvPr id="6" name="Rectangle: Rounded Corners 5">
+                    <a:extLst>
+                      <a:ext uri="{FF2B5EF4-FFF2-40B4-BE49-F238E27FC236}">
+                        <a16:creationId xmlns:a16="http://schemas.microsoft.com/office/drawing/2014/main" id="{DEABF215-C694-42D8-B2C2-E9AB732883B8}"/>
+                      </a:ext>
+                    </a:extLst>
+                  </p:cNvPr>
+                  <p:cNvSpPr/>
+                  <p:nvPr/>
+                </p:nvSpPr>
+                <p:spPr>
+                  <a:xfrm>
+                    <a:off x="6134419" y="2367280"/>
+                    <a:ext cx="1751965" cy="934720"/>
+                  </a:xfrm>
+                  <a:prstGeom prst="roundRect">
+                    <a:avLst/>
+                  </a:prstGeom>
+                  <a:solidFill>
+                    <a:srgbClr val="00B0F0"/>
+                  </a:solidFill>
+                  <a:ln>
+                    <a:solidFill>
+                      <a:schemeClr val="tx1"/>
+                    </a:solidFill>
+                  </a:ln>
+                </p:spPr>
+                <p:style>
+                  <a:lnRef idx="2">
+                    <a:schemeClr val="accent1">
+                      <a:shade val="50000"/>
+                    </a:schemeClr>
+                  </a:lnRef>
+                  <a:fillRef idx="1">
+                    <a:schemeClr val="accent1"/>
+                  </a:fillRef>
+                  <a:effectRef idx="0">
+                    <a:schemeClr val="accent1"/>
+                  </a:effectRef>
+                  <a:fontRef idx="minor">
+                    <a:schemeClr val="lt1"/>
+                  </a:fontRef>
+                </p:style>
+                <p:txBody>
+                  <a:bodyPr rtlCol="0" anchor="ctr"/>
+                  <a:lstStyle/>
+                  <a:p>
+                    <a:pPr algn="ctr"/>
+                    <a:r>
+                      <a:rPr lang="en-US" dirty="0"/>
+                      <a:t>Guide</a:t>
+                    </a:r>
+                  </a:p>
+                </p:txBody>
+              </p:sp>
+              <p:sp>
+                <p:nvSpPr>
+                  <p:cNvPr id="7" name="Rectangle: Rounded Corners 6">
+                    <a:extLst>
+                      <a:ext uri="{FF2B5EF4-FFF2-40B4-BE49-F238E27FC236}">
+                        <a16:creationId xmlns:a16="http://schemas.microsoft.com/office/drawing/2014/main" id="{4D9AB747-04E9-4577-88C4-25036C4D7660}"/>
+                      </a:ext>
+                    </a:extLst>
+                  </p:cNvPr>
+                  <p:cNvSpPr/>
+                  <p:nvPr/>
+                </p:nvSpPr>
+                <p:spPr>
+                  <a:xfrm>
+                    <a:off x="8925560" y="2367280"/>
+                    <a:ext cx="1751965" cy="934720"/>
+                  </a:xfrm>
+                  <a:prstGeom prst="roundRect">
+                    <a:avLst/>
+                  </a:prstGeom>
+                  <a:ln>
+                    <a:solidFill>
+                      <a:schemeClr val="tx1"/>
+                    </a:solidFill>
+                  </a:ln>
+                </p:spPr>
+                <p:style>
+                  <a:lnRef idx="2">
+                    <a:schemeClr val="accent1">
+                      <a:shade val="50000"/>
+                    </a:schemeClr>
+                  </a:lnRef>
+                  <a:fillRef idx="1">
+                    <a:schemeClr val="accent1"/>
+                  </a:fillRef>
+                  <a:effectRef idx="0">
+                    <a:schemeClr val="accent1"/>
+                  </a:effectRef>
+                  <a:fontRef idx="minor">
+                    <a:schemeClr val="lt1"/>
+                  </a:fontRef>
+                </p:style>
+                <p:txBody>
+                  <a:bodyPr rtlCol="0" anchor="ctr"/>
+                  <a:lstStyle/>
+                  <a:p>
+                    <a:pPr algn="ctr"/>
+                    <a:r>
+                      <a:rPr lang="en-US" dirty="0"/>
+                      <a:t>Evaluate</a:t>
+                    </a:r>
+                  </a:p>
+                </p:txBody>
+              </p:sp>
+              <p:sp>
+                <p:nvSpPr>
+                  <p:cNvPr id="8" name="Arrow: Right 7">
+                    <a:extLst>
+                      <a:ext uri="{FF2B5EF4-FFF2-40B4-BE49-F238E27FC236}">
+                        <a16:creationId xmlns:a16="http://schemas.microsoft.com/office/drawing/2014/main" id="{D6528606-6C1C-4247-B1C4-8963009ECFF9}"/>
+                      </a:ext>
+                    </a:extLst>
+                  </p:cNvPr>
+                  <p:cNvSpPr/>
+                  <p:nvPr/>
+                </p:nvSpPr>
+                <p:spPr>
+                  <a:xfrm>
+                    <a:off x="2876550" y="2705100"/>
+                    <a:ext cx="381000" cy="314325"/>
+                  </a:xfrm>
+                  <a:prstGeom prst="rightArrow">
+                    <a:avLst/>
+                  </a:prstGeom>
+                  <a:solidFill>
+                    <a:schemeClr val="tx1"/>
+                  </a:solidFill>
+                  <a:ln>
+                    <a:solidFill>
+                      <a:schemeClr val="tx1"/>
+                    </a:solidFill>
+                  </a:ln>
+                </p:spPr>
+                <p:style>
+                  <a:lnRef idx="2">
+                    <a:schemeClr val="accent1">
+                      <a:shade val="50000"/>
+                    </a:schemeClr>
+                  </a:lnRef>
+                  <a:fillRef idx="1">
+                    <a:schemeClr val="accent1"/>
+                  </a:fillRef>
+                  <a:effectRef idx="0">
+                    <a:schemeClr val="accent1"/>
+                  </a:effectRef>
+                  <a:fontRef idx="minor">
+                    <a:schemeClr val="lt1"/>
+                  </a:fontRef>
+                </p:style>
+                <p:txBody>
+                  <a:bodyPr rtlCol="0" anchor="ctr"/>
+                  <a:lstStyle/>
+                  <a:p>
+                    <a:pPr algn="ctr"/>
+                    <a:endParaRPr lang="en-US"/>
+                  </a:p>
+                </p:txBody>
+              </p:sp>
+              <p:sp>
+                <p:nvSpPr>
+                  <p:cNvPr id="9" name="Arrow: Right 8">
+                    <a:extLst>
+                      <a:ext uri="{FF2B5EF4-FFF2-40B4-BE49-F238E27FC236}">
+                        <a16:creationId xmlns:a16="http://schemas.microsoft.com/office/drawing/2014/main" id="{FD19A871-AF91-4802-940D-7607D1BBD111}"/>
+                      </a:ext>
+                    </a:extLst>
+                  </p:cNvPr>
+                  <p:cNvSpPr/>
+                  <p:nvPr/>
+                </p:nvSpPr>
+                <p:spPr>
+                  <a:xfrm>
+                    <a:off x="5429727" y="2677477"/>
+                    <a:ext cx="381000" cy="314325"/>
+                  </a:xfrm>
+                  <a:prstGeom prst="rightArrow">
+                    <a:avLst/>
+                  </a:prstGeom>
+                  <a:solidFill>
+                    <a:schemeClr val="tx1"/>
+                  </a:solidFill>
+                  <a:ln>
+                    <a:solidFill>
+                      <a:schemeClr val="tx1"/>
+                    </a:solidFill>
+                  </a:ln>
+                </p:spPr>
+                <p:style>
+                  <a:lnRef idx="2">
+                    <a:schemeClr val="accent1">
+                      <a:shade val="50000"/>
+                    </a:schemeClr>
+                  </a:lnRef>
+                  <a:fillRef idx="1">
+                    <a:schemeClr val="accent1"/>
+                  </a:fillRef>
+                  <a:effectRef idx="0">
+                    <a:schemeClr val="accent1"/>
+                  </a:effectRef>
+                  <a:fontRef idx="minor">
+                    <a:schemeClr val="lt1"/>
+                  </a:fontRef>
+                </p:style>
+                <p:txBody>
+                  <a:bodyPr rtlCol="0" anchor="ctr"/>
+                  <a:lstStyle/>
+                  <a:p>
+                    <a:pPr algn="ctr"/>
+                    <a:endParaRPr lang="en-US"/>
+                  </a:p>
+                </p:txBody>
+              </p:sp>
+              <p:sp>
+                <p:nvSpPr>
+                  <p:cNvPr id="10" name="Arrow: Right 9">
+                    <a:extLst>
+                      <a:ext uri="{FF2B5EF4-FFF2-40B4-BE49-F238E27FC236}">
+                        <a16:creationId xmlns:a16="http://schemas.microsoft.com/office/drawing/2014/main" id="{17E43123-59C0-41BB-B908-03A2351DF7FE}"/>
+                      </a:ext>
+                    </a:extLst>
+                  </p:cNvPr>
+                  <p:cNvSpPr/>
+                  <p:nvPr/>
+                </p:nvSpPr>
+                <p:spPr>
+                  <a:xfrm>
+                    <a:off x="8210076" y="2677476"/>
+                    <a:ext cx="381000" cy="314325"/>
+                  </a:xfrm>
+                  <a:prstGeom prst="rightArrow">
+                    <a:avLst/>
+                  </a:prstGeom>
+                  <a:solidFill>
+                    <a:schemeClr val="tx1"/>
+                  </a:solidFill>
+                  <a:ln>
+                    <a:solidFill>
+                      <a:schemeClr val="tx1"/>
+                    </a:solidFill>
+                  </a:ln>
+                </p:spPr>
+                <p:style>
+                  <a:lnRef idx="2">
+                    <a:schemeClr val="accent1">
+                      <a:shade val="50000"/>
+                    </a:schemeClr>
+                  </a:lnRef>
+                  <a:fillRef idx="1">
+                    <a:schemeClr val="accent1"/>
+                  </a:fillRef>
+                  <a:effectRef idx="0">
+                    <a:schemeClr val="accent1"/>
+                  </a:effectRef>
+                  <a:fontRef idx="minor">
+                    <a:schemeClr val="lt1"/>
+                  </a:fontRef>
+                </p:style>
+                <p:txBody>
+                  <a:bodyPr rtlCol="0" anchor="ctr"/>
+                  <a:lstStyle/>
+                  <a:p>
+                    <a:pPr algn="ctr"/>
+                    <a:endParaRPr lang="en-US"/>
+                  </a:p>
+                </p:txBody>
+              </p:sp>
+            </p:grpSp>
+            <p:pic>
+              <p:nvPicPr>
+                <p:cNvPr id="14" name="Picture 13" descr="Teacher pointing at laptop screen to young students">
+                  <a:extLst>
+                    <a:ext uri="{FF2B5EF4-FFF2-40B4-BE49-F238E27FC236}">
+                      <a16:creationId xmlns:a16="http://schemas.microsoft.com/office/drawing/2014/main" id="{F9902EE4-E924-4C83-B663-5B19A6466995}"/>
+                    </a:ext>
+                  </a:extLst>
+                </p:cNvPr>
+                <p:cNvPicPr>
+                  <a:picLocks noChangeAspect="1"/>
+                </p:cNvPicPr>
+                <p:nvPr/>
+              </p:nvPicPr>
+              <p:blipFill>
+                <a:blip r:embed="rId2">
+                  <a:extLst>
+                    <a:ext uri="{28A0092B-C50C-407E-A947-70E740481C1C}">
+                      <a14:useLocalDpi xmlns:a14="http://schemas.microsoft.com/office/drawing/2010/main" val="0"/>
+                    </a:ext>
+                  </a:extLst>
+                </a:blip>
+                <a:stretch>
+                  <a:fillRect/>
+                </a:stretch>
+              </p:blipFill>
+              <p:spPr>
+                <a:xfrm>
+                  <a:off x="6390414" y="1432420"/>
+                  <a:ext cx="1582873" cy="1054992"/>
+                </a:xfrm>
+                <a:prstGeom prst="rect">
+                  <a:avLst/>
+                </a:prstGeom>
+                <a:ln>
+                  <a:solidFill>
+                    <a:schemeClr val="tx1"/>
+                  </a:solidFill>
+                </a:ln>
+                <a:effectLst>
+                  <a:outerShdw blurRad="292100" dist="139700" dir="2700000" algn="tl" rotWithShape="0">
+                    <a:srgbClr val="333333">
+                      <a:alpha val="65000"/>
+                    </a:srgbClr>
+                  </a:outerShdw>
+                </a:effectLst>
+              </p:spPr>
+            </p:pic>
+            <p:pic>
+              <p:nvPicPr>
+                <p:cNvPr id="17" name="Picture 16" descr="Graphical user interface&#10;&#10;Description automatically generated">
+                  <a:extLst>
+                    <a:ext uri="{FF2B5EF4-FFF2-40B4-BE49-F238E27FC236}">
+                      <a16:creationId xmlns:a16="http://schemas.microsoft.com/office/drawing/2014/main" id="{49BC7F51-6CF5-4964-9794-E25F46339A1F}"/>
+                    </a:ext>
+                  </a:extLst>
+                </p:cNvPr>
+                <p:cNvPicPr>
+                  <a:picLocks noChangeAspect="1"/>
+                </p:cNvPicPr>
+                <p:nvPr/>
+              </p:nvPicPr>
+              <p:blipFill>
+                <a:blip r:embed="rId3">
+                  <a:extLst>
+                    <a:ext uri="{28A0092B-C50C-407E-A947-70E740481C1C}">
+                      <a14:useLocalDpi xmlns:a14="http://schemas.microsoft.com/office/drawing/2010/main" val="0"/>
+                    </a:ext>
+                  </a:extLst>
+                </a:blip>
+                <a:stretch>
+                  <a:fillRect/>
+                </a:stretch>
+              </p:blipFill>
+              <p:spPr>
+                <a:xfrm>
+                  <a:off x="3124675" y="3920262"/>
+                  <a:ext cx="2704784" cy="1309448"/>
+                </a:xfrm>
+                <a:prstGeom prst="rect">
+                  <a:avLst/>
+                </a:prstGeom>
+                <a:ln>
+                  <a:solidFill>
+                    <a:schemeClr val="tx1"/>
+                  </a:solidFill>
+                </a:ln>
+                <a:effectLst>
+                  <a:outerShdw blurRad="292100" dist="139700" dir="2700000" algn="tl" rotWithShape="0">
+                    <a:srgbClr val="333333">
+                      <a:alpha val="65000"/>
+                    </a:srgbClr>
+                  </a:outerShdw>
+                </a:effectLst>
+              </p:spPr>
+            </p:pic>
+            <p:pic>
+              <p:nvPicPr>
+                <p:cNvPr id="19" name="Picture 18" descr="A picture containing text&#10;&#10;Description automatically generated">
+                  <a:extLst>
+                    <a:ext uri="{FF2B5EF4-FFF2-40B4-BE49-F238E27FC236}">
+                      <a16:creationId xmlns:a16="http://schemas.microsoft.com/office/drawing/2014/main" id="{1E7A230C-C80A-4652-8B8E-0235E37F4572}"/>
+                    </a:ext>
+                  </a:extLst>
+                </p:cNvPr>
+                <p:cNvPicPr>
+                  <a:picLocks noChangeAspect="1"/>
+                </p:cNvPicPr>
+                <p:nvPr/>
+              </p:nvPicPr>
+              <p:blipFill>
+                <a:blip r:embed="rId4">
+                  <a:extLst>
+                    <a:ext uri="{28A0092B-C50C-407E-A947-70E740481C1C}">
+                      <a14:useLocalDpi xmlns:a14="http://schemas.microsoft.com/office/drawing/2010/main" val="0"/>
+                    </a:ext>
+                  </a:extLst>
+                </a:blip>
+                <a:stretch>
+                  <a:fillRect/>
+                </a:stretch>
+              </p:blipFill>
+              <p:spPr>
+                <a:xfrm>
+                  <a:off x="591021" y="1486920"/>
+                  <a:ext cx="2837979" cy="945993"/>
+                </a:xfrm>
+                <a:prstGeom prst="rect">
+                  <a:avLst/>
+                </a:prstGeom>
+                <a:ln>
+                  <a:solidFill>
+                    <a:schemeClr val="tx1"/>
+                  </a:solidFill>
+                </a:ln>
+                <a:effectLst>
+                  <a:outerShdw blurRad="292100" dist="139700" dir="2700000" algn="tl" rotWithShape="0">
+                    <a:srgbClr val="333333">
+                      <a:alpha val="65000"/>
+                    </a:srgbClr>
+                  </a:outerShdw>
+                </a:effectLst>
+              </p:spPr>
+            </p:pic>
+            <p:pic>
+              <p:nvPicPr>
+                <p:cNvPr id="21" name="Graphic 20" descr="Clipboard Partially Checked with solid fill">
+                  <a:extLst>
+                    <a:ext uri="{FF2B5EF4-FFF2-40B4-BE49-F238E27FC236}">
+                      <a16:creationId xmlns:a16="http://schemas.microsoft.com/office/drawing/2014/main" id="{FA4DBB1C-582A-4BAD-B36F-59770E178DE8}"/>
+                    </a:ext>
+                  </a:extLst>
+                </p:cNvPr>
+                <p:cNvPicPr>
+                  <a:picLocks noChangeAspect="1"/>
+                </p:cNvPicPr>
+                <p:nvPr/>
+              </p:nvPicPr>
+              <p:blipFill>
+                <a:blip r:embed="rId5">
+                  <a:extLst>
+                    <a:ext uri="{28A0092B-C50C-407E-A947-70E740481C1C}">
+                      <a14:useLocalDpi xmlns:a14="http://schemas.microsoft.com/office/drawing/2010/main" val="0"/>
+                    </a:ext>
+                    <a:ext uri="{96DAC541-7B7A-43D3-8B79-37D633B846F1}">
+                      <asvg:svgBlip xmlns:asvg="http://schemas.microsoft.com/office/drawing/2016/SVG/main" r:embed="rId6"/>
+                    </a:ext>
+                  </a:extLst>
+                </a:blip>
+                <a:stretch>
+                  <a:fillRect/>
+                </a:stretch>
+              </p:blipFill>
+              <p:spPr>
+                <a:xfrm>
+                  <a:off x="9315767" y="3715235"/>
+                  <a:ext cx="1514475" cy="1514475"/>
+                </a:xfrm>
+                <a:prstGeom prst="rect">
+                  <a:avLst/>
+                </a:prstGeom>
+                <a:effectLst>
+                  <a:outerShdw blurRad="292100" dist="139700" dir="2700000" algn="tl" rotWithShape="0">
+                    <a:srgbClr val="333333">
+                      <a:alpha val="65000"/>
+                    </a:srgbClr>
+                  </a:outerShdw>
+                </a:effectLst>
+              </p:spPr>
+            </p:pic>
+          </p:grpSp>
+          <p:sp>
+            <p:nvSpPr>
+              <p:cNvPr id="2" name="TextBox 1">
+                <a:extLst>
+                  <a:ext uri="{FF2B5EF4-FFF2-40B4-BE49-F238E27FC236}">
+                    <a16:creationId xmlns:a16="http://schemas.microsoft.com/office/drawing/2014/main" id="{1D46A293-D635-4C60-AC8C-139EEAF4D100}"/>
+                  </a:ext>
+                </a:extLst>
+              </p:cNvPr>
+              <p:cNvSpPr txBox="1"/>
               <p:nvPr/>
             </p:nvSpPr>
             <p:spPr>
               <a:xfrm>
-                <a:off x="924560" y="2367280"/>
-                <a:ext cx="1751965" cy="934720"/>
+                <a:off x="2779315" y="765100"/>
+                <a:ext cx="5643724" cy="461665"/>
               </a:xfrm>
-              <a:prstGeom prst="roundRect">
+              <a:prstGeom prst="rect">
                 <a:avLst/>
               </a:prstGeom>
-              <a:solidFill>
-                <a:schemeClr val="accent6"/>
-              </a:solidFill>
+              <a:noFill/>
             </p:spPr>
-            <p:style>
-              <a:lnRef idx="2">
-                <a:schemeClr val="accent1">
-                  <a:shade val="50000"/>
-                </a:schemeClr>
-              </a:lnRef>
-              <a:fillRef idx="1">
-                <a:schemeClr val="accent1"/>
-              </a:fillRef>
-              <a:effectRef idx="0">
-                <a:schemeClr val="accent1"/>
-              </a:effectRef>
-              <a:fontRef idx="minor">
-                <a:schemeClr val="lt1"/>
-              </a:fontRef>
-            </p:style>
             <p:txBody>
-              <a:bodyPr rtlCol="0" anchor="ctr"/>
+              <a:bodyPr wrap="none" rtlCol="0">
+                <a:spAutoFit/>
+              </a:bodyPr>
               <a:lstStyle/>
               <a:p>
-                <a:pPr algn="ctr"/>
                 <a:r>
-                  <a:rPr lang="en-US" dirty="0"/>
-                  <a:t>Explain</a:t>
+                  <a:rPr lang="en-US" sz="2400" b="1" dirty="0"/>
+                  <a:t>The “EDGE” acronym for teaching/learning</a:t>
                 </a:r>
               </a:p>
             </p:txBody>
           </p:sp>
-          <p:sp>
-            <p:nvSpPr>
-              <p:cNvPr id="5" name="Rectangle: Rounded Corners 4">
-                <a:extLst>
-                  <a:ext uri="{FF2B5EF4-FFF2-40B4-BE49-F238E27FC236}">
-                    <a16:creationId xmlns:a16="http://schemas.microsoft.com/office/drawing/2014/main" id="{6AFB17C0-1F78-4254-93EC-31A9DB3CA2E6}"/>
-                  </a:ext>
-                </a:extLst>
-              </p:cNvPr>
-              <p:cNvSpPr/>
-              <p:nvPr/>
-            </p:nvSpPr>
-            <p:spPr>
-              <a:xfrm>
-                <a:off x="3429635" y="2367280"/>
-                <a:ext cx="1751965" cy="934720"/>
-              </a:xfrm>
-              <a:prstGeom prst="roundRect">
-                <a:avLst/>
-              </a:prstGeom>
-              <a:solidFill>
-                <a:schemeClr val="accent2"/>
-              </a:solidFill>
-            </p:spPr>
-            <p:style>
-              <a:lnRef idx="2">
-                <a:schemeClr val="accent1">
-                  <a:shade val="50000"/>
-                </a:schemeClr>
-              </a:lnRef>
-              <a:fillRef idx="1">
-                <a:schemeClr val="accent1"/>
-              </a:fillRef>
-              <a:effectRef idx="0">
-                <a:schemeClr val="accent1"/>
-              </a:effectRef>
-              <a:fontRef idx="minor">
-                <a:schemeClr val="lt1"/>
-              </a:fontRef>
-            </p:style>
-            <p:txBody>
-              <a:bodyPr rtlCol="0" anchor="ctr"/>
-              <a:lstStyle/>
-              <a:p>
-                <a:pPr algn="ctr"/>
-                <a:r>
-                  <a:rPr lang="en-US" dirty="0"/>
-                  <a:t>Demonstrate</a:t>
-                </a:r>
-              </a:p>
-            </p:txBody>
-          </p:sp>
-          <p:sp>
-            <p:nvSpPr>
-              <p:cNvPr id="6" name="Rectangle: Rounded Corners 5">
-                <a:extLst>
-                  <a:ext uri="{FF2B5EF4-FFF2-40B4-BE49-F238E27FC236}">
-                    <a16:creationId xmlns:a16="http://schemas.microsoft.com/office/drawing/2014/main" id="{DEABF215-C694-42D8-B2C2-E9AB732883B8}"/>
-                  </a:ext>
-                </a:extLst>
-              </p:cNvPr>
-              <p:cNvSpPr/>
-              <p:nvPr/>
-            </p:nvSpPr>
-            <p:spPr>
-              <a:xfrm>
-                <a:off x="6134419" y="2367280"/>
-                <a:ext cx="1751965" cy="934720"/>
-              </a:xfrm>
-              <a:prstGeom prst="roundRect">
-                <a:avLst/>
-              </a:prstGeom>
-              <a:solidFill>
-                <a:srgbClr val="00B0F0"/>
-              </a:solidFill>
-            </p:spPr>
-            <p:style>
-              <a:lnRef idx="2">
-                <a:schemeClr val="accent1">
-                  <a:shade val="50000"/>
-                </a:schemeClr>
-              </a:lnRef>
-              <a:fillRef idx="1">
-                <a:schemeClr val="accent1"/>
-              </a:fillRef>
-              <a:effectRef idx="0">
-                <a:schemeClr val="accent1"/>
-              </a:effectRef>
-              <a:fontRef idx="minor">
-                <a:schemeClr val="lt1"/>
-              </a:fontRef>
-            </p:style>
-            <p:txBody>
-              <a:bodyPr rtlCol="0" anchor="ctr"/>
-              <a:lstStyle/>
-              <a:p>
-                <a:pPr algn="ctr"/>
-                <a:r>
-                  <a:rPr lang="en-US" dirty="0"/>
-                  <a:t>Guide</a:t>
-                </a:r>
-              </a:p>
-            </p:txBody>
-          </p:sp>
-          <p:sp>
-            <p:nvSpPr>
-              <p:cNvPr id="7" name="Rectangle: Rounded Corners 6">
-                <a:extLst>
-                  <a:ext uri="{FF2B5EF4-FFF2-40B4-BE49-F238E27FC236}">
-                    <a16:creationId xmlns:a16="http://schemas.microsoft.com/office/drawing/2014/main" id="{4D9AB747-04E9-4577-88C4-25036C4D7660}"/>
-                  </a:ext>
-                </a:extLst>
-              </p:cNvPr>
-              <p:cNvSpPr/>
-              <p:nvPr/>
-            </p:nvSpPr>
-            <p:spPr>
-              <a:xfrm>
-                <a:off x="8925560" y="2367280"/>
-                <a:ext cx="1751965" cy="934720"/>
-              </a:xfrm>
-              <a:prstGeom prst="roundRect">
-                <a:avLst/>
-              </a:prstGeom>
-            </p:spPr>
-            <p:style>
-              <a:lnRef idx="2">
-                <a:schemeClr val="accent1">
-                  <a:shade val="50000"/>
-                </a:schemeClr>
-              </a:lnRef>
-              <a:fillRef idx="1">
-                <a:schemeClr val="accent1"/>
-              </a:fillRef>
-              <a:effectRef idx="0">
-                <a:schemeClr val="accent1"/>
-              </a:effectRef>
-              <a:fontRef idx="minor">
-                <a:schemeClr val="lt1"/>
-              </a:fontRef>
-            </p:style>
-            <p:txBody>
-              <a:bodyPr rtlCol="0" anchor="ctr"/>
-              <a:lstStyle/>
-              <a:p>
-                <a:pPr algn="ctr"/>
-                <a:r>
-                  <a:rPr lang="en-US" dirty="0"/>
-                  <a:t>Evaluate</a:t>
-                </a:r>
-              </a:p>
-            </p:txBody>
-          </p:sp>
-          <p:sp>
-            <p:nvSpPr>
-              <p:cNvPr id="8" name="Arrow: Right 7">
-                <a:extLst>
-                  <a:ext uri="{FF2B5EF4-FFF2-40B4-BE49-F238E27FC236}">
-                    <a16:creationId xmlns:a16="http://schemas.microsoft.com/office/drawing/2014/main" id="{D6528606-6C1C-4247-B1C4-8963009ECFF9}"/>
-                  </a:ext>
-                </a:extLst>
-              </p:cNvPr>
-              <p:cNvSpPr/>
-              <p:nvPr/>
-            </p:nvSpPr>
-            <p:spPr>
-              <a:xfrm>
-                <a:off x="2876550" y="2705100"/>
-                <a:ext cx="381000" cy="314325"/>
-              </a:xfrm>
-              <a:prstGeom prst="rightArrow">
-                <a:avLst/>
-              </a:prstGeom>
-              <a:solidFill>
-                <a:schemeClr val="tx1"/>
-              </a:solidFill>
-            </p:spPr>
-            <p:style>
-              <a:lnRef idx="2">
-                <a:schemeClr val="accent1">
-                  <a:shade val="50000"/>
-                </a:schemeClr>
-              </a:lnRef>
-              <a:fillRef idx="1">
-                <a:schemeClr val="accent1"/>
-              </a:fillRef>
-              <a:effectRef idx="0">
-                <a:schemeClr val="accent1"/>
-              </a:effectRef>
-              <a:fontRef idx="minor">
-                <a:schemeClr val="lt1"/>
-              </a:fontRef>
-            </p:style>
-            <p:txBody>
-              <a:bodyPr rtlCol="0" anchor="ctr"/>
-              <a:lstStyle/>
-              <a:p>
-                <a:pPr algn="ctr"/>
-                <a:endParaRPr lang="en-US"/>
-              </a:p>
-            </p:txBody>
-          </p:sp>
-          <p:sp>
-            <p:nvSpPr>
-              <p:cNvPr id="9" name="Arrow: Right 8">
-                <a:extLst>
-                  <a:ext uri="{FF2B5EF4-FFF2-40B4-BE49-F238E27FC236}">
-                    <a16:creationId xmlns:a16="http://schemas.microsoft.com/office/drawing/2014/main" id="{FD19A871-AF91-4802-940D-7607D1BBD111}"/>
-                  </a:ext>
-                </a:extLst>
-              </p:cNvPr>
-              <p:cNvSpPr/>
-              <p:nvPr/>
-            </p:nvSpPr>
-            <p:spPr>
-              <a:xfrm>
-                <a:off x="5429727" y="2677477"/>
-                <a:ext cx="381000" cy="314325"/>
-              </a:xfrm>
-              <a:prstGeom prst="rightArrow">
-                <a:avLst/>
-              </a:prstGeom>
-              <a:solidFill>
-                <a:schemeClr val="tx1"/>
-              </a:solidFill>
-            </p:spPr>
-            <p:style>
-              <a:lnRef idx="2">
-                <a:schemeClr val="accent1">
-                  <a:shade val="50000"/>
-                </a:schemeClr>
-              </a:lnRef>
-              <a:fillRef idx="1">
-                <a:schemeClr val="accent1"/>
-              </a:fillRef>
-              <a:effectRef idx="0">
-                <a:schemeClr val="accent1"/>
-              </a:effectRef>
-              <a:fontRef idx="minor">
-                <a:schemeClr val="lt1"/>
-              </a:fontRef>
-            </p:style>
-            <p:txBody>
-              <a:bodyPr rtlCol="0" anchor="ctr"/>
-              <a:lstStyle/>
-              <a:p>
-                <a:pPr algn="ctr"/>
-                <a:endParaRPr lang="en-US"/>
-              </a:p>
-            </p:txBody>
-          </p:sp>
-          <p:sp>
-            <p:nvSpPr>
-              <p:cNvPr id="10" name="Arrow: Right 9">
-                <a:extLst>
-                  <a:ext uri="{FF2B5EF4-FFF2-40B4-BE49-F238E27FC236}">
-                    <a16:creationId xmlns:a16="http://schemas.microsoft.com/office/drawing/2014/main" id="{17E43123-59C0-41BB-B908-03A2351DF7FE}"/>
-                  </a:ext>
-                </a:extLst>
-              </p:cNvPr>
-              <p:cNvSpPr/>
-              <p:nvPr/>
-            </p:nvSpPr>
-            <p:spPr>
-              <a:xfrm>
-                <a:off x="8210076" y="2677476"/>
-                <a:ext cx="381000" cy="314325"/>
-              </a:xfrm>
-              <a:prstGeom prst="rightArrow">
-                <a:avLst/>
-              </a:prstGeom>
-              <a:solidFill>
-                <a:schemeClr val="tx1"/>
-              </a:solidFill>
-            </p:spPr>
-            <p:style>
-              <a:lnRef idx="2">
-                <a:schemeClr val="accent1">
-                  <a:shade val="50000"/>
-                </a:schemeClr>
-              </a:lnRef>
-              <a:fillRef idx="1">
-                <a:schemeClr val="accent1"/>
-              </a:fillRef>
-              <a:effectRef idx="0">
-                <a:schemeClr val="accent1"/>
-              </a:effectRef>
-              <a:fontRef idx="minor">
-                <a:schemeClr val="lt1"/>
-              </a:fontRef>
-            </p:style>
-            <p:txBody>
-              <a:bodyPr rtlCol="0" anchor="ctr"/>
-              <a:lstStyle/>
-              <a:p>
-                <a:pPr algn="ctr"/>
-                <a:endParaRPr lang="en-US"/>
-              </a:p>
-            </p:txBody>
-          </p:sp>
         </p:grpSp>
-        <p:pic>
-          <p:nvPicPr>
-            <p:cNvPr id="14" name="Picture 13" descr="Teacher pointing at laptop screen to young students">
+        <p:sp>
+          <p:nvSpPr>
+            <p:cNvPr id="11" name="Rectangle: Rounded Corners 10">
               <a:extLst>
                 <a:ext uri="{FF2B5EF4-FFF2-40B4-BE49-F238E27FC236}">
-                  <a16:creationId xmlns:a16="http://schemas.microsoft.com/office/drawing/2014/main" id="{F9902EE4-E924-4C83-B663-5B19A6466995}"/>
+                  <a16:creationId xmlns:a16="http://schemas.microsoft.com/office/drawing/2014/main" id="{EAEE53C9-8241-4812-A384-118B1EE155FC}"/>
                 </a:ext>
               </a:extLst>
             </p:cNvPr>
-            <p:cNvPicPr>
-              <a:picLocks noChangeAspect="1"/>
-            </p:cNvPicPr>
+            <p:cNvSpPr/>
             <p:nvPr/>
-          </p:nvPicPr>
-          <p:blipFill>
-            <a:blip r:embed="rId2">
-              <a:extLst>
-                <a:ext uri="{28A0092B-C50C-407E-A947-70E740481C1C}">
-                  <a14:useLocalDpi xmlns:a14="http://schemas.microsoft.com/office/drawing/2010/main" val="0"/>
-                </a:ext>
-              </a:extLst>
-            </a:blip>
-            <a:stretch>
-              <a:fillRect/>
-            </a:stretch>
-          </p:blipFill>
+          </p:nvSpPr>
           <p:spPr>
             <a:xfrm>
-              <a:off x="5982177" y="658237"/>
-              <a:ext cx="2308497" cy="1538623"/>
+              <a:off x="934720" y="2533650"/>
+              <a:ext cx="4589303" cy="1247775"/>
             </a:xfrm>
-            <a:prstGeom prst="rect">
+            <a:prstGeom prst="roundRect">
               <a:avLst/>
             </a:prstGeom>
+            <a:noFill/>
+            <a:ln w="66675">
+              <a:solidFill>
+                <a:srgbClr val="FF0000"/>
+              </a:solidFill>
+            </a:ln>
           </p:spPr>
-        </p:pic>
-        <p:pic>
-          <p:nvPicPr>
-            <p:cNvPr id="17" name="Picture 16" descr="Graphical user interface&#10;&#10;Description automatically generated">
-              <a:extLst>
-                <a:ext uri="{FF2B5EF4-FFF2-40B4-BE49-F238E27FC236}">
-                  <a16:creationId xmlns:a16="http://schemas.microsoft.com/office/drawing/2014/main" id="{49BC7F51-6CF5-4964-9794-E25F46339A1F}"/>
-                </a:ext>
-              </a:extLst>
-            </p:cNvPr>
-            <p:cNvPicPr>
-              <a:picLocks noChangeAspect="1"/>
-            </p:cNvPicPr>
-            <p:nvPr/>
-          </p:nvPicPr>
-          <p:blipFill>
-            <a:blip r:embed="rId3">
-              <a:extLst>
-                <a:ext uri="{28A0092B-C50C-407E-A947-70E740481C1C}">
-                  <a14:useLocalDpi xmlns:a14="http://schemas.microsoft.com/office/drawing/2010/main" val="0"/>
-                </a:ext>
-              </a:extLst>
-            </a:blip>
-            <a:stretch>
-              <a:fillRect/>
-            </a:stretch>
-          </p:blipFill>
-          <p:spPr>
-            <a:xfrm>
-              <a:off x="2688888" y="4479151"/>
-              <a:ext cx="3616981" cy="1751064"/>
-            </a:xfrm>
-            <a:prstGeom prst="rect">
-              <a:avLst/>
-            </a:prstGeom>
-          </p:spPr>
-        </p:pic>
-        <p:pic>
-          <p:nvPicPr>
-            <p:cNvPr id="19" name="Picture 18" descr="A picture containing text&#10;&#10;Description automatically generated">
-              <a:extLst>
-                <a:ext uri="{FF2B5EF4-FFF2-40B4-BE49-F238E27FC236}">
-                  <a16:creationId xmlns:a16="http://schemas.microsoft.com/office/drawing/2014/main" id="{1E7A230C-C80A-4652-8B8E-0235E37F4572}"/>
-                </a:ext>
-              </a:extLst>
-            </p:cNvPr>
-            <p:cNvPicPr>
-              <a:picLocks noChangeAspect="1"/>
-            </p:cNvPicPr>
-            <p:nvPr/>
-          </p:nvPicPr>
-          <p:blipFill>
-            <a:blip r:embed="rId4">
-              <a:extLst>
-                <a:ext uri="{28A0092B-C50C-407E-A947-70E740481C1C}">
-                  <a14:useLocalDpi xmlns:a14="http://schemas.microsoft.com/office/drawing/2010/main" val="0"/>
-                </a:ext>
-              </a:extLst>
-            </a:blip>
-            <a:stretch>
-              <a:fillRect/>
-            </a:stretch>
-          </p:blipFill>
-          <p:spPr>
-            <a:xfrm>
-              <a:off x="553002" y="954551"/>
-              <a:ext cx="2837979" cy="945993"/>
-            </a:xfrm>
-            <a:prstGeom prst="rect">
-              <a:avLst/>
-            </a:prstGeom>
-          </p:spPr>
-        </p:pic>
-        <p:pic>
-          <p:nvPicPr>
-            <p:cNvPr id="21" name="Graphic 20" descr="Clipboard Partially Checked with solid fill">
-              <a:extLst>
-                <a:ext uri="{FF2B5EF4-FFF2-40B4-BE49-F238E27FC236}">
-                  <a16:creationId xmlns:a16="http://schemas.microsoft.com/office/drawing/2014/main" id="{FA4DBB1C-582A-4BAD-B36F-59770E178DE8}"/>
-                </a:ext>
-              </a:extLst>
-            </p:cNvPr>
-            <p:cNvPicPr>
-              <a:picLocks noChangeAspect="1"/>
-            </p:cNvPicPr>
-            <p:nvPr/>
-          </p:nvPicPr>
-          <p:blipFill>
-            <a:blip r:embed="rId5">
-              <a:extLst>
-                <a:ext uri="{28A0092B-C50C-407E-A947-70E740481C1C}">
-                  <a14:useLocalDpi xmlns:a14="http://schemas.microsoft.com/office/drawing/2010/main" val="0"/>
-                </a:ext>
-                <a:ext uri="{96DAC541-7B7A-43D3-8B79-37D633B846F1}">
-                  <asvg:svgBlip xmlns:asvg="http://schemas.microsoft.com/office/drawing/2016/SVG/main" r:embed="rId6"/>
-                </a:ext>
-              </a:extLst>
-            </a:blip>
-            <a:stretch>
-              <a:fillRect/>
-            </a:stretch>
-          </p:blipFill>
-          <p:spPr>
-            <a:xfrm>
-              <a:off x="9215754" y="4597445"/>
-              <a:ext cx="1514475" cy="1514475"/>
-            </a:xfrm>
-            <a:prstGeom prst="rect">
-              <a:avLst/>
-            </a:prstGeom>
-          </p:spPr>
-        </p:pic>
+          <p:style>
+            <a:lnRef idx="2">
+              <a:schemeClr val="accent1">
+                <a:shade val="50000"/>
+              </a:schemeClr>
+            </a:lnRef>
+            <a:fillRef idx="1">
+              <a:schemeClr val="accent1"/>
+            </a:fillRef>
+            <a:effectRef idx="0">
+              <a:schemeClr val="accent1"/>
+            </a:effectRef>
+            <a:fontRef idx="minor">
+              <a:schemeClr val="lt1"/>
+            </a:fontRef>
+          </p:style>
+          <p:txBody>
+            <a:bodyPr rtlCol="0" anchor="ctr"/>
+            <a:lstStyle/>
+            <a:p>
+              <a:pPr algn="ctr"/>
+              <a:endParaRPr lang="en-US"/>
+            </a:p>
+          </p:txBody>
+        </p:sp>
       </p:grpSp>
     </p:spTree>
     <p:extLst>

--- a/presentation/images/images_powerpoint.pptx
+++ b/presentation/images/images_powerpoint.pptx
@@ -6,6 +6,7 @@
   </p:sldMasterIdLst>
   <p:sldIdLst>
     <p:sldId id="256" r:id="rId2"/>
+    <p:sldId id="257" r:id="rId3"/>
   </p:sldIdLst>
   <p:sldSz cx="12192000" cy="6858000"/>
   <p:notesSz cx="6858000" cy="9144000"/>
@@ -3340,10 +3341,10 @@
         </p:nvGrpSpPr>
         <p:grpSpPr>
           <a:xfrm>
-            <a:off x="591021" y="765100"/>
-            <a:ext cx="10257954" cy="4464610"/>
-            <a:chOff x="591021" y="765100"/>
-            <a:chExt cx="10257954" cy="4464610"/>
+            <a:off x="445690" y="1432420"/>
+            <a:ext cx="10393760" cy="4195925"/>
+            <a:chOff x="455215" y="1432420"/>
+            <a:chExt cx="10393760" cy="4195925"/>
           </a:xfrm>
         </p:grpSpPr>
         <p:grpSp>
@@ -3360,10 +3361,10 @@
           </p:nvGrpSpPr>
           <p:grpSpPr>
             <a:xfrm>
-              <a:off x="591021" y="765100"/>
-              <a:ext cx="10257954" cy="4464610"/>
-              <a:chOff x="591021" y="765100"/>
-              <a:chExt cx="10257954" cy="4464610"/>
+              <a:off x="455215" y="1432420"/>
+              <a:ext cx="10393760" cy="4195925"/>
+              <a:chOff x="455215" y="1432420"/>
+              <a:chExt cx="10393760" cy="4195925"/>
             </a:xfrm>
           </p:grpSpPr>
           <p:grpSp>
@@ -3645,7 +3646,7 @@
                 </p:nvSpPr>
                 <p:spPr>
                   <a:xfrm>
-                    <a:off x="2876550" y="2705100"/>
+                    <a:off x="2809717" y="2708910"/>
                     <a:ext cx="381000" cy="314325"/>
                   </a:xfrm>
                   <a:prstGeom prst="rightArrow">
@@ -3999,8 +4000,8 @@
             </p:nvSpPr>
             <p:spPr>
               <a:xfrm>
-                <a:off x="2779315" y="765100"/>
-                <a:ext cx="5643724" cy="461665"/>
+                <a:off x="455215" y="5320568"/>
+                <a:ext cx="3366371" cy="307777"/>
               </a:xfrm>
               <a:prstGeom prst="rect">
                 <a:avLst/>
@@ -4014,7 +4015,7 @@
               <a:lstStyle/>
               <a:p>
                 <a:r>
-                  <a:rPr lang="en-US" sz="2400" b="1" dirty="0"/>
+                  <a:rPr lang="en-US" sz="1400" b="1" dirty="0"/>
                   <a:t>The “EDGE” acronym for teaching/learning</a:t>
                 </a:r>
               </a:p>
@@ -4035,8 +4036,8 @@
           </p:nvSpPr>
           <p:spPr>
             <a:xfrm>
-              <a:off x="934720" y="2533650"/>
-              <a:ext cx="4589303" cy="1247775"/>
+              <a:off x="3429000" y="2533650"/>
+              <a:ext cx="2095023" cy="1247775"/>
             </a:xfrm>
             <a:prstGeom prst="roundRect">
               <a:avLst/>
@@ -4078,6 +4079,75 @@
     <p:extLst>
       <p:ext uri="{BB962C8B-B14F-4D97-AF65-F5344CB8AC3E}">
         <p14:creationId xmlns:p14="http://schemas.microsoft.com/office/powerpoint/2010/main" val="2403848625"/>
+      </p:ext>
+    </p:extLst>
+  </p:cSld>
+  <p:clrMapOvr>
+    <a:masterClrMapping/>
+  </p:clrMapOvr>
+</p:sld>
+</file>
+
+<file path=ppt/slides/slide2.xml><?xml version="1.0" encoding="utf-8"?>
+<p:sld xmlns:a="http://schemas.openxmlformats.org/drawingml/2006/main" xmlns:r="http://schemas.openxmlformats.org/officeDocument/2006/relationships" xmlns:p="http://schemas.openxmlformats.org/presentationml/2006/main">
+  <p:cSld>
+    <p:spTree>
+      <p:nvGrpSpPr>
+        <p:cNvPr id="1" name=""/>
+        <p:cNvGrpSpPr/>
+        <p:nvPr/>
+      </p:nvGrpSpPr>
+      <p:grpSpPr>
+        <a:xfrm>
+          <a:off x="0" y="0"/>
+          <a:ext cx="0" cy="0"/>
+          <a:chOff x="0" y="0"/>
+          <a:chExt cx="0" cy="0"/>
+        </a:xfrm>
+      </p:grpSpPr>
+      <p:pic>
+        <p:nvPicPr>
+          <p:cNvPr id="5" name="Graphic 4" descr="Three brushes with paint tube and a swash of paint">
+            <a:extLst>
+              <a:ext uri="{FF2B5EF4-FFF2-40B4-BE49-F238E27FC236}">
+                <a16:creationId xmlns:a16="http://schemas.microsoft.com/office/drawing/2014/main" id="{EFDEE867-4656-4A4B-8EF8-8CE4097934E1}"/>
+              </a:ext>
+            </a:extLst>
+          </p:cNvPr>
+          <p:cNvPicPr>
+            <a:picLocks noChangeAspect="1"/>
+          </p:cNvPicPr>
+          <p:nvPr/>
+        </p:nvPicPr>
+        <p:blipFill>
+          <a:blip r:embed="rId2">
+            <a:extLst>
+              <a:ext uri="{28A0092B-C50C-407E-A947-70E740481C1C}">
+                <a14:useLocalDpi xmlns:a14="http://schemas.microsoft.com/office/drawing/2010/main" val="0"/>
+              </a:ext>
+              <a:ext uri="{96DAC541-7B7A-43D3-8B79-37D633B846F1}">
+                <asvg:svgBlip xmlns:asvg="http://schemas.microsoft.com/office/drawing/2016/SVG/main" r:embed="rId3"/>
+              </a:ext>
+            </a:extLst>
+          </a:blip>
+          <a:stretch>
+            <a:fillRect/>
+          </a:stretch>
+        </p:blipFill>
+        <p:spPr>
+          <a:xfrm>
+            <a:off x="2667000" y="0"/>
+            <a:ext cx="6858000" cy="6858000"/>
+          </a:xfrm>
+          <a:prstGeom prst="rect">
+            <a:avLst/>
+          </a:prstGeom>
+        </p:spPr>
+      </p:pic>
+    </p:spTree>
+    <p:extLst>
+      <p:ext uri="{BB962C8B-B14F-4D97-AF65-F5344CB8AC3E}">
+        <p14:creationId xmlns:p14="http://schemas.microsoft.com/office/powerpoint/2010/main" val="2022046001"/>
       </p:ext>
     </p:extLst>
   </p:cSld>

--- a/presentation/images/images_powerpoint.pptx
+++ b/presentation/images/images_powerpoint.pptx
@@ -4,9 +4,17 @@
   <p:sldMasterIdLst>
     <p:sldMasterId id="2147483648" r:id="rId1"/>
   </p:sldMasterIdLst>
+  <p:notesMasterIdLst>
+    <p:notesMasterId r:id="rId9"/>
+  </p:notesMasterIdLst>
   <p:sldIdLst>
     <p:sldId id="256" r:id="rId2"/>
     <p:sldId id="257" r:id="rId3"/>
+    <p:sldId id="258" r:id="rId4"/>
+    <p:sldId id="259" r:id="rId5"/>
+    <p:sldId id="262" r:id="rId6"/>
+    <p:sldId id="261" r:id="rId7"/>
+    <p:sldId id="260" r:id="rId8"/>
   </p:sldIdLst>
   <p:sldSz cx="12192000" cy="6858000"/>
   <p:notesSz cx="6858000" cy="9144000"/>
@@ -113,6 +121,1208 @@
 </p:presentation>
 </file>
 
+<file path=ppt/notesMasters/notesMaster1.xml><?xml version="1.0" encoding="utf-8"?>
+<p:notesMaster xmlns:a="http://schemas.openxmlformats.org/drawingml/2006/main" xmlns:r="http://schemas.openxmlformats.org/officeDocument/2006/relationships" xmlns:p="http://schemas.openxmlformats.org/presentationml/2006/main">
+  <p:cSld>
+    <p:bg>
+      <p:bgRef idx="1001">
+        <a:schemeClr val="bg1"/>
+      </p:bgRef>
+    </p:bg>
+    <p:spTree>
+      <p:nvGrpSpPr>
+        <p:cNvPr id="1" name=""/>
+        <p:cNvGrpSpPr/>
+        <p:nvPr/>
+      </p:nvGrpSpPr>
+      <p:grpSpPr>
+        <a:xfrm>
+          <a:off x="0" y="0"/>
+          <a:ext cx="0" cy="0"/>
+          <a:chOff x="0" y="0"/>
+          <a:chExt cx="0" cy="0"/>
+        </a:xfrm>
+      </p:grpSpPr>
+      <p:sp>
+        <p:nvSpPr>
+          <p:cNvPr id="2" name="Header Placeholder 1"/>
+          <p:cNvSpPr>
+            <a:spLocks noGrp="1"/>
+          </p:cNvSpPr>
+          <p:nvPr>
+            <p:ph type="hdr" sz="quarter"/>
+          </p:nvPr>
+        </p:nvSpPr>
+        <p:spPr>
+          <a:xfrm>
+            <a:off x="0" y="0"/>
+            <a:ext cx="2971800" cy="458788"/>
+          </a:xfrm>
+          <a:prstGeom prst="rect">
+            <a:avLst/>
+          </a:prstGeom>
+        </p:spPr>
+        <p:txBody>
+          <a:bodyPr vert="horz" lIns="91440" tIns="45720" rIns="91440" bIns="45720" rtlCol="0"/>
+          <a:lstStyle>
+            <a:lvl1pPr algn="l">
+              <a:defRPr sz="1200"/>
+            </a:lvl1pPr>
+          </a:lstStyle>
+          <a:p>
+            <a:endParaRPr lang="en-GB"/>
+          </a:p>
+        </p:txBody>
+      </p:sp>
+      <p:sp>
+        <p:nvSpPr>
+          <p:cNvPr id="3" name="Date Placeholder 2"/>
+          <p:cNvSpPr>
+            <a:spLocks noGrp="1"/>
+          </p:cNvSpPr>
+          <p:nvPr>
+            <p:ph type="dt" idx="1"/>
+          </p:nvPr>
+        </p:nvSpPr>
+        <p:spPr>
+          <a:xfrm>
+            <a:off x="3884613" y="0"/>
+            <a:ext cx="2971800" cy="458788"/>
+          </a:xfrm>
+          <a:prstGeom prst="rect">
+            <a:avLst/>
+          </a:prstGeom>
+        </p:spPr>
+        <p:txBody>
+          <a:bodyPr vert="horz" lIns="91440" tIns="45720" rIns="91440" bIns="45720" rtlCol="0"/>
+          <a:lstStyle>
+            <a:lvl1pPr algn="r">
+              <a:defRPr sz="1200"/>
+            </a:lvl1pPr>
+          </a:lstStyle>
+          <a:p>
+            <a:fld id="{9854ADCD-1159-43E7-A9E1-F080724D289D}" type="datetimeFigureOut">
+              <a:rPr lang="en-GB" smtClean="0"/>
+              <a:t>03/08/2021</a:t>
+            </a:fld>
+            <a:endParaRPr lang="en-GB"/>
+          </a:p>
+        </p:txBody>
+      </p:sp>
+      <p:sp>
+        <p:nvSpPr>
+          <p:cNvPr id="4" name="Slide Image Placeholder 3"/>
+          <p:cNvSpPr>
+            <a:spLocks noGrp="1" noRot="1" noChangeAspect="1"/>
+          </p:cNvSpPr>
+          <p:nvPr>
+            <p:ph type="sldImg" idx="2"/>
+          </p:nvPr>
+        </p:nvSpPr>
+        <p:spPr>
+          <a:xfrm>
+            <a:off x="685800" y="1143000"/>
+            <a:ext cx="5486400" cy="3086100"/>
+          </a:xfrm>
+          <a:prstGeom prst="rect">
+            <a:avLst/>
+          </a:prstGeom>
+          <a:noFill/>
+          <a:ln w="12700">
+            <a:solidFill>
+              <a:prstClr val="black"/>
+            </a:solidFill>
+          </a:ln>
+        </p:spPr>
+        <p:txBody>
+          <a:bodyPr vert="horz" lIns="91440" tIns="45720" rIns="91440" bIns="45720" rtlCol="0" anchor="ctr"/>
+          <a:lstStyle/>
+          <a:p>
+            <a:endParaRPr lang="en-GB"/>
+          </a:p>
+        </p:txBody>
+      </p:sp>
+      <p:sp>
+        <p:nvSpPr>
+          <p:cNvPr id="5" name="Notes Placeholder 4"/>
+          <p:cNvSpPr>
+            <a:spLocks noGrp="1"/>
+          </p:cNvSpPr>
+          <p:nvPr>
+            <p:ph type="body" sz="quarter" idx="3"/>
+          </p:nvPr>
+        </p:nvSpPr>
+        <p:spPr>
+          <a:xfrm>
+            <a:off x="685800" y="4400550"/>
+            <a:ext cx="5486400" cy="3600450"/>
+          </a:xfrm>
+          <a:prstGeom prst="rect">
+            <a:avLst/>
+          </a:prstGeom>
+        </p:spPr>
+        <p:txBody>
+          <a:bodyPr vert="horz" lIns="91440" tIns="45720" rIns="91440" bIns="45720" rtlCol="0"/>
+          <a:lstStyle/>
+          <a:p>
+            <a:pPr lvl="0"/>
+            <a:r>
+              <a:rPr lang="en-US" smtClean="0"/>
+              <a:t>Click to edit Master text styles</a:t>
+            </a:r>
+          </a:p>
+          <a:p>
+            <a:pPr lvl="1"/>
+            <a:r>
+              <a:rPr lang="en-US" smtClean="0"/>
+              <a:t>Second level</a:t>
+            </a:r>
+          </a:p>
+          <a:p>
+            <a:pPr lvl="2"/>
+            <a:r>
+              <a:rPr lang="en-US" smtClean="0"/>
+              <a:t>Third level</a:t>
+            </a:r>
+          </a:p>
+          <a:p>
+            <a:pPr lvl="3"/>
+            <a:r>
+              <a:rPr lang="en-US" smtClean="0"/>
+              <a:t>Fourth level</a:t>
+            </a:r>
+          </a:p>
+          <a:p>
+            <a:pPr lvl="4"/>
+            <a:r>
+              <a:rPr lang="en-US" smtClean="0"/>
+              <a:t>Fifth level</a:t>
+            </a:r>
+            <a:endParaRPr lang="en-GB"/>
+          </a:p>
+        </p:txBody>
+      </p:sp>
+      <p:sp>
+        <p:nvSpPr>
+          <p:cNvPr id="6" name="Footer Placeholder 5"/>
+          <p:cNvSpPr>
+            <a:spLocks noGrp="1"/>
+          </p:cNvSpPr>
+          <p:nvPr>
+            <p:ph type="ftr" sz="quarter" idx="4"/>
+          </p:nvPr>
+        </p:nvSpPr>
+        <p:spPr>
+          <a:xfrm>
+            <a:off x="0" y="8685213"/>
+            <a:ext cx="2971800" cy="458787"/>
+          </a:xfrm>
+          <a:prstGeom prst="rect">
+            <a:avLst/>
+          </a:prstGeom>
+        </p:spPr>
+        <p:txBody>
+          <a:bodyPr vert="horz" lIns="91440" tIns="45720" rIns="91440" bIns="45720" rtlCol="0" anchor="b"/>
+          <a:lstStyle>
+            <a:lvl1pPr algn="l">
+              <a:defRPr sz="1200"/>
+            </a:lvl1pPr>
+          </a:lstStyle>
+          <a:p>
+            <a:endParaRPr lang="en-GB"/>
+          </a:p>
+        </p:txBody>
+      </p:sp>
+      <p:sp>
+        <p:nvSpPr>
+          <p:cNvPr id="7" name="Slide Number Placeholder 6"/>
+          <p:cNvSpPr>
+            <a:spLocks noGrp="1"/>
+          </p:cNvSpPr>
+          <p:nvPr>
+            <p:ph type="sldNum" sz="quarter" idx="5"/>
+          </p:nvPr>
+        </p:nvSpPr>
+        <p:spPr>
+          <a:xfrm>
+            <a:off x="3884613" y="8685213"/>
+            <a:ext cx="2971800" cy="458787"/>
+          </a:xfrm>
+          <a:prstGeom prst="rect">
+            <a:avLst/>
+          </a:prstGeom>
+        </p:spPr>
+        <p:txBody>
+          <a:bodyPr vert="horz" lIns="91440" tIns="45720" rIns="91440" bIns="45720" rtlCol="0" anchor="b"/>
+          <a:lstStyle>
+            <a:lvl1pPr algn="r">
+              <a:defRPr sz="1200"/>
+            </a:lvl1pPr>
+          </a:lstStyle>
+          <a:p>
+            <a:fld id="{BF3D907E-A4F6-4EA9-8F24-EBDC358A6DD0}" type="slidenum">
+              <a:rPr lang="en-GB" smtClean="0"/>
+              <a:t>‹#›</a:t>
+            </a:fld>
+            <a:endParaRPr lang="en-GB"/>
+          </a:p>
+        </p:txBody>
+      </p:sp>
+    </p:spTree>
+    <p:extLst>
+      <p:ext uri="{BB962C8B-B14F-4D97-AF65-F5344CB8AC3E}">
+        <p14:creationId xmlns:p14="http://schemas.microsoft.com/office/powerpoint/2010/main" val="2230036045"/>
+      </p:ext>
+    </p:extLst>
+  </p:cSld>
+  <p:clrMap bg1="lt1" tx1="dk1" bg2="lt2" tx2="dk2" accent1="accent1" accent2="accent2" accent3="accent3" accent4="accent4" accent5="accent5" accent6="accent6" hlink="hlink" folHlink="folHlink"/>
+  <p:notesStyle>
+    <a:lvl1pPr marL="0" algn="l" defTabSz="914400" rtl="0" eaLnBrk="1" latinLnBrk="0" hangingPunct="1">
+      <a:defRPr sz="1200" kern="1200">
+        <a:solidFill>
+          <a:schemeClr val="tx1"/>
+        </a:solidFill>
+        <a:latin typeface="+mn-lt"/>
+        <a:ea typeface="+mn-ea"/>
+        <a:cs typeface="+mn-cs"/>
+      </a:defRPr>
+    </a:lvl1pPr>
+    <a:lvl2pPr marL="457200" algn="l" defTabSz="914400" rtl="0" eaLnBrk="1" latinLnBrk="0" hangingPunct="1">
+      <a:defRPr sz="1200" kern="1200">
+        <a:solidFill>
+          <a:schemeClr val="tx1"/>
+        </a:solidFill>
+        <a:latin typeface="+mn-lt"/>
+        <a:ea typeface="+mn-ea"/>
+        <a:cs typeface="+mn-cs"/>
+      </a:defRPr>
+    </a:lvl2pPr>
+    <a:lvl3pPr marL="914400" algn="l" defTabSz="914400" rtl="0" eaLnBrk="1" latinLnBrk="0" hangingPunct="1">
+      <a:defRPr sz="1200" kern="1200">
+        <a:solidFill>
+          <a:schemeClr val="tx1"/>
+        </a:solidFill>
+        <a:latin typeface="+mn-lt"/>
+        <a:ea typeface="+mn-ea"/>
+        <a:cs typeface="+mn-cs"/>
+      </a:defRPr>
+    </a:lvl3pPr>
+    <a:lvl4pPr marL="1371600" algn="l" defTabSz="914400" rtl="0" eaLnBrk="1" latinLnBrk="0" hangingPunct="1">
+      <a:defRPr sz="1200" kern="1200">
+        <a:solidFill>
+          <a:schemeClr val="tx1"/>
+        </a:solidFill>
+        <a:latin typeface="+mn-lt"/>
+        <a:ea typeface="+mn-ea"/>
+        <a:cs typeface="+mn-cs"/>
+      </a:defRPr>
+    </a:lvl4pPr>
+    <a:lvl5pPr marL="1828800" algn="l" defTabSz="914400" rtl="0" eaLnBrk="1" latinLnBrk="0" hangingPunct="1">
+      <a:defRPr sz="1200" kern="1200">
+        <a:solidFill>
+          <a:schemeClr val="tx1"/>
+        </a:solidFill>
+        <a:latin typeface="+mn-lt"/>
+        <a:ea typeface="+mn-ea"/>
+        <a:cs typeface="+mn-cs"/>
+      </a:defRPr>
+    </a:lvl5pPr>
+    <a:lvl6pPr marL="2286000" algn="l" defTabSz="914400" rtl="0" eaLnBrk="1" latinLnBrk="0" hangingPunct="1">
+      <a:defRPr sz="1200" kern="1200">
+        <a:solidFill>
+          <a:schemeClr val="tx1"/>
+        </a:solidFill>
+        <a:latin typeface="+mn-lt"/>
+        <a:ea typeface="+mn-ea"/>
+        <a:cs typeface="+mn-cs"/>
+      </a:defRPr>
+    </a:lvl6pPr>
+    <a:lvl7pPr marL="2743200" algn="l" defTabSz="914400" rtl="0" eaLnBrk="1" latinLnBrk="0" hangingPunct="1">
+      <a:defRPr sz="1200" kern="1200">
+        <a:solidFill>
+          <a:schemeClr val="tx1"/>
+        </a:solidFill>
+        <a:latin typeface="+mn-lt"/>
+        <a:ea typeface="+mn-ea"/>
+        <a:cs typeface="+mn-cs"/>
+      </a:defRPr>
+    </a:lvl7pPr>
+    <a:lvl8pPr marL="3200400" algn="l" defTabSz="914400" rtl="0" eaLnBrk="1" latinLnBrk="0" hangingPunct="1">
+      <a:defRPr sz="1200" kern="1200">
+        <a:solidFill>
+          <a:schemeClr val="tx1"/>
+        </a:solidFill>
+        <a:latin typeface="+mn-lt"/>
+        <a:ea typeface="+mn-ea"/>
+        <a:cs typeface="+mn-cs"/>
+      </a:defRPr>
+    </a:lvl8pPr>
+    <a:lvl9pPr marL="3657600" algn="l" defTabSz="914400" rtl="0" eaLnBrk="1" latinLnBrk="0" hangingPunct="1">
+      <a:defRPr sz="1200" kern="1200">
+        <a:solidFill>
+          <a:schemeClr val="tx1"/>
+        </a:solidFill>
+        <a:latin typeface="+mn-lt"/>
+        <a:ea typeface="+mn-ea"/>
+        <a:cs typeface="+mn-cs"/>
+      </a:defRPr>
+    </a:lvl9pPr>
+  </p:notesStyle>
+</p:notesMaster>
+</file>
+
+<file path=ppt/notesSlides/notesSlide1.xml><?xml version="1.0" encoding="utf-8"?>
+<p:notes xmlns:a="http://schemas.openxmlformats.org/drawingml/2006/main" xmlns:r="http://schemas.openxmlformats.org/officeDocument/2006/relationships" xmlns:p="http://schemas.openxmlformats.org/presentationml/2006/main" showMasterSp="0" showMasterPhAnim="0">
+  <p:cSld>
+    <p:spTree>
+      <p:nvGrpSpPr>
+        <p:cNvPr id="1" name="Shape 165"/>
+        <p:cNvGrpSpPr/>
+        <p:nvPr/>
+      </p:nvGrpSpPr>
+      <p:grpSpPr>
+        <a:xfrm>
+          <a:off x="0" y="0"/>
+          <a:ext cx="0" cy="0"/>
+          <a:chOff x="0" y="0"/>
+          <a:chExt cx="0" cy="0"/>
+        </a:xfrm>
+      </p:grpSpPr>
+      <p:sp>
+        <p:nvSpPr>
+          <p:cNvPr id="166" name="Google Shape;166;ge1146ef680_0_8:notes"/>
+          <p:cNvSpPr>
+            <a:spLocks noGrp="1" noRot="1" noChangeAspect="1"/>
+          </p:cNvSpPr>
+          <p:nvPr>
+            <p:ph type="sldImg" idx="2"/>
+          </p:nvPr>
+        </p:nvSpPr>
+        <p:spPr>
+          <a:xfrm>
+            <a:off x="685800" y="1143000"/>
+            <a:ext cx="5486400" cy="3086100"/>
+          </a:xfrm>
+          <a:custGeom>
+            <a:avLst/>
+            <a:gdLst/>
+            <a:ahLst/>
+            <a:cxnLst/>
+            <a:rect l="l" t="t" r="r" b="b"/>
+            <a:pathLst>
+              <a:path w="120000" h="120000" extrusionOk="0">
+                <a:moveTo>
+                  <a:pt x="0" y="0"/>
+                </a:moveTo>
+                <a:lnTo>
+                  <a:pt x="120000" y="0"/>
+                </a:lnTo>
+                <a:lnTo>
+                  <a:pt x="120000" y="120000"/>
+                </a:lnTo>
+                <a:lnTo>
+                  <a:pt x="0" y="120000"/>
+                </a:lnTo>
+                <a:close/>
+              </a:path>
+            </a:pathLst>
+          </a:custGeom>
+          <a:noFill/>
+          <a:ln w="12700" cap="flat" cmpd="sng">
+            <a:solidFill>
+              <a:srgbClr val="000000"/>
+            </a:solidFill>
+            <a:prstDash val="solid"/>
+            <a:round/>
+            <a:headEnd type="none" w="sm" len="sm"/>
+            <a:tailEnd type="none" w="sm" len="sm"/>
+          </a:ln>
+        </p:spPr>
+      </p:sp>
+      <p:sp>
+        <p:nvSpPr>
+          <p:cNvPr id="167" name="Google Shape;167;ge1146ef680_0_8:notes"/>
+          <p:cNvSpPr txBox="1">
+            <a:spLocks noGrp="1"/>
+          </p:cNvSpPr>
+          <p:nvPr>
+            <p:ph type="body" idx="1"/>
+          </p:nvPr>
+        </p:nvSpPr>
+        <p:spPr>
+          <a:xfrm>
+            <a:off x="685800" y="4400550"/>
+            <a:ext cx="5486400" cy="3600600"/>
+          </a:xfrm>
+          <a:prstGeom prst="rect">
+            <a:avLst/>
+          </a:prstGeom>
+          <a:noFill/>
+          <a:ln>
+            <a:noFill/>
+          </a:ln>
+        </p:spPr>
+        <p:txBody>
+          <a:bodyPr spcFirstLastPara="1" wrap="square" lIns="91425" tIns="45700" rIns="91425" bIns="45700" anchor="t" anchorCtr="0">
+            <a:noAutofit/>
+          </a:bodyPr>
+          <a:lstStyle/>
+          <a:p>
+            <a:pPr marL="0" marR="0" lvl="0" indent="0" algn="l" defTabSz="914400" rtl="0" eaLnBrk="1" fontAlgn="auto" latinLnBrk="0" hangingPunct="1">
+              <a:lnSpc>
+                <a:spcPct val="100000"/>
+              </a:lnSpc>
+              <a:spcBef>
+                <a:spcPts val="0"/>
+              </a:spcBef>
+              <a:spcAft>
+                <a:spcPts val="0"/>
+              </a:spcAft>
+              <a:buClrTx/>
+              <a:buSzPts val="1400"/>
+              <a:buFontTx/>
+              <a:buNone/>
+              <a:tabLst/>
+              <a:defRPr/>
+            </a:pPr>
+            <a:r>
+              <a:rPr lang="en-GB" b="1" dirty="0" smtClean="0">
+                <a:solidFill>
+                  <a:srgbClr val="1155CC"/>
+                </a:solidFill>
+                <a:latin typeface="Calibri" panose="020F0502020204030204" pitchFamily="34" charset="0"/>
+                <a:ea typeface="Helvetica Neue"/>
+                <a:cs typeface="Calibri" panose="020F0502020204030204" pitchFamily="34" charset="0"/>
+                <a:sym typeface="Helvetica Neue"/>
+              </a:rPr>
+              <a:t>Data visualization</a:t>
+            </a:r>
+            <a:r>
+              <a:rPr lang="en-GB" b="1" dirty="0" smtClean="0">
+                <a:latin typeface="Calibri" panose="020F0502020204030204" pitchFamily="34" charset="0"/>
+                <a:ea typeface="Helvetica Neue"/>
+                <a:cs typeface="Calibri" panose="020F0502020204030204" pitchFamily="34" charset="0"/>
+                <a:sym typeface="Helvetica Neue"/>
+              </a:rPr>
+              <a:t/>
+            </a:r>
+            <a:br>
+              <a:rPr lang="en-GB" b="1" dirty="0" smtClean="0">
+                <a:latin typeface="Calibri" panose="020F0502020204030204" pitchFamily="34" charset="0"/>
+                <a:ea typeface="Helvetica Neue"/>
+                <a:cs typeface="Calibri" panose="020F0502020204030204" pitchFamily="34" charset="0"/>
+                <a:sym typeface="Helvetica Neue"/>
+              </a:rPr>
+            </a:br>
+            <a:r>
+              <a:rPr lang="en-GB" sz="1200" dirty="0" smtClean="0">
+                <a:latin typeface="Calibri" panose="020F0502020204030204" pitchFamily="34" charset="0"/>
+                <a:ea typeface="Helvetica Neue"/>
+                <a:cs typeface="Calibri" panose="020F0502020204030204" pitchFamily="34" charset="0"/>
+                <a:sym typeface="Helvetica Neue"/>
+              </a:rPr>
+              <a:t>Network diagrams, maps, heat maps, integrated figures, the list goes on...</a:t>
+            </a:r>
+            <a:r>
+              <a:rPr lang="en-GB" dirty="0" smtClean="0"/>
+              <a:t/>
+            </a:r>
+            <a:br>
+              <a:rPr lang="en-GB" dirty="0" smtClean="0"/>
+            </a:br>
+            <a:r>
+              <a:rPr lang="en-GB" dirty="0" smtClean="0"/>
+              <a:t/>
+            </a:r>
+            <a:br>
+              <a:rPr lang="en-GB" dirty="0" smtClean="0"/>
+            </a:br>
+            <a:r>
+              <a:rPr lang="en-GB" dirty="0" smtClean="0"/>
+              <a:t>Data </a:t>
+            </a:r>
+            <a:r>
+              <a:rPr lang="en-GB" dirty="0"/>
+              <a:t>viz really essential to understand disease surveillance trends and outbreaks. </a:t>
+            </a:r>
+          </a:p>
+          <a:p>
+            <a:pPr marL="0" lvl="0" indent="0" algn="l" rtl="0">
+              <a:lnSpc>
+                <a:spcPct val="100000"/>
+              </a:lnSpc>
+              <a:spcBef>
+                <a:spcPts val="0"/>
+              </a:spcBef>
+              <a:spcAft>
+                <a:spcPts val="0"/>
+              </a:spcAft>
+              <a:buSzPts val="1400"/>
+              <a:buNone/>
+            </a:pPr>
+            <a:r>
+              <a:rPr lang="en-GB" dirty="0"/>
+              <a:t>Image shows how a network diagram with transmission links, to help us understand how infection spreads in an outbreak, for example between who and within what time frames. Featured in </a:t>
+            </a:r>
+            <a:r>
+              <a:rPr lang="en-GB" dirty="0" err="1"/>
+              <a:t>epiR</a:t>
+            </a:r>
+            <a:r>
+              <a:rPr lang="en-GB" dirty="0"/>
+              <a:t> handbook. </a:t>
+            </a:r>
+            <a:endParaRPr dirty="0"/>
+          </a:p>
+        </p:txBody>
+      </p:sp>
+      <p:sp>
+        <p:nvSpPr>
+          <p:cNvPr id="168" name="Google Shape;168;ge1146ef680_0_8:notes"/>
+          <p:cNvSpPr txBox="1">
+            <a:spLocks noGrp="1"/>
+          </p:cNvSpPr>
+          <p:nvPr>
+            <p:ph type="sldNum" idx="12"/>
+          </p:nvPr>
+        </p:nvSpPr>
+        <p:spPr>
+          <a:xfrm>
+            <a:off x="3884613" y="8685213"/>
+            <a:ext cx="2971800" cy="458700"/>
+          </a:xfrm>
+          <a:prstGeom prst="rect">
+            <a:avLst/>
+          </a:prstGeom>
+          <a:noFill/>
+          <a:ln>
+            <a:noFill/>
+          </a:ln>
+        </p:spPr>
+        <p:txBody>
+          <a:bodyPr spcFirstLastPara="1" wrap="square" lIns="91425" tIns="45700" rIns="91425" bIns="45700" anchor="b" anchorCtr="0">
+            <a:noAutofit/>
+          </a:bodyPr>
+          <a:lstStyle/>
+          <a:p>
+            <a:pPr marL="0" lvl="0" indent="0" algn="r" rtl="0">
+              <a:lnSpc>
+                <a:spcPct val="100000"/>
+              </a:lnSpc>
+              <a:spcBef>
+                <a:spcPts val="0"/>
+              </a:spcBef>
+              <a:spcAft>
+                <a:spcPts val="0"/>
+              </a:spcAft>
+              <a:buClr>
+                <a:srgbClr val="000000"/>
+              </a:buClr>
+              <a:buSzPts val="1400"/>
+              <a:buFont typeface="Arial"/>
+              <a:buNone/>
+            </a:pPr>
+            <a:fld id="{00000000-1234-1234-1234-123412341234}" type="slidenum">
+              <a:rPr lang="en-US"/>
+              <a:t>5</a:t>
+            </a:fld>
+            <a:endParaRPr/>
+          </a:p>
+        </p:txBody>
+      </p:sp>
+    </p:spTree>
+    <p:extLst>
+      <p:ext uri="{BB962C8B-B14F-4D97-AF65-F5344CB8AC3E}">
+        <p14:creationId xmlns:p14="http://schemas.microsoft.com/office/powerpoint/2010/main" val="1921995196"/>
+      </p:ext>
+    </p:extLst>
+  </p:cSld>
+  <p:clrMapOvr>
+    <a:masterClrMapping/>
+  </p:clrMapOvr>
+</p:notes>
+</file>
+
+<file path=ppt/notesSlides/notesSlide2.xml><?xml version="1.0" encoding="utf-8"?>
+<p:notes xmlns:a="http://schemas.openxmlformats.org/drawingml/2006/main" xmlns:r="http://schemas.openxmlformats.org/officeDocument/2006/relationships" xmlns:p="http://schemas.openxmlformats.org/presentationml/2006/main" showMasterSp="0" showMasterPhAnim="0">
+  <p:cSld>
+    <p:spTree>
+      <p:nvGrpSpPr>
+        <p:cNvPr id="1" name="Shape 131"/>
+        <p:cNvGrpSpPr/>
+        <p:nvPr/>
+      </p:nvGrpSpPr>
+      <p:grpSpPr>
+        <a:xfrm>
+          <a:off x="0" y="0"/>
+          <a:ext cx="0" cy="0"/>
+          <a:chOff x="0" y="0"/>
+          <a:chExt cx="0" cy="0"/>
+        </a:xfrm>
+      </p:grpSpPr>
+      <p:sp>
+        <p:nvSpPr>
+          <p:cNvPr id="132" name="Google Shape;132;ge1146ef680_0_24:notes"/>
+          <p:cNvSpPr>
+            <a:spLocks noGrp="1" noRot="1" noChangeAspect="1"/>
+          </p:cNvSpPr>
+          <p:nvPr>
+            <p:ph type="sldImg" idx="2"/>
+          </p:nvPr>
+        </p:nvSpPr>
+        <p:spPr>
+          <a:xfrm>
+            <a:off x="685800" y="1143000"/>
+            <a:ext cx="5486400" cy="3086100"/>
+          </a:xfrm>
+          <a:custGeom>
+            <a:avLst/>
+            <a:gdLst/>
+            <a:ahLst/>
+            <a:cxnLst/>
+            <a:rect l="l" t="t" r="r" b="b"/>
+            <a:pathLst>
+              <a:path w="120000" h="120000" extrusionOk="0">
+                <a:moveTo>
+                  <a:pt x="0" y="0"/>
+                </a:moveTo>
+                <a:lnTo>
+                  <a:pt x="120000" y="0"/>
+                </a:lnTo>
+                <a:lnTo>
+                  <a:pt x="120000" y="120000"/>
+                </a:lnTo>
+                <a:lnTo>
+                  <a:pt x="0" y="120000"/>
+                </a:lnTo>
+                <a:close/>
+              </a:path>
+            </a:pathLst>
+          </a:custGeom>
+          <a:noFill/>
+          <a:ln w="12700" cap="flat" cmpd="sng">
+            <a:solidFill>
+              <a:srgbClr val="000000"/>
+            </a:solidFill>
+            <a:prstDash val="solid"/>
+            <a:round/>
+            <a:headEnd type="none" w="sm" len="sm"/>
+            <a:tailEnd type="none" w="sm" len="sm"/>
+          </a:ln>
+        </p:spPr>
+      </p:sp>
+      <p:sp>
+        <p:nvSpPr>
+          <p:cNvPr id="133" name="Google Shape;133;ge1146ef680_0_24:notes"/>
+          <p:cNvSpPr txBox="1">
+            <a:spLocks noGrp="1"/>
+          </p:cNvSpPr>
+          <p:nvPr>
+            <p:ph type="body" idx="1"/>
+          </p:nvPr>
+        </p:nvSpPr>
+        <p:spPr>
+          <a:xfrm>
+            <a:off x="685800" y="4400550"/>
+            <a:ext cx="5486400" cy="3600600"/>
+          </a:xfrm>
+          <a:prstGeom prst="rect">
+            <a:avLst/>
+          </a:prstGeom>
+          <a:noFill/>
+          <a:ln>
+            <a:noFill/>
+          </a:ln>
+        </p:spPr>
+        <p:txBody>
+          <a:bodyPr spcFirstLastPara="1" wrap="square" lIns="91425" tIns="45700" rIns="91425" bIns="45700" anchor="t" anchorCtr="0">
+            <a:noAutofit/>
+          </a:bodyPr>
+          <a:lstStyle/>
+          <a:p>
+            <a:pPr marL="0" lvl="0" indent="0" algn="l" rtl="0">
+              <a:lnSpc>
+                <a:spcPct val="90000"/>
+              </a:lnSpc>
+              <a:spcBef>
+                <a:spcPts val="1000"/>
+              </a:spcBef>
+              <a:spcAft>
+                <a:spcPts val="0"/>
+              </a:spcAft>
+              <a:buSzPts val="1800"/>
+              <a:buNone/>
+            </a:pPr>
+            <a:r>
+              <a:rPr lang="en-GB" sz="1400" b="1" dirty="0" smtClean="0">
+                <a:solidFill>
+                  <a:srgbClr val="1155CC"/>
+                </a:solidFill>
+                <a:latin typeface="Calibri" panose="020F0502020204030204" pitchFamily="34" charset="0"/>
+                <a:ea typeface="Helvetica Neue"/>
+                <a:cs typeface="Calibri" panose="020F0502020204030204" pitchFamily="34" charset="0"/>
+                <a:sym typeface="Helvetica Neue"/>
+              </a:rPr>
+              <a:t>Automated disease surveillance outputs</a:t>
+            </a:r>
+          </a:p>
+          <a:p>
+            <a:pPr marL="0" lvl="0" indent="0" algn="l" rtl="0">
+              <a:lnSpc>
+                <a:spcPct val="90000"/>
+              </a:lnSpc>
+              <a:spcBef>
+                <a:spcPts val="1000"/>
+              </a:spcBef>
+              <a:spcAft>
+                <a:spcPts val="0"/>
+              </a:spcAft>
+              <a:buSzPts val="1800"/>
+              <a:buNone/>
+            </a:pPr>
+            <a:r>
+              <a:rPr lang="en-GB" sz="1200" dirty="0" smtClean="0">
+                <a:latin typeface="Calibri" panose="020F0502020204030204" pitchFamily="34" charset="0"/>
+                <a:ea typeface="Helvetica Neue"/>
+                <a:cs typeface="Calibri" panose="020F0502020204030204" pitchFamily="34" charset="0"/>
+                <a:sym typeface="Helvetica Neue"/>
+              </a:rPr>
+              <a:t>Daily COVID-19 epidemiology reports to 317 local authorities in England </a:t>
+            </a:r>
+          </a:p>
+          <a:p>
+            <a:pPr marL="0" lvl="0" indent="0" algn="l" rtl="0">
+              <a:lnSpc>
+                <a:spcPct val="100000"/>
+              </a:lnSpc>
+              <a:spcBef>
+                <a:spcPts val="0"/>
+              </a:spcBef>
+              <a:spcAft>
+                <a:spcPts val="0"/>
+              </a:spcAft>
+              <a:buSzPts val="1400"/>
+              <a:buNone/>
+            </a:pPr>
+            <a:r>
+              <a:rPr lang="en-US" dirty="0" smtClean="0"/>
+              <a:t/>
+            </a:r>
+            <a:br>
+              <a:rPr lang="en-US" dirty="0" smtClean="0"/>
+            </a:br>
+            <a:r>
+              <a:rPr lang="en-US" dirty="0" smtClean="0"/>
+              <a:t>Another </a:t>
+            </a:r>
+            <a:r>
+              <a:rPr lang="en-US" dirty="0"/>
+              <a:t>important example is the use of R in epidemiology to produce reports at scale. This is an example from my workplace. In England, local authorities, all 317 of them, want to access COVID-19 information daily to guide their local interventions. So my team used R markdown to produce a report bringing in case data, testing data, mortality, and many other details related to </a:t>
+            </a:r>
+            <a:r>
+              <a:rPr lang="en-US" dirty="0" err="1"/>
+              <a:t>covid</a:t>
+            </a:r>
+            <a:r>
+              <a:rPr lang="en-US" dirty="0"/>
+              <a:t>, but loop through local authorities to produce a report for each. </a:t>
+            </a:r>
+          </a:p>
+          <a:p>
+            <a:pPr marL="0" lvl="0" indent="0" algn="l" rtl="0">
+              <a:lnSpc>
+                <a:spcPct val="100000"/>
+              </a:lnSpc>
+              <a:spcBef>
+                <a:spcPts val="0"/>
+              </a:spcBef>
+              <a:spcAft>
+                <a:spcPts val="0"/>
+              </a:spcAft>
+              <a:buSzPts val="1400"/>
+              <a:buNone/>
+            </a:pPr>
+            <a:endParaRPr lang="en-US" dirty="0"/>
+          </a:p>
+          <a:p>
+            <a:pPr marL="0" lvl="0" indent="0" algn="l" rtl="0">
+              <a:lnSpc>
+                <a:spcPct val="100000"/>
+              </a:lnSpc>
+              <a:spcBef>
+                <a:spcPts val="0"/>
+              </a:spcBef>
+              <a:spcAft>
+                <a:spcPts val="0"/>
+              </a:spcAft>
+              <a:buSzPts val="1400"/>
+              <a:buNone/>
+            </a:pPr>
+            <a:r>
+              <a:rPr lang="en-US" dirty="0"/>
+              <a:t>It’s not a fancy report, it’s a flat word document that caters to their specific needs. For example they liked a report which they could then edit, copy images from, and integrate with their own local reports. </a:t>
+            </a:r>
+          </a:p>
+          <a:p>
+            <a:pPr marL="0" lvl="0" indent="0" algn="l" rtl="0">
+              <a:lnSpc>
+                <a:spcPct val="100000"/>
+              </a:lnSpc>
+              <a:spcBef>
+                <a:spcPts val="0"/>
+              </a:spcBef>
+              <a:spcAft>
+                <a:spcPts val="0"/>
+              </a:spcAft>
+              <a:buSzPts val="1400"/>
+              <a:buNone/>
+            </a:pPr>
+            <a:endParaRPr lang="en-US" dirty="0"/>
+          </a:p>
+          <a:p>
+            <a:pPr marL="0" lvl="0" indent="0" algn="l" rtl="0">
+              <a:lnSpc>
+                <a:spcPct val="100000"/>
+              </a:lnSpc>
+              <a:spcBef>
+                <a:spcPts val="0"/>
+              </a:spcBef>
+              <a:spcAft>
+                <a:spcPts val="0"/>
+              </a:spcAft>
+              <a:buSzPts val="1400"/>
+              <a:buNone/>
+            </a:pPr>
+            <a:r>
+              <a:rPr lang="en-US" dirty="0"/>
+              <a:t>But it’s actually a really key example of local intelligence and there is no way we could do this without the power of R. </a:t>
+            </a:r>
+            <a:endParaRPr b="1" dirty="0"/>
+          </a:p>
+        </p:txBody>
+      </p:sp>
+      <p:sp>
+        <p:nvSpPr>
+          <p:cNvPr id="134" name="Google Shape;134;ge1146ef680_0_24:notes"/>
+          <p:cNvSpPr txBox="1">
+            <a:spLocks noGrp="1"/>
+          </p:cNvSpPr>
+          <p:nvPr>
+            <p:ph type="sldNum" idx="12"/>
+          </p:nvPr>
+        </p:nvSpPr>
+        <p:spPr>
+          <a:xfrm>
+            <a:off x="3884613" y="8685213"/>
+            <a:ext cx="2971800" cy="458700"/>
+          </a:xfrm>
+          <a:prstGeom prst="rect">
+            <a:avLst/>
+          </a:prstGeom>
+          <a:noFill/>
+          <a:ln>
+            <a:noFill/>
+          </a:ln>
+        </p:spPr>
+        <p:txBody>
+          <a:bodyPr spcFirstLastPara="1" wrap="square" lIns="91425" tIns="45700" rIns="91425" bIns="45700" anchor="b" anchorCtr="0">
+            <a:noAutofit/>
+          </a:bodyPr>
+          <a:lstStyle/>
+          <a:p>
+            <a:pPr marL="0" lvl="0" indent="0" algn="r" rtl="0">
+              <a:lnSpc>
+                <a:spcPct val="100000"/>
+              </a:lnSpc>
+              <a:spcBef>
+                <a:spcPts val="0"/>
+              </a:spcBef>
+              <a:spcAft>
+                <a:spcPts val="0"/>
+              </a:spcAft>
+              <a:buClr>
+                <a:srgbClr val="000000"/>
+              </a:buClr>
+              <a:buSzPts val="1400"/>
+              <a:buFont typeface="Arial"/>
+              <a:buNone/>
+            </a:pPr>
+            <a:fld id="{00000000-1234-1234-1234-123412341234}" type="slidenum">
+              <a:rPr lang="en-US"/>
+              <a:t>6</a:t>
+            </a:fld>
+            <a:endParaRPr/>
+          </a:p>
+        </p:txBody>
+      </p:sp>
+    </p:spTree>
+    <p:extLst>
+      <p:ext uri="{BB962C8B-B14F-4D97-AF65-F5344CB8AC3E}">
+        <p14:creationId xmlns:p14="http://schemas.microsoft.com/office/powerpoint/2010/main" val="4072917154"/>
+      </p:ext>
+    </p:extLst>
+  </p:cSld>
+  <p:clrMapOvr>
+    <a:masterClrMapping/>
+  </p:clrMapOvr>
+</p:notes>
+</file>
+
+<file path=ppt/notesSlides/notesSlide3.xml><?xml version="1.0" encoding="utf-8"?>
+<p:notes xmlns:a="http://schemas.openxmlformats.org/drawingml/2006/main" xmlns:r="http://schemas.openxmlformats.org/officeDocument/2006/relationships" xmlns:p="http://schemas.openxmlformats.org/presentationml/2006/main" showMasterSp="0" showMasterPhAnim="0">
+  <p:cSld>
+    <p:spTree>
+      <p:nvGrpSpPr>
+        <p:cNvPr id="1" name="Shape 123"/>
+        <p:cNvGrpSpPr/>
+        <p:nvPr/>
+      </p:nvGrpSpPr>
+      <p:grpSpPr>
+        <a:xfrm>
+          <a:off x="0" y="0"/>
+          <a:ext cx="0" cy="0"/>
+          <a:chOff x="0" y="0"/>
+          <a:chExt cx="0" cy="0"/>
+        </a:xfrm>
+      </p:grpSpPr>
+      <p:sp>
+        <p:nvSpPr>
+          <p:cNvPr id="124" name="Google Shape;124;ge1146ef680_0_0:notes"/>
+          <p:cNvSpPr>
+            <a:spLocks noGrp="1" noRot="1" noChangeAspect="1"/>
+          </p:cNvSpPr>
+          <p:nvPr>
+            <p:ph type="sldImg" idx="2"/>
+          </p:nvPr>
+        </p:nvSpPr>
+        <p:spPr>
+          <a:xfrm>
+            <a:off x="685800" y="1143000"/>
+            <a:ext cx="5486400" cy="3086100"/>
+          </a:xfrm>
+          <a:custGeom>
+            <a:avLst/>
+            <a:gdLst/>
+            <a:ahLst/>
+            <a:cxnLst/>
+            <a:rect l="l" t="t" r="r" b="b"/>
+            <a:pathLst>
+              <a:path w="120000" h="120000" extrusionOk="0">
+                <a:moveTo>
+                  <a:pt x="0" y="0"/>
+                </a:moveTo>
+                <a:lnTo>
+                  <a:pt x="120000" y="0"/>
+                </a:lnTo>
+                <a:lnTo>
+                  <a:pt x="120000" y="120000"/>
+                </a:lnTo>
+                <a:lnTo>
+                  <a:pt x="0" y="120000"/>
+                </a:lnTo>
+                <a:close/>
+              </a:path>
+            </a:pathLst>
+          </a:custGeom>
+          <a:noFill/>
+          <a:ln w="12700" cap="flat" cmpd="sng">
+            <a:solidFill>
+              <a:srgbClr val="000000"/>
+            </a:solidFill>
+            <a:prstDash val="solid"/>
+            <a:round/>
+            <a:headEnd type="none" w="sm" len="sm"/>
+            <a:tailEnd type="none" w="sm" len="sm"/>
+          </a:ln>
+        </p:spPr>
+      </p:sp>
+      <p:sp>
+        <p:nvSpPr>
+          <p:cNvPr id="125" name="Google Shape;125;ge1146ef680_0_0:notes"/>
+          <p:cNvSpPr txBox="1">
+            <a:spLocks noGrp="1"/>
+          </p:cNvSpPr>
+          <p:nvPr>
+            <p:ph type="body" idx="1"/>
+          </p:nvPr>
+        </p:nvSpPr>
+        <p:spPr>
+          <a:xfrm>
+            <a:off x="685800" y="4400550"/>
+            <a:ext cx="5486400" cy="3600600"/>
+          </a:xfrm>
+          <a:prstGeom prst="rect">
+            <a:avLst/>
+          </a:prstGeom>
+          <a:noFill/>
+          <a:ln>
+            <a:noFill/>
+          </a:ln>
+        </p:spPr>
+        <p:txBody>
+          <a:bodyPr spcFirstLastPara="1" wrap="square" lIns="91425" tIns="45700" rIns="91425" bIns="45700" anchor="t" anchorCtr="0">
+            <a:noAutofit/>
+          </a:bodyPr>
+          <a:lstStyle/>
+          <a:p>
+            <a:pPr marL="0" lvl="0" indent="0" algn="l" rtl="0">
+              <a:lnSpc>
+                <a:spcPct val="90000"/>
+              </a:lnSpc>
+              <a:spcBef>
+                <a:spcPts val="1000"/>
+              </a:spcBef>
+              <a:spcAft>
+                <a:spcPts val="0"/>
+              </a:spcAft>
+              <a:buSzPts val="1800"/>
+              <a:buNone/>
+            </a:pPr>
+            <a:r>
+              <a:rPr lang="en-GB" sz="1200" b="1" dirty="0" smtClean="0">
+                <a:solidFill>
+                  <a:srgbClr val="1155CC"/>
+                </a:solidFill>
+                <a:latin typeface="Calibri" panose="020F0502020204030204" pitchFamily="34" charset="0"/>
+                <a:ea typeface="Helvetica Neue"/>
+                <a:cs typeface="Calibri" panose="020F0502020204030204" pitchFamily="34" charset="0"/>
+                <a:sym typeface="Helvetica Neue"/>
+              </a:rPr>
+              <a:t>Automated surveillance outputs</a:t>
+            </a:r>
+          </a:p>
+          <a:p>
+            <a:pPr marL="0" lvl="0" indent="0" algn="l" rtl="0">
+              <a:lnSpc>
+                <a:spcPct val="90000"/>
+              </a:lnSpc>
+              <a:spcBef>
+                <a:spcPts val="1000"/>
+              </a:spcBef>
+              <a:spcAft>
+                <a:spcPts val="0"/>
+              </a:spcAft>
+              <a:buSzPts val="1800"/>
+              <a:buNone/>
+            </a:pPr>
+            <a:r>
+              <a:rPr lang="en-GB" sz="1200" dirty="0" smtClean="0">
+                <a:latin typeface="Calibri" panose="020F0502020204030204" pitchFamily="34" charset="0"/>
+                <a:ea typeface="Helvetica Neue"/>
+                <a:cs typeface="Calibri" panose="020F0502020204030204" pitchFamily="34" charset="0"/>
+                <a:sym typeface="Helvetica Neue"/>
+              </a:rPr>
+              <a:t>WHO COVID-19 dashboard (Shiny) </a:t>
+            </a:r>
+            <a:r>
+              <a:rPr lang="en-US" dirty="0" smtClean="0"/>
+              <a:t/>
+            </a:r>
+            <a:br>
+              <a:rPr lang="en-US" dirty="0" smtClean="0"/>
+            </a:br>
+            <a:r>
+              <a:rPr lang="en-US" dirty="0" smtClean="0"/>
+              <a:t/>
+            </a:r>
+            <a:br>
+              <a:rPr lang="en-US" dirty="0" smtClean="0"/>
+            </a:br>
+            <a:r>
+              <a:rPr lang="en-US" dirty="0" smtClean="0"/>
+              <a:t>One </a:t>
+            </a:r>
+            <a:r>
+              <a:rPr lang="en-US" dirty="0"/>
+              <a:t>example of use of R in Epidemiology is the WHO COVID-19 public-facing dashboard. This is made with R Shiny, which is an R package that is used to build interactive web apps and dashboard. You can see the toggles and interactive tabs. It pulls from dozens of data sources to display data submitted by different national public health bodies to the WHO. The R handbook has a section on R shiny. </a:t>
+            </a:r>
+            <a:endParaRPr dirty="0"/>
+          </a:p>
+          <a:p>
+            <a:pPr marL="0" lvl="0" indent="0" algn="l" rtl="0">
+              <a:lnSpc>
+                <a:spcPct val="100000"/>
+              </a:lnSpc>
+              <a:spcBef>
+                <a:spcPts val="0"/>
+              </a:spcBef>
+              <a:spcAft>
+                <a:spcPts val="0"/>
+              </a:spcAft>
+              <a:buSzPts val="1400"/>
+              <a:buNone/>
+            </a:pPr>
+            <a:endParaRPr dirty="0"/>
+          </a:p>
+        </p:txBody>
+      </p:sp>
+      <p:sp>
+        <p:nvSpPr>
+          <p:cNvPr id="126" name="Google Shape;126;ge1146ef680_0_0:notes"/>
+          <p:cNvSpPr txBox="1">
+            <a:spLocks noGrp="1"/>
+          </p:cNvSpPr>
+          <p:nvPr>
+            <p:ph type="sldNum" idx="12"/>
+          </p:nvPr>
+        </p:nvSpPr>
+        <p:spPr>
+          <a:xfrm>
+            <a:off x="3884613" y="8685213"/>
+            <a:ext cx="2971800" cy="458700"/>
+          </a:xfrm>
+          <a:prstGeom prst="rect">
+            <a:avLst/>
+          </a:prstGeom>
+          <a:noFill/>
+          <a:ln>
+            <a:noFill/>
+          </a:ln>
+        </p:spPr>
+        <p:txBody>
+          <a:bodyPr spcFirstLastPara="1" wrap="square" lIns="91425" tIns="45700" rIns="91425" bIns="45700" anchor="b" anchorCtr="0">
+            <a:noAutofit/>
+          </a:bodyPr>
+          <a:lstStyle/>
+          <a:p>
+            <a:pPr marL="0" lvl="0" indent="0" algn="r" rtl="0">
+              <a:lnSpc>
+                <a:spcPct val="100000"/>
+              </a:lnSpc>
+              <a:spcBef>
+                <a:spcPts val="0"/>
+              </a:spcBef>
+              <a:spcAft>
+                <a:spcPts val="0"/>
+              </a:spcAft>
+              <a:buClr>
+                <a:srgbClr val="000000"/>
+              </a:buClr>
+              <a:buSzPts val="1400"/>
+              <a:buFont typeface="Arial"/>
+              <a:buNone/>
+            </a:pPr>
+            <a:fld id="{00000000-1234-1234-1234-123412341234}" type="slidenum">
+              <a:rPr lang="en-US"/>
+              <a:t>7</a:t>
+            </a:fld>
+            <a:endParaRPr/>
+          </a:p>
+        </p:txBody>
+      </p:sp>
+    </p:spTree>
+    <p:extLst>
+      <p:ext uri="{BB962C8B-B14F-4D97-AF65-F5344CB8AC3E}">
+        <p14:creationId xmlns:p14="http://schemas.microsoft.com/office/powerpoint/2010/main" val="3285861322"/>
+      </p:ext>
+    </p:extLst>
+  </p:cSld>
+  <p:clrMapOvr>
+    <a:masterClrMapping/>
+  </p:clrMapOvr>
+</p:notes>
+</file>
+
 <file path=ppt/slideLayouts/slideLayout1.xml><?xml version="1.0" encoding="utf-8"?>
 <p:sldLayout xmlns:a="http://schemas.openxmlformats.org/drawingml/2006/main" xmlns:r="http://schemas.openxmlformats.org/officeDocument/2006/relationships" xmlns:p="http://schemas.openxmlformats.org/presentationml/2006/main" type="title" preserve="1">
   <p:cSld name="Title Slide">
@@ -135,7 +1345,7 @@
           <p:cNvPr id="2" name="Title 1">
             <a:extLst>
               <a:ext uri="{FF2B5EF4-FFF2-40B4-BE49-F238E27FC236}">
-                <a16:creationId xmlns:a16="http://schemas.microsoft.com/office/drawing/2014/main" id="{EC4CCB55-B8C5-41A3-8048-BD86C46C8AD7}"/>
+                <a16:creationId xmlns="" xmlns:a16="http://schemas.microsoft.com/office/drawing/2014/main" id="{EC4CCB55-B8C5-41A3-8048-BD86C46C8AD7}"/>
               </a:ext>
             </a:extLst>
           </p:cNvPr>
@@ -172,7 +1382,7 @@
           <p:cNvPr id="3" name="Subtitle 2">
             <a:extLst>
               <a:ext uri="{FF2B5EF4-FFF2-40B4-BE49-F238E27FC236}">
-                <a16:creationId xmlns:a16="http://schemas.microsoft.com/office/drawing/2014/main" id="{766AAD36-9F1D-4273-A69F-373A1AE003D1}"/>
+                <a16:creationId xmlns="" xmlns:a16="http://schemas.microsoft.com/office/drawing/2014/main" id="{766AAD36-9F1D-4273-A69F-373A1AE003D1}"/>
               </a:ext>
             </a:extLst>
           </p:cNvPr>
@@ -242,7 +1452,7 @@
           <p:cNvPr id="4" name="Date Placeholder 3">
             <a:extLst>
               <a:ext uri="{FF2B5EF4-FFF2-40B4-BE49-F238E27FC236}">
-                <a16:creationId xmlns:a16="http://schemas.microsoft.com/office/drawing/2014/main" id="{226790CA-8943-4029-B682-96458CD6930A}"/>
+                <a16:creationId xmlns="" xmlns:a16="http://schemas.microsoft.com/office/drawing/2014/main" id="{226790CA-8943-4029-B682-96458CD6930A}"/>
               </a:ext>
             </a:extLst>
           </p:cNvPr>
@@ -260,7 +1470,7 @@
           <a:p>
             <a:fld id="{C49EFF57-3444-4D3C-901B-15A513E1D5E0}" type="datetimeFigureOut">
               <a:rPr lang="en-US" smtClean="0"/>
-              <a:t>7/12/2021</a:t>
+              <a:t>8/3/2021</a:t>
             </a:fld>
             <a:endParaRPr lang="en-US"/>
           </a:p>
@@ -271,7 +1481,7 @@
           <p:cNvPr id="5" name="Footer Placeholder 4">
             <a:extLst>
               <a:ext uri="{FF2B5EF4-FFF2-40B4-BE49-F238E27FC236}">
-                <a16:creationId xmlns:a16="http://schemas.microsoft.com/office/drawing/2014/main" id="{0917289B-506B-4B2A-B33D-89DD3C375646}"/>
+                <a16:creationId xmlns="" xmlns:a16="http://schemas.microsoft.com/office/drawing/2014/main" id="{0917289B-506B-4B2A-B33D-89DD3C375646}"/>
               </a:ext>
             </a:extLst>
           </p:cNvPr>
@@ -296,7 +1506,7 @@
           <p:cNvPr id="6" name="Slide Number Placeholder 5">
             <a:extLst>
               <a:ext uri="{FF2B5EF4-FFF2-40B4-BE49-F238E27FC236}">
-                <a16:creationId xmlns:a16="http://schemas.microsoft.com/office/drawing/2014/main" id="{941D4907-B717-4827-B34F-DE115A623C02}"/>
+                <a16:creationId xmlns="" xmlns:a16="http://schemas.microsoft.com/office/drawing/2014/main" id="{941D4907-B717-4827-B34F-DE115A623C02}"/>
               </a:ext>
             </a:extLst>
           </p:cNvPr>
@@ -355,7 +1565,7 @@
           <p:cNvPr id="2" name="Title 1">
             <a:extLst>
               <a:ext uri="{FF2B5EF4-FFF2-40B4-BE49-F238E27FC236}">
-                <a16:creationId xmlns:a16="http://schemas.microsoft.com/office/drawing/2014/main" id="{AE20E03A-81BB-4627-83C7-510FCD7A1B8C}"/>
+                <a16:creationId xmlns="" xmlns:a16="http://schemas.microsoft.com/office/drawing/2014/main" id="{AE20E03A-81BB-4627-83C7-510FCD7A1B8C}"/>
               </a:ext>
             </a:extLst>
           </p:cNvPr>
@@ -383,7 +1593,7 @@
           <p:cNvPr id="3" name="Vertical Text Placeholder 2">
             <a:extLst>
               <a:ext uri="{FF2B5EF4-FFF2-40B4-BE49-F238E27FC236}">
-                <a16:creationId xmlns:a16="http://schemas.microsoft.com/office/drawing/2014/main" id="{7C0BD550-8FC0-43A8-B784-0565B258AE95}"/>
+                <a16:creationId xmlns="" xmlns:a16="http://schemas.microsoft.com/office/drawing/2014/main" id="{7C0BD550-8FC0-43A8-B784-0565B258AE95}"/>
               </a:ext>
             </a:extLst>
           </p:cNvPr>
@@ -440,7 +1650,7 @@
           <p:cNvPr id="4" name="Date Placeholder 3">
             <a:extLst>
               <a:ext uri="{FF2B5EF4-FFF2-40B4-BE49-F238E27FC236}">
-                <a16:creationId xmlns:a16="http://schemas.microsoft.com/office/drawing/2014/main" id="{549FA0E8-334C-4D6A-8152-7260480C0F5B}"/>
+                <a16:creationId xmlns="" xmlns:a16="http://schemas.microsoft.com/office/drawing/2014/main" id="{549FA0E8-334C-4D6A-8152-7260480C0F5B}"/>
               </a:ext>
             </a:extLst>
           </p:cNvPr>
@@ -458,7 +1668,7 @@
           <a:p>
             <a:fld id="{C49EFF57-3444-4D3C-901B-15A513E1D5E0}" type="datetimeFigureOut">
               <a:rPr lang="en-US" smtClean="0"/>
-              <a:t>7/12/2021</a:t>
+              <a:t>8/3/2021</a:t>
             </a:fld>
             <a:endParaRPr lang="en-US"/>
           </a:p>
@@ -469,7 +1679,7 @@
           <p:cNvPr id="5" name="Footer Placeholder 4">
             <a:extLst>
               <a:ext uri="{FF2B5EF4-FFF2-40B4-BE49-F238E27FC236}">
-                <a16:creationId xmlns:a16="http://schemas.microsoft.com/office/drawing/2014/main" id="{1BC78C8F-CC0C-4819-AC25-B19EBE0221A9}"/>
+                <a16:creationId xmlns="" xmlns:a16="http://schemas.microsoft.com/office/drawing/2014/main" id="{1BC78C8F-CC0C-4819-AC25-B19EBE0221A9}"/>
               </a:ext>
             </a:extLst>
           </p:cNvPr>
@@ -494,7 +1704,7 @@
           <p:cNvPr id="6" name="Slide Number Placeholder 5">
             <a:extLst>
               <a:ext uri="{FF2B5EF4-FFF2-40B4-BE49-F238E27FC236}">
-                <a16:creationId xmlns:a16="http://schemas.microsoft.com/office/drawing/2014/main" id="{90FAA652-B9C9-41E3-A12E-1EF54438F061}"/>
+                <a16:creationId xmlns="" xmlns:a16="http://schemas.microsoft.com/office/drawing/2014/main" id="{90FAA652-B9C9-41E3-A12E-1EF54438F061}"/>
               </a:ext>
             </a:extLst>
           </p:cNvPr>
@@ -553,7 +1763,7 @@
           <p:cNvPr id="2" name="Vertical Title 1">
             <a:extLst>
               <a:ext uri="{FF2B5EF4-FFF2-40B4-BE49-F238E27FC236}">
-                <a16:creationId xmlns:a16="http://schemas.microsoft.com/office/drawing/2014/main" id="{942FAA14-B8D2-44D0-974F-B63607986549}"/>
+                <a16:creationId xmlns="" xmlns:a16="http://schemas.microsoft.com/office/drawing/2014/main" id="{942FAA14-B8D2-44D0-974F-B63607986549}"/>
               </a:ext>
             </a:extLst>
           </p:cNvPr>
@@ -586,7 +1796,7 @@
           <p:cNvPr id="3" name="Vertical Text Placeholder 2">
             <a:extLst>
               <a:ext uri="{FF2B5EF4-FFF2-40B4-BE49-F238E27FC236}">
-                <a16:creationId xmlns:a16="http://schemas.microsoft.com/office/drawing/2014/main" id="{2ADF6BCA-3E90-4B4B-BD4E-462FE26CB37B}"/>
+                <a16:creationId xmlns="" xmlns:a16="http://schemas.microsoft.com/office/drawing/2014/main" id="{2ADF6BCA-3E90-4B4B-BD4E-462FE26CB37B}"/>
               </a:ext>
             </a:extLst>
           </p:cNvPr>
@@ -648,7 +1858,7 @@
           <p:cNvPr id="4" name="Date Placeholder 3">
             <a:extLst>
               <a:ext uri="{FF2B5EF4-FFF2-40B4-BE49-F238E27FC236}">
-                <a16:creationId xmlns:a16="http://schemas.microsoft.com/office/drawing/2014/main" id="{E62C96C9-E288-4CC1-A88B-070D5F6F2660}"/>
+                <a16:creationId xmlns="" xmlns:a16="http://schemas.microsoft.com/office/drawing/2014/main" id="{E62C96C9-E288-4CC1-A88B-070D5F6F2660}"/>
               </a:ext>
             </a:extLst>
           </p:cNvPr>
@@ -666,7 +1876,7 @@
           <a:p>
             <a:fld id="{C49EFF57-3444-4D3C-901B-15A513E1D5E0}" type="datetimeFigureOut">
               <a:rPr lang="en-US" smtClean="0"/>
-              <a:t>7/12/2021</a:t>
+              <a:t>8/3/2021</a:t>
             </a:fld>
             <a:endParaRPr lang="en-US"/>
           </a:p>
@@ -677,7 +1887,7 @@
           <p:cNvPr id="5" name="Footer Placeholder 4">
             <a:extLst>
               <a:ext uri="{FF2B5EF4-FFF2-40B4-BE49-F238E27FC236}">
-                <a16:creationId xmlns:a16="http://schemas.microsoft.com/office/drawing/2014/main" id="{08C36627-58CC-4C1B-B28D-1051C6F126DA}"/>
+                <a16:creationId xmlns="" xmlns:a16="http://schemas.microsoft.com/office/drawing/2014/main" id="{08C36627-58CC-4C1B-B28D-1051C6F126DA}"/>
               </a:ext>
             </a:extLst>
           </p:cNvPr>
@@ -702,7 +1912,7 @@
           <p:cNvPr id="6" name="Slide Number Placeholder 5">
             <a:extLst>
               <a:ext uri="{FF2B5EF4-FFF2-40B4-BE49-F238E27FC236}">
-                <a16:creationId xmlns:a16="http://schemas.microsoft.com/office/drawing/2014/main" id="{C435E9CE-B7BE-45EB-BFC1-9C8DDC446D6E}"/>
+                <a16:creationId xmlns="" xmlns:a16="http://schemas.microsoft.com/office/drawing/2014/main" id="{C435E9CE-B7BE-45EB-BFC1-9C8DDC446D6E}"/>
               </a:ext>
             </a:extLst>
           </p:cNvPr>
@@ -761,7 +1971,7 @@
           <p:cNvPr id="2" name="Title 1">
             <a:extLst>
               <a:ext uri="{FF2B5EF4-FFF2-40B4-BE49-F238E27FC236}">
-                <a16:creationId xmlns:a16="http://schemas.microsoft.com/office/drawing/2014/main" id="{EB1DBA32-5CC5-430C-B8B3-25B8BA459AEA}"/>
+                <a16:creationId xmlns="" xmlns:a16="http://schemas.microsoft.com/office/drawing/2014/main" id="{EB1DBA32-5CC5-430C-B8B3-25B8BA459AEA}"/>
               </a:ext>
             </a:extLst>
           </p:cNvPr>
@@ -789,7 +1999,7 @@
           <p:cNvPr id="3" name="Content Placeholder 2">
             <a:extLst>
               <a:ext uri="{FF2B5EF4-FFF2-40B4-BE49-F238E27FC236}">
-                <a16:creationId xmlns:a16="http://schemas.microsoft.com/office/drawing/2014/main" id="{883CDF94-0079-4F58-A200-BA9472BB40C0}"/>
+                <a16:creationId xmlns="" xmlns:a16="http://schemas.microsoft.com/office/drawing/2014/main" id="{883CDF94-0079-4F58-A200-BA9472BB40C0}"/>
               </a:ext>
             </a:extLst>
           </p:cNvPr>
@@ -846,7 +2056,7 @@
           <p:cNvPr id="4" name="Date Placeholder 3">
             <a:extLst>
               <a:ext uri="{FF2B5EF4-FFF2-40B4-BE49-F238E27FC236}">
-                <a16:creationId xmlns:a16="http://schemas.microsoft.com/office/drawing/2014/main" id="{3A829731-795A-42E9-B669-8B2057E226C9}"/>
+                <a16:creationId xmlns="" xmlns:a16="http://schemas.microsoft.com/office/drawing/2014/main" id="{3A829731-795A-42E9-B669-8B2057E226C9}"/>
               </a:ext>
             </a:extLst>
           </p:cNvPr>
@@ -864,7 +2074,7 @@
           <a:p>
             <a:fld id="{C49EFF57-3444-4D3C-901B-15A513E1D5E0}" type="datetimeFigureOut">
               <a:rPr lang="en-US" smtClean="0"/>
-              <a:t>7/12/2021</a:t>
+              <a:t>8/3/2021</a:t>
             </a:fld>
             <a:endParaRPr lang="en-US"/>
           </a:p>
@@ -875,7 +2085,7 @@
           <p:cNvPr id="5" name="Footer Placeholder 4">
             <a:extLst>
               <a:ext uri="{FF2B5EF4-FFF2-40B4-BE49-F238E27FC236}">
-                <a16:creationId xmlns:a16="http://schemas.microsoft.com/office/drawing/2014/main" id="{1CF2FF56-0460-431A-A6EA-6161F00D00DC}"/>
+                <a16:creationId xmlns="" xmlns:a16="http://schemas.microsoft.com/office/drawing/2014/main" id="{1CF2FF56-0460-431A-A6EA-6161F00D00DC}"/>
               </a:ext>
             </a:extLst>
           </p:cNvPr>
@@ -900,7 +2110,7 @@
           <p:cNvPr id="6" name="Slide Number Placeholder 5">
             <a:extLst>
               <a:ext uri="{FF2B5EF4-FFF2-40B4-BE49-F238E27FC236}">
-                <a16:creationId xmlns:a16="http://schemas.microsoft.com/office/drawing/2014/main" id="{9481AD67-A743-4277-AC28-D7C1AAA3A11D}"/>
+                <a16:creationId xmlns="" xmlns:a16="http://schemas.microsoft.com/office/drawing/2014/main" id="{9481AD67-A743-4277-AC28-D7C1AAA3A11D}"/>
               </a:ext>
             </a:extLst>
           </p:cNvPr>
@@ -959,7 +2169,7 @@
           <p:cNvPr id="2" name="Title 1">
             <a:extLst>
               <a:ext uri="{FF2B5EF4-FFF2-40B4-BE49-F238E27FC236}">
-                <a16:creationId xmlns:a16="http://schemas.microsoft.com/office/drawing/2014/main" id="{9D779BAE-51BC-4852-A4A2-D2281381FF03}"/>
+                <a16:creationId xmlns="" xmlns:a16="http://schemas.microsoft.com/office/drawing/2014/main" id="{9D779BAE-51BC-4852-A4A2-D2281381FF03}"/>
               </a:ext>
             </a:extLst>
           </p:cNvPr>
@@ -996,7 +2206,7 @@
           <p:cNvPr id="3" name="Text Placeholder 2">
             <a:extLst>
               <a:ext uri="{FF2B5EF4-FFF2-40B4-BE49-F238E27FC236}">
-                <a16:creationId xmlns:a16="http://schemas.microsoft.com/office/drawing/2014/main" id="{3D251DAE-985D-4D32-9E4C-7FDC75EFD585}"/>
+                <a16:creationId xmlns="" xmlns:a16="http://schemas.microsoft.com/office/drawing/2014/main" id="{3D251DAE-985D-4D32-9E4C-7FDC75EFD585}"/>
               </a:ext>
             </a:extLst>
           </p:cNvPr>
@@ -1121,7 +2331,7 @@
           <p:cNvPr id="4" name="Date Placeholder 3">
             <a:extLst>
               <a:ext uri="{FF2B5EF4-FFF2-40B4-BE49-F238E27FC236}">
-                <a16:creationId xmlns:a16="http://schemas.microsoft.com/office/drawing/2014/main" id="{D030E117-6896-4B05-8EB2-21A347557384}"/>
+                <a16:creationId xmlns="" xmlns:a16="http://schemas.microsoft.com/office/drawing/2014/main" id="{D030E117-6896-4B05-8EB2-21A347557384}"/>
               </a:ext>
             </a:extLst>
           </p:cNvPr>
@@ -1139,7 +2349,7 @@
           <a:p>
             <a:fld id="{C49EFF57-3444-4D3C-901B-15A513E1D5E0}" type="datetimeFigureOut">
               <a:rPr lang="en-US" smtClean="0"/>
-              <a:t>7/12/2021</a:t>
+              <a:t>8/3/2021</a:t>
             </a:fld>
             <a:endParaRPr lang="en-US"/>
           </a:p>
@@ -1150,7 +2360,7 @@
           <p:cNvPr id="5" name="Footer Placeholder 4">
             <a:extLst>
               <a:ext uri="{FF2B5EF4-FFF2-40B4-BE49-F238E27FC236}">
-                <a16:creationId xmlns:a16="http://schemas.microsoft.com/office/drawing/2014/main" id="{FA16359F-DA33-40F0-AB41-995C4B673802}"/>
+                <a16:creationId xmlns="" xmlns:a16="http://schemas.microsoft.com/office/drawing/2014/main" id="{FA16359F-DA33-40F0-AB41-995C4B673802}"/>
               </a:ext>
             </a:extLst>
           </p:cNvPr>
@@ -1175,7 +2385,7 @@
           <p:cNvPr id="6" name="Slide Number Placeholder 5">
             <a:extLst>
               <a:ext uri="{FF2B5EF4-FFF2-40B4-BE49-F238E27FC236}">
-                <a16:creationId xmlns:a16="http://schemas.microsoft.com/office/drawing/2014/main" id="{E8432DD8-D880-4FB1-9F07-7CF3E5E1552F}"/>
+                <a16:creationId xmlns="" xmlns:a16="http://schemas.microsoft.com/office/drawing/2014/main" id="{E8432DD8-D880-4FB1-9F07-7CF3E5E1552F}"/>
               </a:ext>
             </a:extLst>
           </p:cNvPr>
@@ -1234,7 +2444,7 @@
           <p:cNvPr id="2" name="Title 1">
             <a:extLst>
               <a:ext uri="{FF2B5EF4-FFF2-40B4-BE49-F238E27FC236}">
-                <a16:creationId xmlns:a16="http://schemas.microsoft.com/office/drawing/2014/main" id="{1A4FDB2B-6021-4C8F-B126-02B4C55E74A9}"/>
+                <a16:creationId xmlns="" xmlns:a16="http://schemas.microsoft.com/office/drawing/2014/main" id="{1A4FDB2B-6021-4C8F-B126-02B4C55E74A9}"/>
               </a:ext>
             </a:extLst>
           </p:cNvPr>
@@ -1262,7 +2472,7 @@
           <p:cNvPr id="3" name="Content Placeholder 2">
             <a:extLst>
               <a:ext uri="{FF2B5EF4-FFF2-40B4-BE49-F238E27FC236}">
-                <a16:creationId xmlns:a16="http://schemas.microsoft.com/office/drawing/2014/main" id="{B117216C-6DC2-4E5B-AB60-A7982C01405A}"/>
+                <a16:creationId xmlns="" xmlns:a16="http://schemas.microsoft.com/office/drawing/2014/main" id="{B117216C-6DC2-4E5B-AB60-A7982C01405A}"/>
               </a:ext>
             </a:extLst>
           </p:cNvPr>
@@ -1324,7 +2534,7 @@
           <p:cNvPr id="4" name="Content Placeholder 3">
             <a:extLst>
               <a:ext uri="{FF2B5EF4-FFF2-40B4-BE49-F238E27FC236}">
-                <a16:creationId xmlns:a16="http://schemas.microsoft.com/office/drawing/2014/main" id="{923D9698-3917-4576-870D-5D532C0F0997}"/>
+                <a16:creationId xmlns="" xmlns:a16="http://schemas.microsoft.com/office/drawing/2014/main" id="{923D9698-3917-4576-870D-5D532C0F0997}"/>
               </a:ext>
             </a:extLst>
           </p:cNvPr>
@@ -1386,7 +2596,7 @@
           <p:cNvPr id="5" name="Date Placeholder 4">
             <a:extLst>
               <a:ext uri="{FF2B5EF4-FFF2-40B4-BE49-F238E27FC236}">
-                <a16:creationId xmlns:a16="http://schemas.microsoft.com/office/drawing/2014/main" id="{D521D871-E076-458C-9A46-BDA567AAEA91}"/>
+                <a16:creationId xmlns="" xmlns:a16="http://schemas.microsoft.com/office/drawing/2014/main" id="{D521D871-E076-458C-9A46-BDA567AAEA91}"/>
               </a:ext>
             </a:extLst>
           </p:cNvPr>
@@ -1404,7 +2614,7 @@
           <a:p>
             <a:fld id="{C49EFF57-3444-4D3C-901B-15A513E1D5E0}" type="datetimeFigureOut">
               <a:rPr lang="en-US" smtClean="0"/>
-              <a:t>7/12/2021</a:t>
+              <a:t>8/3/2021</a:t>
             </a:fld>
             <a:endParaRPr lang="en-US"/>
           </a:p>
@@ -1415,7 +2625,7 @@
           <p:cNvPr id="6" name="Footer Placeholder 5">
             <a:extLst>
               <a:ext uri="{FF2B5EF4-FFF2-40B4-BE49-F238E27FC236}">
-                <a16:creationId xmlns:a16="http://schemas.microsoft.com/office/drawing/2014/main" id="{8B424F9D-6E82-46DE-AB01-481B9061838E}"/>
+                <a16:creationId xmlns="" xmlns:a16="http://schemas.microsoft.com/office/drawing/2014/main" id="{8B424F9D-6E82-46DE-AB01-481B9061838E}"/>
               </a:ext>
             </a:extLst>
           </p:cNvPr>
@@ -1440,7 +2650,7 @@
           <p:cNvPr id="7" name="Slide Number Placeholder 6">
             <a:extLst>
               <a:ext uri="{FF2B5EF4-FFF2-40B4-BE49-F238E27FC236}">
-                <a16:creationId xmlns:a16="http://schemas.microsoft.com/office/drawing/2014/main" id="{9DA2413B-C496-4DF0-BD3B-8F7C894E69B5}"/>
+                <a16:creationId xmlns="" xmlns:a16="http://schemas.microsoft.com/office/drawing/2014/main" id="{9DA2413B-C496-4DF0-BD3B-8F7C894E69B5}"/>
               </a:ext>
             </a:extLst>
           </p:cNvPr>
@@ -1499,7 +2709,7 @@
           <p:cNvPr id="2" name="Title 1">
             <a:extLst>
               <a:ext uri="{FF2B5EF4-FFF2-40B4-BE49-F238E27FC236}">
-                <a16:creationId xmlns:a16="http://schemas.microsoft.com/office/drawing/2014/main" id="{758732F5-414C-443A-BBE9-806DE1EF63A3}"/>
+                <a16:creationId xmlns="" xmlns:a16="http://schemas.microsoft.com/office/drawing/2014/main" id="{758732F5-414C-443A-BBE9-806DE1EF63A3}"/>
               </a:ext>
             </a:extLst>
           </p:cNvPr>
@@ -1532,7 +2742,7 @@
           <p:cNvPr id="3" name="Text Placeholder 2">
             <a:extLst>
               <a:ext uri="{FF2B5EF4-FFF2-40B4-BE49-F238E27FC236}">
-                <a16:creationId xmlns:a16="http://schemas.microsoft.com/office/drawing/2014/main" id="{C424F3C4-8CC5-46A1-9267-99B20710A62F}"/>
+                <a16:creationId xmlns="" xmlns:a16="http://schemas.microsoft.com/office/drawing/2014/main" id="{C424F3C4-8CC5-46A1-9267-99B20710A62F}"/>
               </a:ext>
             </a:extLst>
           </p:cNvPr>
@@ -1603,7 +2813,7 @@
           <p:cNvPr id="4" name="Content Placeholder 3">
             <a:extLst>
               <a:ext uri="{FF2B5EF4-FFF2-40B4-BE49-F238E27FC236}">
-                <a16:creationId xmlns:a16="http://schemas.microsoft.com/office/drawing/2014/main" id="{9ADD6055-96FC-4089-8A5B-2F1ECD453364}"/>
+                <a16:creationId xmlns="" xmlns:a16="http://schemas.microsoft.com/office/drawing/2014/main" id="{9ADD6055-96FC-4089-8A5B-2F1ECD453364}"/>
               </a:ext>
             </a:extLst>
           </p:cNvPr>
@@ -1665,7 +2875,7 @@
           <p:cNvPr id="5" name="Text Placeholder 4">
             <a:extLst>
               <a:ext uri="{FF2B5EF4-FFF2-40B4-BE49-F238E27FC236}">
-                <a16:creationId xmlns:a16="http://schemas.microsoft.com/office/drawing/2014/main" id="{81A73AA1-FDD5-4805-865D-7176749169A6}"/>
+                <a16:creationId xmlns="" xmlns:a16="http://schemas.microsoft.com/office/drawing/2014/main" id="{81A73AA1-FDD5-4805-865D-7176749169A6}"/>
               </a:ext>
             </a:extLst>
           </p:cNvPr>
@@ -1736,7 +2946,7 @@
           <p:cNvPr id="6" name="Content Placeholder 5">
             <a:extLst>
               <a:ext uri="{FF2B5EF4-FFF2-40B4-BE49-F238E27FC236}">
-                <a16:creationId xmlns:a16="http://schemas.microsoft.com/office/drawing/2014/main" id="{FC5CC1CC-BEA3-4334-A1B7-F93B50B1F94E}"/>
+                <a16:creationId xmlns="" xmlns:a16="http://schemas.microsoft.com/office/drawing/2014/main" id="{FC5CC1CC-BEA3-4334-A1B7-F93B50B1F94E}"/>
               </a:ext>
             </a:extLst>
           </p:cNvPr>
@@ -1798,7 +3008,7 @@
           <p:cNvPr id="7" name="Date Placeholder 6">
             <a:extLst>
               <a:ext uri="{FF2B5EF4-FFF2-40B4-BE49-F238E27FC236}">
-                <a16:creationId xmlns:a16="http://schemas.microsoft.com/office/drawing/2014/main" id="{5E5CFD0B-E57B-4343-949F-38565BB110BB}"/>
+                <a16:creationId xmlns="" xmlns:a16="http://schemas.microsoft.com/office/drawing/2014/main" id="{5E5CFD0B-E57B-4343-949F-38565BB110BB}"/>
               </a:ext>
             </a:extLst>
           </p:cNvPr>
@@ -1816,7 +3026,7 @@
           <a:p>
             <a:fld id="{C49EFF57-3444-4D3C-901B-15A513E1D5E0}" type="datetimeFigureOut">
               <a:rPr lang="en-US" smtClean="0"/>
-              <a:t>7/12/2021</a:t>
+              <a:t>8/3/2021</a:t>
             </a:fld>
             <a:endParaRPr lang="en-US"/>
           </a:p>
@@ -1827,7 +3037,7 @@
           <p:cNvPr id="8" name="Footer Placeholder 7">
             <a:extLst>
               <a:ext uri="{FF2B5EF4-FFF2-40B4-BE49-F238E27FC236}">
-                <a16:creationId xmlns:a16="http://schemas.microsoft.com/office/drawing/2014/main" id="{C3E49DE3-A418-495E-9805-423A8AF61B41}"/>
+                <a16:creationId xmlns="" xmlns:a16="http://schemas.microsoft.com/office/drawing/2014/main" id="{C3E49DE3-A418-495E-9805-423A8AF61B41}"/>
               </a:ext>
             </a:extLst>
           </p:cNvPr>
@@ -1852,7 +3062,7 @@
           <p:cNvPr id="9" name="Slide Number Placeholder 8">
             <a:extLst>
               <a:ext uri="{FF2B5EF4-FFF2-40B4-BE49-F238E27FC236}">
-                <a16:creationId xmlns:a16="http://schemas.microsoft.com/office/drawing/2014/main" id="{74B29502-8DA6-42FC-B91B-27B0D3CFF7C3}"/>
+                <a16:creationId xmlns="" xmlns:a16="http://schemas.microsoft.com/office/drawing/2014/main" id="{74B29502-8DA6-42FC-B91B-27B0D3CFF7C3}"/>
               </a:ext>
             </a:extLst>
           </p:cNvPr>
@@ -1911,7 +3121,7 @@
           <p:cNvPr id="2" name="Title 1">
             <a:extLst>
               <a:ext uri="{FF2B5EF4-FFF2-40B4-BE49-F238E27FC236}">
-                <a16:creationId xmlns:a16="http://schemas.microsoft.com/office/drawing/2014/main" id="{9EAFA395-A4A6-4F26-B259-6647FCE341EC}"/>
+                <a16:creationId xmlns="" xmlns:a16="http://schemas.microsoft.com/office/drawing/2014/main" id="{9EAFA395-A4A6-4F26-B259-6647FCE341EC}"/>
               </a:ext>
             </a:extLst>
           </p:cNvPr>
@@ -1939,7 +3149,7 @@
           <p:cNvPr id="3" name="Date Placeholder 2">
             <a:extLst>
               <a:ext uri="{FF2B5EF4-FFF2-40B4-BE49-F238E27FC236}">
-                <a16:creationId xmlns:a16="http://schemas.microsoft.com/office/drawing/2014/main" id="{29495122-FC78-4388-82D5-1670A28ED1EC}"/>
+                <a16:creationId xmlns="" xmlns:a16="http://schemas.microsoft.com/office/drawing/2014/main" id="{29495122-FC78-4388-82D5-1670A28ED1EC}"/>
               </a:ext>
             </a:extLst>
           </p:cNvPr>
@@ -1957,7 +3167,7 @@
           <a:p>
             <a:fld id="{C49EFF57-3444-4D3C-901B-15A513E1D5E0}" type="datetimeFigureOut">
               <a:rPr lang="en-US" smtClean="0"/>
-              <a:t>7/12/2021</a:t>
+              <a:t>8/3/2021</a:t>
             </a:fld>
             <a:endParaRPr lang="en-US"/>
           </a:p>
@@ -1968,7 +3178,7 @@
           <p:cNvPr id="4" name="Footer Placeholder 3">
             <a:extLst>
               <a:ext uri="{FF2B5EF4-FFF2-40B4-BE49-F238E27FC236}">
-                <a16:creationId xmlns:a16="http://schemas.microsoft.com/office/drawing/2014/main" id="{68C07581-73F0-423A-86B4-C007557DCEB7}"/>
+                <a16:creationId xmlns="" xmlns:a16="http://schemas.microsoft.com/office/drawing/2014/main" id="{68C07581-73F0-423A-86B4-C007557DCEB7}"/>
               </a:ext>
             </a:extLst>
           </p:cNvPr>
@@ -1993,7 +3203,7 @@
           <p:cNvPr id="5" name="Slide Number Placeholder 4">
             <a:extLst>
               <a:ext uri="{FF2B5EF4-FFF2-40B4-BE49-F238E27FC236}">
-                <a16:creationId xmlns:a16="http://schemas.microsoft.com/office/drawing/2014/main" id="{EFFA8B4C-019F-4552-8ADF-9F7F654D2BA3}"/>
+                <a16:creationId xmlns="" xmlns:a16="http://schemas.microsoft.com/office/drawing/2014/main" id="{EFFA8B4C-019F-4552-8ADF-9F7F654D2BA3}"/>
               </a:ext>
             </a:extLst>
           </p:cNvPr>
@@ -2052,7 +3262,7 @@
           <p:cNvPr id="2" name="Date Placeholder 1">
             <a:extLst>
               <a:ext uri="{FF2B5EF4-FFF2-40B4-BE49-F238E27FC236}">
-                <a16:creationId xmlns:a16="http://schemas.microsoft.com/office/drawing/2014/main" id="{4777D921-9D27-4CF3-A96E-F78B8CB45B4C}"/>
+                <a16:creationId xmlns="" xmlns:a16="http://schemas.microsoft.com/office/drawing/2014/main" id="{4777D921-9D27-4CF3-A96E-F78B8CB45B4C}"/>
               </a:ext>
             </a:extLst>
           </p:cNvPr>
@@ -2070,7 +3280,7 @@
           <a:p>
             <a:fld id="{C49EFF57-3444-4D3C-901B-15A513E1D5E0}" type="datetimeFigureOut">
               <a:rPr lang="en-US" smtClean="0"/>
-              <a:t>7/12/2021</a:t>
+              <a:t>8/3/2021</a:t>
             </a:fld>
             <a:endParaRPr lang="en-US"/>
           </a:p>
@@ -2081,7 +3291,7 @@
           <p:cNvPr id="3" name="Footer Placeholder 2">
             <a:extLst>
               <a:ext uri="{FF2B5EF4-FFF2-40B4-BE49-F238E27FC236}">
-                <a16:creationId xmlns:a16="http://schemas.microsoft.com/office/drawing/2014/main" id="{141C14CD-83DD-484E-8FC9-8F1246B1876B}"/>
+                <a16:creationId xmlns="" xmlns:a16="http://schemas.microsoft.com/office/drawing/2014/main" id="{141C14CD-83DD-484E-8FC9-8F1246B1876B}"/>
               </a:ext>
             </a:extLst>
           </p:cNvPr>
@@ -2106,7 +3316,7 @@
           <p:cNvPr id="4" name="Slide Number Placeholder 3">
             <a:extLst>
               <a:ext uri="{FF2B5EF4-FFF2-40B4-BE49-F238E27FC236}">
-                <a16:creationId xmlns:a16="http://schemas.microsoft.com/office/drawing/2014/main" id="{924B0FE5-FB43-48F3-9570-D659EA60ACC7}"/>
+                <a16:creationId xmlns="" xmlns:a16="http://schemas.microsoft.com/office/drawing/2014/main" id="{924B0FE5-FB43-48F3-9570-D659EA60ACC7}"/>
               </a:ext>
             </a:extLst>
           </p:cNvPr>
@@ -2165,7 +3375,7 @@
           <p:cNvPr id="2" name="Title 1">
             <a:extLst>
               <a:ext uri="{FF2B5EF4-FFF2-40B4-BE49-F238E27FC236}">
-                <a16:creationId xmlns:a16="http://schemas.microsoft.com/office/drawing/2014/main" id="{26E1B15A-B92A-4AE0-9628-5DECAC159BA0}"/>
+                <a16:creationId xmlns="" xmlns:a16="http://schemas.microsoft.com/office/drawing/2014/main" id="{26E1B15A-B92A-4AE0-9628-5DECAC159BA0}"/>
               </a:ext>
             </a:extLst>
           </p:cNvPr>
@@ -2202,7 +3412,7 @@
           <p:cNvPr id="3" name="Content Placeholder 2">
             <a:extLst>
               <a:ext uri="{FF2B5EF4-FFF2-40B4-BE49-F238E27FC236}">
-                <a16:creationId xmlns:a16="http://schemas.microsoft.com/office/drawing/2014/main" id="{5C51F275-7731-44CC-A9FA-0036A733E21E}"/>
+                <a16:creationId xmlns="" xmlns:a16="http://schemas.microsoft.com/office/drawing/2014/main" id="{5C51F275-7731-44CC-A9FA-0036A733E21E}"/>
               </a:ext>
             </a:extLst>
           </p:cNvPr>
@@ -2292,7 +3502,7 @@
           <p:cNvPr id="4" name="Text Placeholder 3">
             <a:extLst>
               <a:ext uri="{FF2B5EF4-FFF2-40B4-BE49-F238E27FC236}">
-                <a16:creationId xmlns:a16="http://schemas.microsoft.com/office/drawing/2014/main" id="{00430C16-D013-4CA1-B7D8-1E8270D790A0}"/>
+                <a16:creationId xmlns="" xmlns:a16="http://schemas.microsoft.com/office/drawing/2014/main" id="{00430C16-D013-4CA1-B7D8-1E8270D790A0}"/>
               </a:ext>
             </a:extLst>
           </p:cNvPr>
@@ -2363,7 +3573,7 @@
           <p:cNvPr id="5" name="Date Placeholder 4">
             <a:extLst>
               <a:ext uri="{FF2B5EF4-FFF2-40B4-BE49-F238E27FC236}">
-                <a16:creationId xmlns:a16="http://schemas.microsoft.com/office/drawing/2014/main" id="{6C923106-37F1-4CCD-A23D-176BE47403C2}"/>
+                <a16:creationId xmlns="" xmlns:a16="http://schemas.microsoft.com/office/drawing/2014/main" id="{6C923106-37F1-4CCD-A23D-176BE47403C2}"/>
               </a:ext>
             </a:extLst>
           </p:cNvPr>
@@ -2381,7 +3591,7 @@
           <a:p>
             <a:fld id="{C49EFF57-3444-4D3C-901B-15A513E1D5E0}" type="datetimeFigureOut">
               <a:rPr lang="en-US" smtClean="0"/>
-              <a:t>7/12/2021</a:t>
+              <a:t>8/3/2021</a:t>
             </a:fld>
             <a:endParaRPr lang="en-US"/>
           </a:p>
@@ -2392,7 +3602,7 @@
           <p:cNvPr id="6" name="Footer Placeholder 5">
             <a:extLst>
               <a:ext uri="{FF2B5EF4-FFF2-40B4-BE49-F238E27FC236}">
-                <a16:creationId xmlns:a16="http://schemas.microsoft.com/office/drawing/2014/main" id="{F72E3146-B8D2-4548-A27E-8FC9B38D72AD}"/>
+                <a16:creationId xmlns="" xmlns:a16="http://schemas.microsoft.com/office/drawing/2014/main" id="{F72E3146-B8D2-4548-A27E-8FC9B38D72AD}"/>
               </a:ext>
             </a:extLst>
           </p:cNvPr>
@@ -2417,7 +3627,7 @@
           <p:cNvPr id="7" name="Slide Number Placeholder 6">
             <a:extLst>
               <a:ext uri="{FF2B5EF4-FFF2-40B4-BE49-F238E27FC236}">
-                <a16:creationId xmlns:a16="http://schemas.microsoft.com/office/drawing/2014/main" id="{E3B40ED1-1A01-4358-8D18-AB5A090304D5}"/>
+                <a16:creationId xmlns="" xmlns:a16="http://schemas.microsoft.com/office/drawing/2014/main" id="{E3B40ED1-1A01-4358-8D18-AB5A090304D5}"/>
               </a:ext>
             </a:extLst>
           </p:cNvPr>
@@ -2476,7 +3686,7 @@
           <p:cNvPr id="2" name="Title 1">
             <a:extLst>
               <a:ext uri="{FF2B5EF4-FFF2-40B4-BE49-F238E27FC236}">
-                <a16:creationId xmlns:a16="http://schemas.microsoft.com/office/drawing/2014/main" id="{A5185B9A-AB4C-4A0A-8F30-2AD42FAA96FD}"/>
+                <a16:creationId xmlns="" xmlns:a16="http://schemas.microsoft.com/office/drawing/2014/main" id="{A5185B9A-AB4C-4A0A-8F30-2AD42FAA96FD}"/>
               </a:ext>
             </a:extLst>
           </p:cNvPr>
@@ -2513,7 +3723,7 @@
           <p:cNvPr id="3" name="Picture Placeholder 2">
             <a:extLst>
               <a:ext uri="{FF2B5EF4-FFF2-40B4-BE49-F238E27FC236}">
-                <a16:creationId xmlns:a16="http://schemas.microsoft.com/office/drawing/2014/main" id="{9D455CDD-3149-4260-BC04-C28546799874}"/>
+                <a16:creationId xmlns="" xmlns:a16="http://schemas.microsoft.com/office/drawing/2014/main" id="{9D455CDD-3149-4260-BC04-C28546799874}"/>
               </a:ext>
             </a:extLst>
           </p:cNvPr>
@@ -2580,7 +3790,7 @@
           <p:cNvPr id="4" name="Text Placeholder 3">
             <a:extLst>
               <a:ext uri="{FF2B5EF4-FFF2-40B4-BE49-F238E27FC236}">
-                <a16:creationId xmlns:a16="http://schemas.microsoft.com/office/drawing/2014/main" id="{384AD761-E4E3-4AE5-81FC-419FD6E2CCAB}"/>
+                <a16:creationId xmlns="" xmlns:a16="http://schemas.microsoft.com/office/drawing/2014/main" id="{384AD761-E4E3-4AE5-81FC-419FD6E2CCAB}"/>
               </a:ext>
             </a:extLst>
           </p:cNvPr>
@@ -2651,7 +3861,7 @@
           <p:cNvPr id="5" name="Date Placeholder 4">
             <a:extLst>
               <a:ext uri="{FF2B5EF4-FFF2-40B4-BE49-F238E27FC236}">
-                <a16:creationId xmlns:a16="http://schemas.microsoft.com/office/drawing/2014/main" id="{30859E57-63EF-4563-8401-BAC1DB268980}"/>
+                <a16:creationId xmlns="" xmlns:a16="http://schemas.microsoft.com/office/drawing/2014/main" id="{30859E57-63EF-4563-8401-BAC1DB268980}"/>
               </a:ext>
             </a:extLst>
           </p:cNvPr>
@@ -2669,7 +3879,7 @@
           <a:p>
             <a:fld id="{C49EFF57-3444-4D3C-901B-15A513E1D5E0}" type="datetimeFigureOut">
               <a:rPr lang="en-US" smtClean="0"/>
-              <a:t>7/12/2021</a:t>
+              <a:t>8/3/2021</a:t>
             </a:fld>
             <a:endParaRPr lang="en-US"/>
           </a:p>
@@ -2680,7 +3890,7 @@
           <p:cNvPr id="6" name="Footer Placeholder 5">
             <a:extLst>
               <a:ext uri="{FF2B5EF4-FFF2-40B4-BE49-F238E27FC236}">
-                <a16:creationId xmlns:a16="http://schemas.microsoft.com/office/drawing/2014/main" id="{DB4FCA0F-8544-4EA7-A43F-A39186999D71}"/>
+                <a16:creationId xmlns="" xmlns:a16="http://schemas.microsoft.com/office/drawing/2014/main" id="{DB4FCA0F-8544-4EA7-A43F-A39186999D71}"/>
               </a:ext>
             </a:extLst>
           </p:cNvPr>
@@ -2705,7 +3915,7 @@
           <p:cNvPr id="7" name="Slide Number Placeholder 6">
             <a:extLst>
               <a:ext uri="{FF2B5EF4-FFF2-40B4-BE49-F238E27FC236}">
-                <a16:creationId xmlns:a16="http://schemas.microsoft.com/office/drawing/2014/main" id="{E2A7AD44-502B-4ECC-8850-3F883400E54A}"/>
+                <a16:creationId xmlns="" xmlns:a16="http://schemas.microsoft.com/office/drawing/2014/main" id="{E2A7AD44-502B-4ECC-8850-3F883400E54A}"/>
               </a:ext>
             </a:extLst>
           </p:cNvPr>
@@ -2769,7 +3979,7 @@
           <p:cNvPr id="2" name="Title Placeholder 1">
             <a:extLst>
               <a:ext uri="{FF2B5EF4-FFF2-40B4-BE49-F238E27FC236}">
-                <a16:creationId xmlns:a16="http://schemas.microsoft.com/office/drawing/2014/main" id="{854CB78C-0596-4871-9E64-EBFF31B7CC01}"/>
+                <a16:creationId xmlns="" xmlns:a16="http://schemas.microsoft.com/office/drawing/2014/main" id="{854CB78C-0596-4871-9E64-EBFF31B7CC01}"/>
               </a:ext>
             </a:extLst>
           </p:cNvPr>
@@ -2807,7 +4017,7 @@
           <p:cNvPr id="3" name="Text Placeholder 2">
             <a:extLst>
               <a:ext uri="{FF2B5EF4-FFF2-40B4-BE49-F238E27FC236}">
-                <a16:creationId xmlns:a16="http://schemas.microsoft.com/office/drawing/2014/main" id="{57C5B8DD-85F2-4E0D-A532-BDF18E09D186}"/>
+                <a16:creationId xmlns="" xmlns:a16="http://schemas.microsoft.com/office/drawing/2014/main" id="{57C5B8DD-85F2-4E0D-A532-BDF18E09D186}"/>
               </a:ext>
             </a:extLst>
           </p:cNvPr>
@@ -2874,7 +4084,7 @@
           <p:cNvPr id="4" name="Date Placeholder 3">
             <a:extLst>
               <a:ext uri="{FF2B5EF4-FFF2-40B4-BE49-F238E27FC236}">
-                <a16:creationId xmlns:a16="http://schemas.microsoft.com/office/drawing/2014/main" id="{4DB1B384-3808-40B2-A1A3-19BEE0D799DA}"/>
+                <a16:creationId xmlns="" xmlns:a16="http://schemas.microsoft.com/office/drawing/2014/main" id="{4DB1B384-3808-40B2-A1A3-19BEE0D799DA}"/>
               </a:ext>
             </a:extLst>
           </p:cNvPr>
@@ -2910,7 +4120,7 @@
           <a:p>
             <a:fld id="{C49EFF57-3444-4D3C-901B-15A513E1D5E0}" type="datetimeFigureOut">
               <a:rPr lang="en-US" smtClean="0"/>
-              <a:t>7/12/2021</a:t>
+              <a:t>8/3/2021</a:t>
             </a:fld>
             <a:endParaRPr lang="en-US"/>
           </a:p>
@@ -2921,7 +4131,7 @@
           <p:cNvPr id="5" name="Footer Placeholder 4">
             <a:extLst>
               <a:ext uri="{FF2B5EF4-FFF2-40B4-BE49-F238E27FC236}">
-                <a16:creationId xmlns:a16="http://schemas.microsoft.com/office/drawing/2014/main" id="{51E0F577-171E-4A5D-AD0A-228196370874}"/>
+                <a16:creationId xmlns="" xmlns:a16="http://schemas.microsoft.com/office/drawing/2014/main" id="{51E0F577-171E-4A5D-AD0A-228196370874}"/>
               </a:ext>
             </a:extLst>
           </p:cNvPr>
@@ -2964,7 +4174,7 @@
           <p:cNvPr id="6" name="Slide Number Placeholder 5">
             <a:extLst>
               <a:ext uri="{FF2B5EF4-FFF2-40B4-BE49-F238E27FC236}">
-                <a16:creationId xmlns:a16="http://schemas.microsoft.com/office/drawing/2014/main" id="{7F7DC080-D16B-400E-9698-FA7FF4BB3B68}"/>
+                <a16:creationId xmlns="" xmlns:a16="http://schemas.microsoft.com/office/drawing/2014/main" id="{7F7DC080-D16B-400E-9698-FA7FF4BB3B68}"/>
               </a:ext>
             </a:extLst>
           </p:cNvPr>
@@ -3332,7 +4542,7 @@
           <p:cNvPr id="12" name="Group 11">
             <a:extLst>
               <a:ext uri="{FF2B5EF4-FFF2-40B4-BE49-F238E27FC236}">
-                <a16:creationId xmlns:a16="http://schemas.microsoft.com/office/drawing/2014/main" id="{8FD51DEE-164F-48F3-85C4-B9A91E0104BB}"/>
+                <a16:creationId xmlns="" xmlns:a16="http://schemas.microsoft.com/office/drawing/2014/main" id="{8FD51DEE-164F-48F3-85C4-B9A91E0104BB}"/>
               </a:ext>
             </a:extLst>
           </p:cNvPr>
@@ -3352,7 +4562,7 @@
             <p:cNvPr id="3" name="Group 2">
               <a:extLst>
                 <a:ext uri="{FF2B5EF4-FFF2-40B4-BE49-F238E27FC236}">
-                  <a16:creationId xmlns:a16="http://schemas.microsoft.com/office/drawing/2014/main" id="{D37A8DF6-170F-4956-B940-2DD5AECE024B}"/>
+                  <a16:creationId xmlns="" xmlns:a16="http://schemas.microsoft.com/office/drawing/2014/main" id="{D37A8DF6-170F-4956-B940-2DD5AECE024B}"/>
                 </a:ext>
               </a:extLst>
             </p:cNvPr>
@@ -3372,7 +4582,7 @@
               <p:cNvPr id="22" name="Group 21">
                 <a:extLst>
                   <a:ext uri="{FF2B5EF4-FFF2-40B4-BE49-F238E27FC236}">
-                    <a16:creationId xmlns:a16="http://schemas.microsoft.com/office/drawing/2014/main" id="{E76B3620-0EB4-412C-9996-8C138AE9B931}"/>
+                    <a16:creationId xmlns="" xmlns:a16="http://schemas.microsoft.com/office/drawing/2014/main" id="{E76B3620-0EB4-412C-9996-8C138AE9B931}"/>
                   </a:ext>
                 </a:extLst>
               </p:cNvPr>
@@ -3392,7 +4602,7 @@
                 <p:cNvPr id="15" name="Group 14">
                   <a:extLst>
                     <a:ext uri="{FF2B5EF4-FFF2-40B4-BE49-F238E27FC236}">
-                      <a16:creationId xmlns:a16="http://schemas.microsoft.com/office/drawing/2014/main" id="{B3B5DEB4-47A5-4C1A-9833-BD701DF26D6F}"/>
+                      <a16:creationId xmlns="" xmlns:a16="http://schemas.microsoft.com/office/drawing/2014/main" id="{B3B5DEB4-47A5-4C1A-9833-BD701DF26D6F}"/>
                     </a:ext>
                   </a:extLst>
                 </p:cNvPr>
@@ -3412,7 +4622,7 @@
                   <p:cNvPr id="4" name="Rectangle: Rounded Corners 3">
                     <a:extLst>
                       <a:ext uri="{FF2B5EF4-FFF2-40B4-BE49-F238E27FC236}">
-                        <a16:creationId xmlns:a16="http://schemas.microsoft.com/office/drawing/2014/main" id="{E2548BEB-AED9-4D45-B1D4-5EB5D49EAFF2}"/>
+                        <a16:creationId xmlns="" xmlns:a16="http://schemas.microsoft.com/office/drawing/2014/main" id="{E2548BEB-AED9-4D45-B1D4-5EB5D49EAFF2}"/>
                       </a:ext>
                     </a:extLst>
                   </p:cNvPr>
@@ -3469,7 +4679,7 @@
                   <p:cNvPr id="5" name="Rectangle: Rounded Corners 4">
                     <a:extLst>
                       <a:ext uri="{FF2B5EF4-FFF2-40B4-BE49-F238E27FC236}">
-                        <a16:creationId xmlns:a16="http://schemas.microsoft.com/office/drawing/2014/main" id="{6AFB17C0-1F78-4254-93EC-31A9DB3CA2E6}"/>
+                        <a16:creationId xmlns="" xmlns:a16="http://schemas.microsoft.com/office/drawing/2014/main" id="{6AFB17C0-1F78-4254-93EC-31A9DB3CA2E6}"/>
                       </a:ext>
                     </a:extLst>
                   </p:cNvPr>
@@ -3526,7 +4736,7 @@
                   <p:cNvPr id="6" name="Rectangle: Rounded Corners 5">
                     <a:extLst>
                       <a:ext uri="{FF2B5EF4-FFF2-40B4-BE49-F238E27FC236}">
-                        <a16:creationId xmlns:a16="http://schemas.microsoft.com/office/drawing/2014/main" id="{DEABF215-C694-42D8-B2C2-E9AB732883B8}"/>
+                        <a16:creationId xmlns="" xmlns:a16="http://schemas.microsoft.com/office/drawing/2014/main" id="{DEABF215-C694-42D8-B2C2-E9AB732883B8}"/>
                       </a:ext>
                     </a:extLst>
                   </p:cNvPr>
@@ -3583,7 +4793,7 @@
                   <p:cNvPr id="7" name="Rectangle: Rounded Corners 6">
                     <a:extLst>
                       <a:ext uri="{FF2B5EF4-FFF2-40B4-BE49-F238E27FC236}">
-                        <a16:creationId xmlns:a16="http://schemas.microsoft.com/office/drawing/2014/main" id="{4D9AB747-04E9-4577-88C4-25036C4D7660}"/>
+                        <a16:creationId xmlns="" xmlns:a16="http://schemas.microsoft.com/office/drawing/2014/main" id="{4D9AB747-04E9-4577-88C4-25036C4D7660}"/>
                       </a:ext>
                     </a:extLst>
                   </p:cNvPr>
@@ -3637,7 +4847,7 @@
                   <p:cNvPr id="8" name="Arrow: Right 7">
                     <a:extLst>
                       <a:ext uri="{FF2B5EF4-FFF2-40B4-BE49-F238E27FC236}">
-                        <a16:creationId xmlns:a16="http://schemas.microsoft.com/office/drawing/2014/main" id="{D6528606-6C1C-4247-B1C4-8963009ECFF9}"/>
+                        <a16:creationId xmlns="" xmlns:a16="http://schemas.microsoft.com/office/drawing/2014/main" id="{D6528606-6C1C-4247-B1C4-8963009ECFF9}"/>
                       </a:ext>
                     </a:extLst>
                   </p:cNvPr>
@@ -3691,7 +4901,7 @@
                   <p:cNvPr id="9" name="Arrow: Right 8">
                     <a:extLst>
                       <a:ext uri="{FF2B5EF4-FFF2-40B4-BE49-F238E27FC236}">
-                        <a16:creationId xmlns:a16="http://schemas.microsoft.com/office/drawing/2014/main" id="{FD19A871-AF91-4802-940D-7607D1BBD111}"/>
+                        <a16:creationId xmlns="" xmlns:a16="http://schemas.microsoft.com/office/drawing/2014/main" id="{FD19A871-AF91-4802-940D-7607D1BBD111}"/>
                       </a:ext>
                     </a:extLst>
                   </p:cNvPr>
@@ -3745,7 +4955,7 @@
                   <p:cNvPr id="10" name="Arrow: Right 9">
                     <a:extLst>
                       <a:ext uri="{FF2B5EF4-FFF2-40B4-BE49-F238E27FC236}">
-                        <a16:creationId xmlns:a16="http://schemas.microsoft.com/office/drawing/2014/main" id="{17E43123-59C0-41BB-B908-03A2351DF7FE}"/>
+                        <a16:creationId xmlns="" xmlns:a16="http://schemas.microsoft.com/office/drawing/2014/main" id="{17E43123-59C0-41BB-B908-03A2351DF7FE}"/>
                       </a:ext>
                     </a:extLst>
                   </p:cNvPr>
@@ -3800,7 +5010,7 @@
                 <p:cNvPr id="14" name="Picture 13" descr="Teacher pointing at laptop screen to young students">
                   <a:extLst>
                     <a:ext uri="{FF2B5EF4-FFF2-40B4-BE49-F238E27FC236}">
-                      <a16:creationId xmlns:a16="http://schemas.microsoft.com/office/drawing/2014/main" id="{F9902EE4-E924-4C83-B663-5B19A6466995}"/>
+                      <a16:creationId xmlns="" xmlns:a16="http://schemas.microsoft.com/office/drawing/2014/main" id="{F9902EE4-E924-4C83-B663-5B19A6466995}"/>
                     </a:ext>
                   </a:extLst>
                 </p:cNvPr>
@@ -3810,7 +5020,7 @@
                 <p:nvPr/>
               </p:nvPicPr>
               <p:blipFill>
-                <a:blip r:embed="rId2">
+                <a:blip r:embed="rId2" cstate="print">
                   <a:extLst>
                     <a:ext uri="{28A0092B-C50C-407E-A947-70E740481C1C}">
                       <a14:useLocalDpi xmlns:a14="http://schemas.microsoft.com/office/drawing/2010/main" val="0"/>
@@ -3848,7 +5058,7 @@
                 <p:cNvPr id="17" name="Picture 16" descr="Graphical user interface&#10;&#10;Description automatically generated">
                   <a:extLst>
                     <a:ext uri="{FF2B5EF4-FFF2-40B4-BE49-F238E27FC236}">
-                      <a16:creationId xmlns:a16="http://schemas.microsoft.com/office/drawing/2014/main" id="{49BC7F51-6CF5-4964-9794-E25F46339A1F}"/>
+                      <a16:creationId xmlns="" xmlns:a16="http://schemas.microsoft.com/office/drawing/2014/main" id="{49BC7F51-6CF5-4964-9794-E25F46339A1F}"/>
                     </a:ext>
                   </a:extLst>
                 </p:cNvPr>
@@ -3858,7 +5068,7 @@
                 <p:nvPr/>
               </p:nvPicPr>
               <p:blipFill>
-                <a:blip r:embed="rId3">
+                <a:blip r:embed="rId3" cstate="print">
                   <a:extLst>
                     <a:ext uri="{28A0092B-C50C-407E-A947-70E740481C1C}">
                       <a14:useLocalDpi xmlns:a14="http://schemas.microsoft.com/office/drawing/2010/main" val="0"/>
@@ -3896,7 +5106,7 @@
                 <p:cNvPr id="19" name="Picture 18" descr="A picture containing text&#10;&#10;Description automatically generated">
                   <a:extLst>
                     <a:ext uri="{FF2B5EF4-FFF2-40B4-BE49-F238E27FC236}">
-                      <a16:creationId xmlns:a16="http://schemas.microsoft.com/office/drawing/2014/main" id="{1E7A230C-C80A-4652-8B8E-0235E37F4572}"/>
+                      <a16:creationId xmlns="" xmlns:a16="http://schemas.microsoft.com/office/drawing/2014/main" id="{1E7A230C-C80A-4652-8B8E-0235E37F4572}"/>
                     </a:ext>
                   </a:extLst>
                 </p:cNvPr>
@@ -3906,7 +5116,7 @@
                 <p:nvPr/>
               </p:nvPicPr>
               <p:blipFill>
-                <a:blip r:embed="rId4">
+                <a:blip r:embed="rId4" cstate="print">
                   <a:extLst>
                     <a:ext uri="{28A0092B-C50C-407E-A947-70E740481C1C}">
                       <a14:useLocalDpi xmlns:a14="http://schemas.microsoft.com/office/drawing/2010/main" val="0"/>
@@ -3944,7 +5154,7 @@
                 <p:cNvPr id="21" name="Graphic 20" descr="Clipboard Partially Checked with solid fill">
                   <a:extLst>
                     <a:ext uri="{FF2B5EF4-FFF2-40B4-BE49-F238E27FC236}">
-                      <a16:creationId xmlns:a16="http://schemas.microsoft.com/office/drawing/2014/main" id="{FA4DBB1C-582A-4BAD-B36F-59770E178DE8}"/>
+                      <a16:creationId xmlns="" xmlns:a16="http://schemas.microsoft.com/office/drawing/2014/main" id="{FA4DBB1C-582A-4BAD-B36F-59770E178DE8}"/>
                     </a:ext>
                   </a:extLst>
                 </p:cNvPr>
@@ -3954,13 +5164,13 @@
                 <p:nvPr/>
               </p:nvPicPr>
               <p:blipFill>
-                <a:blip r:embed="rId5">
+                <a:blip r:embed="rId5" cstate="print">
                   <a:extLst>
                     <a:ext uri="{28A0092B-C50C-407E-A947-70E740481C1C}">
                       <a14:useLocalDpi xmlns:a14="http://schemas.microsoft.com/office/drawing/2010/main" val="0"/>
                     </a:ext>
                     <a:ext uri="{96DAC541-7B7A-43D3-8B79-37D633B846F1}">
-                      <asvg:svgBlip xmlns:asvg="http://schemas.microsoft.com/office/drawing/2016/SVG/main" r:embed="rId6"/>
+                      <asvg:svgBlip xmlns="" xmlns:asvg="http://schemas.microsoft.com/office/drawing/2016/SVG/main" r:embed="rId6"/>
                     </a:ext>
                   </a:extLst>
                 </a:blip>
@@ -3991,7 +5201,7 @@
               <p:cNvPr id="2" name="TextBox 1">
                 <a:extLst>
                   <a:ext uri="{FF2B5EF4-FFF2-40B4-BE49-F238E27FC236}">
-                    <a16:creationId xmlns:a16="http://schemas.microsoft.com/office/drawing/2014/main" id="{1D46A293-D635-4C60-AC8C-139EEAF4D100}"/>
+                    <a16:creationId xmlns="" xmlns:a16="http://schemas.microsoft.com/office/drawing/2014/main" id="{1D46A293-D635-4C60-AC8C-139EEAF4D100}"/>
                   </a:ext>
                 </a:extLst>
               </p:cNvPr>
@@ -4027,7 +5237,7 @@
             <p:cNvPr id="11" name="Rectangle: Rounded Corners 10">
               <a:extLst>
                 <a:ext uri="{FF2B5EF4-FFF2-40B4-BE49-F238E27FC236}">
-                  <a16:creationId xmlns:a16="http://schemas.microsoft.com/office/drawing/2014/main" id="{EAEE53C9-8241-4812-A384-118B1EE155FC}"/>
+                  <a16:creationId xmlns="" xmlns:a16="http://schemas.microsoft.com/office/drawing/2014/main" id="{EAEE53C9-8241-4812-A384-118B1EE155FC}"/>
                 </a:ext>
               </a:extLst>
             </p:cNvPr>
@@ -4110,7 +5320,7 @@
           <p:cNvPr id="5" name="Graphic 4" descr="Three brushes with paint tube and a swash of paint">
             <a:extLst>
               <a:ext uri="{FF2B5EF4-FFF2-40B4-BE49-F238E27FC236}">
-                <a16:creationId xmlns:a16="http://schemas.microsoft.com/office/drawing/2014/main" id="{EFDEE867-4656-4A4B-8EF8-8CE4097934E1}"/>
+                <a16:creationId xmlns="" xmlns:a16="http://schemas.microsoft.com/office/drawing/2014/main" id="{EFDEE867-4656-4A4B-8EF8-8CE4097934E1}"/>
               </a:ext>
             </a:extLst>
           </p:cNvPr>
@@ -4120,13 +5330,13 @@
           <p:nvPr/>
         </p:nvPicPr>
         <p:blipFill>
-          <a:blip r:embed="rId2">
+          <a:blip r:embed="rId2" cstate="print">
             <a:extLst>
               <a:ext uri="{28A0092B-C50C-407E-A947-70E740481C1C}">
                 <a14:useLocalDpi xmlns:a14="http://schemas.microsoft.com/office/drawing/2010/main" val="0"/>
               </a:ext>
               <a:ext uri="{96DAC541-7B7A-43D3-8B79-37D633B846F1}">
-                <asvg:svgBlip xmlns:asvg="http://schemas.microsoft.com/office/drawing/2016/SVG/main" r:embed="rId3"/>
+                <asvg:svgBlip xmlns="" xmlns:asvg="http://schemas.microsoft.com/office/drawing/2016/SVG/main" r:embed="rId3"/>
               </a:ext>
             </a:extLst>
           </a:blip>
@@ -4154,6 +5364,2184 @@
   <p:clrMapOvr>
     <a:masterClrMapping/>
   </p:clrMapOvr>
+</p:sld>
+</file>
+
+<file path=ppt/slides/slide3.xml><?xml version="1.0" encoding="utf-8"?>
+<p:sld xmlns:a="http://schemas.openxmlformats.org/drawingml/2006/main" xmlns:r="http://schemas.openxmlformats.org/officeDocument/2006/relationships" xmlns:p="http://schemas.openxmlformats.org/presentationml/2006/main">
+  <p:cSld>
+    <p:spTree>
+      <p:nvGrpSpPr>
+        <p:cNvPr id="1" name=""/>
+        <p:cNvGrpSpPr/>
+        <p:nvPr/>
+      </p:nvGrpSpPr>
+      <p:grpSpPr>
+        <a:xfrm>
+          <a:off x="0" y="0"/>
+          <a:ext cx="0" cy="0"/>
+          <a:chOff x="0" y="0"/>
+          <a:chExt cx="0" cy="0"/>
+        </a:xfrm>
+      </p:grpSpPr>
+      <p:pic>
+        <p:nvPicPr>
+          <p:cNvPr id="1036" name="Picture 12" descr="Unser Code aller Programmier-Projekte nun auf GitHub - Modellbahn-Anlage.de"/>
+          <p:cNvPicPr>
+            <a:picLocks noChangeAspect="1" noChangeArrowheads="1"/>
+          </p:cNvPicPr>
+          <p:nvPr/>
+        </p:nvPicPr>
+        <p:blipFill>
+          <a:blip r:embed="rId2" cstate="print">
+            <a:extLst>
+              <a:ext uri="{28A0092B-C50C-407E-A947-70E740481C1C}">
+                <a14:useLocalDpi xmlns:a14="http://schemas.microsoft.com/office/drawing/2010/main" val="0"/>
+              </a:ext>
+            </a:extLst>
+          </a:blip>
+          <a:srcRect/>
+          <a:stretch>
+            <a:fillRect/>
+          </a:stretch>
+        </p:blipFill>
+        <p:spPr bwMode="auto">
+          <a:xfrm>
+            <a:off x="5162792" y="5361127"/>
+            <a:ext cx="2589085" cy="1429578"/>
+          </a:xfrm>
+          <a:prstGeom prst="rect">
+            <a:avLst/>
+          </a:prstGeom>
+          <a:noFill/>
+          <a:extLst>
+            <a:ext uri="{909E8E84-426E-40DD-AFC4-6F175D3DCCD1}">
+              <a14:hiddenFill xmlns:a14="http://schemas.microsoft.com/office/drawing/2010/main">
+                <a:solidFill>
+                  <a:srgbClr val="FFFFFF"/>
+                </a:solidFill>
+              </a14:hiddenFill>
+            </a:ext>
+          </a:extLst>
+        </p:spPr>
+      </p:pic>
+      <p:pic>
+        <p:nvPicPr>
+          <p:cNvPr id="6" name="Picture 6"/>
+          <p:cNvPicPr>
+            <a:picLocks noChangeAspect="1"/>
+          </p:cNvPicPr>
+          <p:nvPr/>
+        </p:nvPicPr>
+        <p:blipFill>
+          <a:blip r:embed="rId3"/>
+          <a:stretch>
+            <a:fillRect/>
+          </a:stretch>
+        </p:blipFill>
+        <p:spPr>
+          <a:xfrm>
+            <a:off x="2483224" y="3106619"/>
+            <a:ext cx="6544770" cy="1483665"/>
+          </a:xfrm>
+          <a:prstGeom prst="rect">
+            <a:avLst/>
+          </a:prstGeom>
+        </p:spPr>
+      </p:pic>
+      <p:pic>
+        <p:nvPicPr>
+          <p:cNvPr id="8" name="Picture 8"/>
+          <p:cNvPicPr>
+            <a:picLocks noChangeAspect="1"/>
+          </p:cNvPicPr>
+          <p:nvPr/>
+        </p:nvPicPr>
+        <p:blipFill>
+          <a:blip r:embed="rId4"/>
+          <a:stretch>
+            <a:fillRect/>
+          </a:stretch>
+        </p:blipFill>
+        <p:spPr>
+          <a:xfrm>
+            <a:off x="8483878" y="1404870"/>
+            <a:ext cx="2305117" cy="1212073"/>
+          </a:xfrm>
+          <a:prstGeom prst="rect">
+            <a:avLst/>
+          </a:prstGeom>
+        </p:spPr>
+      </p:pic>
+      <p:pic>
+        <p:nvPicPr>
+          <p:cNvPr id="10" name="Picture 10"/>
+          <p:cNvPicPr>
+            <a:picLocks noChangeAspect="1"/>
+          </p:cNvPicPr>
+          <p:nvPr/>
+        </p:nvPicPr>
+        <p:blipFill>
+          <a:blip r:embed="rId5"/>
+          <a:stretch>
+            <a:fillRect/>
+          </a:stretch>
+        </p:blipFill>
+        <p:spPr>
+          <a:xfrm>
+            <a:off x="6006453" y="1577051"/>
+            <a:ext cx="1810675" cy="1810735"/>
+          </a:xfrm>
+          <a:prstGeom prst="rect">
+            <a:avLst/>
+          </a:prstGeom>
+        </p:spPr>
+      </p:pic>
+      <p:pic>
+        <p:nvPicPr>
+          <p:cNvPr id="12" name="Picture 12"/>
+          <p:cNvPicPr>
+            <a:picLocks noChangeAspect="1"/>
+          </p:cNvPicPr>
+          <p:nvPr/>
+        </p:nvPicPr>
+        <p:blipFill>
+          <a:blip r:embed="rId6"/>
+          <a:stretch>
+            <a:fillRect/>
+          </a:stretch>
+        </p:blipFill>
+        <p:spPr>
+          <a:xfrm>
+            <a:off x="8576310" y="3292560"/>
+            <a:ext cx="2427672" cy="483600"/>
+          </a:xfrm>
+          <a:prstGeom prst="rect">
+            <a:avLst/>
+          </a:prstGeom>
+        </p:spPr>
+      </p:pic>
+      <p:pic>
+        <p:nvPicPr>
+          <p:cNvPr id="14" name="Picture 14"/>
+          <p:cNvPicPr>
+            <a:picLocks noChangeAspect="1"/>
+          </p:cNvPicPr>
+          <p:nvPr/>
+        </p:nvPicPr>
+        <p:blipFill>
+          <a:blip r:embed="rId7"/>
+          <a:stretch>
+            <a:fillRect/>
+          </a:stretch>
+        </p:blipFill>
+        <p:spPr>
+          <a:xfrm>
+            <a:off x="9549761" y="4220202"/>
+            <a:ext cx="1737853" cy="1117191"/>
+          </a:xfrm>
+          <a:prstGeom prst="rect">
+            <a:avLst/>
+          </a:prstGeom>
+        </p:spPr>
+      </p:pic>
+      <p:pic>
+        <p:nvPicPr>
+          <p:cNvPr id="3" name="Picture 3"/>
+          <p:cNvPicPr>
+            <a:picLocks noChangeAspect="1"/>
+          </p:cNvPicPr>
+          <p:nvPr/>
+        </p:nvPicPr>
+        <p:blipFill>
+          <a:blip r:embed="rId8"/>
+          <a:stretch>
+            <a:fillRect/>
+          </a:stretch>
+        </p:blipFill>
+        <p:spPr>
+          <a:xfrm>
+            <a:off x="1013877" y="1547848"/>
+            <a:ext cx="2743200" cy="923544"/>
+          </a:xfrm>
+          <a:prstGeom prst="rect">
+            <a:avLst/>
+          </a:prstGeom>
+        </p:spPr>
+      </p:pic>
+      <p:pic>
+        <p:nvPicPr>
+          <p:cNvPr id="9" name="Picture 10"/>
+          <p:cNvPicPr>
+            <a:picLocks noChangeAspect="1"/>
+          </p:cNvPicPr>
+          <p:nvPr/>
+        </p:nvPicPr>
+        <p:blipFill>
+          <a:blip r:embed="rId9"/>
+          <a:stretch>
+            <a:fillRect/>
+          </a:stretch>
+        </p:blipFill>
+        <p:spPr>
+          <a:xfrm>
+            <a:off x="451111" y="2747741"/>
+            <a:ext cx="1623069" cy="1573238"/>
+          </a:xfrm>
+          <a:prstGeom prst="rect">
+            <a:avLst/>
+          </a:prstGeom>
+        </p:spPr>
+      </p:pic>
+      <p:pic>
+        <p:nvPicPr>
+          <p:cNvPr id="13" name="Picture 14"/>
+          <p:cNvPicPr>
+            <a:picLocks noChangeAspect="1"/>
+          </p:cNvPicPr>
+          <p:nvPr/>
+        </p:nvPicPr>
+        <p:blipFill>
+          <a:blip r:embed="rId10"/>
+          <a:stretch>
+            <a:fillRect/>
+          </a:stretch>
+        </p:blipFill>
+        <p:spPr>
+          <a:xfrm>
+            <a:off x="7817128" y="5001408"/>
+            <a:ext cx="1333500" cy="1123950"/>
+          </a:xfrm>
+          <a:prstGeom prst="rect">
+            <a:avLst/>
+          </a:prstGeom>
+        </p:spPr>
+      </p:pic>
+      <p:sp>
+        <p:nvSpPr>
+          <p:cNvPr id="16" name="TextBox 15"/>
+          <p:cNvSpPr txBox="1"/>
+          <p:nvPr/>
+        </p:nvSpPr>
+        <p:spPr>
+          <a:xfrm>
+            <a:off x="7541484" y="5827069"/>
+            <a:ext cx="4173640" cy="677108"/>
+          </a:xfrm>
+          <a:prstGeom prst="rect">
+            <a:avLst/>
+          </a:prstGeom>
+        </p:spPr>
+        <p:txBody>
+          <a:bodyPr rot="0" spcFirstLastPara="0" vertOverflow="overflow" horzOverflow="overflow" vert="horz" wrap="square" lIns="91440" tIns="45720" rIns="91440" bIns="45720" numCol="1" spcCol="0" rtlCol="0" fromWordArt="0" anchor="t" anchorCtr="0" forceAA="0" compatLnSpc="1">
+            <a:prstTxWarp prst="textNoShape">
+              <a:avLst/>
+            </a:prstTxWarp>
+            <a:spAutoFit/>
+          </a:bodyPr>
+          <a:lstStyle/>
+          <a:p>
+            <a:pPr algn="ctr"/>
+            <a:r>
+              <a:rPr lang="en-US" sz="2000" b="1" dirty="0">
+                <a:solidFill>
+                  <a:srgbClr val="FFC000"/>
+                </a:solidFill>
+              </a:rPr>
+              <a:t>MRAN </a:t>
+            </a:r>
+          </a:p>
+          <a:p>
+            <a:r>
+              <a:rPr lang="en-US" dirty="0"/>
+              <a:t>Microsoft </a:t>
+            </a:r>
+            <a:r>
+              <a:rPr lang="en-US" dirty="0" smtClean="0"/>
+              <a:t>purchased </a:t>
+            </a:r>
+            <a:r>
+              <a:rPr lang="en-US" dirty="0"/>
+              <a:t>Revolution analytics</a:t>
+            </a:r>
+          </a:p>
+        </p:txBody>
+      </p:sp>
+      <p:pic>
+        <p:nvPicPr>
+          <p:cNvPr id="17" name="Picture 17"/>
+          <p:cNvPicPr>
+            <a:picLocks noChangeAspect="1"/>
+          </p:cNvPicPr>
+          <p:nvPr/>
+        </p:nvPicPr>
+        <p:blipFill>
+          <a:blip r:embed="rId11"/>
+          <a:stretch>
+            <a:fillRect/>
+          </a:stretch>
+        </p:blipFill>
+        <p:spPr>
+          <a:xfrm>
+            <a:off x="760649" y="5969589"/>
+            <a:ext cx="3087189" cy="695187"/>
+          </a:xfrm>
+          <a:prstGeom prst="rect">
+            <a:avLst/>
+          </a:prstGeom>
+        </p:spPr>
+      </p:pic>
+      <p:pic>
+        <p:nvPicPr>
+          <p:cNvPr id="19" name="Picture 19"/>
+          <p:cNvPicPr>
+            <a:picLocks noChangeAspect="1"/>
+          </p:cNvPicPr>
+          <p:nvPr/>
+        </p:nvPicPr>
+        <p:blipFill>
+          <a:blip r:embed="rId12"/>
+          <a:stretch>
+            <a:fillRect/>
+          </a:stretch>
+        </p:blipFill>
+        <p:spPr>
+          <a:xfrm>
+            <a:off x="480244" y="4821502"/>
+            <a:ext cx="2384773" cy="647563"/>
+          </a:xfrm>
+          <a:prstGeom prst="rect">
+            <a:avLst/>
+          </a:prstGeom>
+        </p:spPr>
+      </p:pic>
+      <p:pic>
+        <p:nvPicPr>
+          <p:cNvPr id="11" name="Picture 10"/>
+          <p:cNvPicPr>
+            <a:picLocks noChangeAspect="1"/>
+          </p:cNvPicPr>
+          <p:nvPr/>
+        </p:nvPicPr>
+        <p:blipFill>
+          <a:blip r:embed="rId13"/>
+          <a:stretch>
+            <a:fillRect/>
+          </a:stretch>
+        </p:blipFill>
+        <p:spPr>
+          <a:xfrm>
+            <a:off x="3125901" y="4927866"/>
+            <a:ext cx="2252964" cy="1207471"/>
+          </a:xfrm>
+          <a:prstGeom prst="rect">
+            <a:avLst/>
+          </a:prstGeom>
+        </p:spPr>
+      </p:pic>
+    </p:spTree>
+    <p:extLst>
+      <p:ext uri="{BB962C8B-B14F-4D97-AF65-F5344CB8AC3E}">
+        <p14:creationId xmlns:p14="http://schemas.microsoft.com/office/powerpoint/2010/main" val="1834509364"/>
+      </p:ext>
+    </p:extLst>
+  </p:cSld>
+  <p:clrMapOvr>
+    <a:masterClrMapping/>
+  </p:clrMapOvr>
+</p:sld>
+</file>
+
+<file path=ppt/slides/slide4.xml><?xml version="1.0" encoding="utf-8"?>
+<p:sld xmlns:a="http://schemas.openxmlformats.org/drawingml/2006/main" xmlns:r="http://schemas.openxmlformats.org/officeDocument/2006/relationships" xmlns:p="http://schemas.openxmlformats.org/presentationml/2006/main">
+  <p:cSld>
+    <p:spTree>
+      <p:nvGrpSpPr>
+        <p:cNvPr id="1" name=""/>
+        <p:cNvGrpSpPr/>
+        <p:nvPr/>
+      </p:nvGrpSpPr>
+      <p:grpSpPr>
+        <a:xfrm>
+          <a:off x="0" y="0"/>
+          <a:ext cx="0" cy="0"/>
+          <a:chOff x="0" y="0"/>
+          <a:chExt cx="0" cy="0"/>
+        </a:xfrm>
+      </p:grpSpPr>
+      <p:pic>
+        <p:nvPicPr>
+          <p:cNvPr id="3" name="Picture 3"/>
+          <p:cNvPicPr>
+            <a:picLocks noChangeAspect="1"/>
+          </p:cNvPicPr>
+          <p:nvPr/>
+        </p:nvPicPr>
+        <p:blipFill>
+          <a:blip r:embed="rId2"/>
+          <a:stretch>
+            <a:fillRect/>
+          </a:stretch>
+        </p:blipFill>
+        <p:spPr>
+          <a:xfrm>
+            <a:off x="4925229" y="2533650"/>
+            <a:ext cx="2143125" cy="2143125"/>
+          </a:xfrm>
+          <a:prstGeom prst="rect">
+            <a:avLst/>
+          </a:prstGeom>
+        </p:spPr>
+      </p:pic>
+      <p:pic>
+        <p:nvPicPr>
+          <p:cNvPr id="7" name="Picture 7"/>
+          <p:cNvPicPr>
+            <a:picLocks noChangeAspect="1"/>
+          </p:cNvPicPr>
+          <p:nvPr/>
+        </p:nvPicPr>
+        <p:blipFill>
+          <a:blip r:embed="rId3"/>
+          <a:stretch>
+            <a:fillRect/>
+          </a:stretch>
+        </p:blipFill>
+        <p:spPr>
+          <a:xfrm>
+            <a:off x="3153291" y="1333935"/>
+            <a:ext cx="1256920" cy="1228221"/>
+          </a:xfrm>
+          <a:prstGeom prst="rect">
+            <a:avLst/>
+          </a:prstGeom>
+        </p:spPr>
+      </p:pic>
+      <p:sp>
+        <p:nvSpPr>
+          <p:cNvPr id="8" name="Rectangle 7"/>
+          <p:cNvSpPr/>
+          <p:nvPr/>
+        </p:nvSpPr>
+        <p:spPr>
+          <a:xfrm>
+            <a:off x="6979052" y="1682235"/>
+            <a:ext cx="1152144" cy="484703"/>
+          </a:xfrm>
+          <a:prstGeom prst="rect">
+            <a:avLst/>
+          </a:prstGeom>
+          <a:solidFill>
+            <a:schemeClr val="accent1">
+              <a:lumMod val="75000"/>
+            </a:schemeClr>
+          </a:solidFill>
+        </p:spPr>
+        <p:style>
+          <a:lnRef idx="2">
+            <a:schemeClr val="accent1">
+              <a:shade val="50000"/>
+            </a:schemeClr>
+          </a:lnRef>
+          <a:fillRef idx="1">
+            <a:schemeClr val="accent1"/>
+          </a:fillRef>
+          <a:effectRef idx="0">
+            <a:schemeClr val="accent1"/>
+          </a:effectRef>
+          <a:fontRef idx="minor">
+            <a:schemeClr val="lt1"/>
+          </a:fontRef>
+        </p:style>
+        <p:txBody>
+          <a:bodyPr rtlCol="0" anchor="ctr"/>
+          <a:lstStyle/>
+          <a:p>
+            <a:pPr algn="ctr"/>
+            <a:endParaRPr lang="en-US"/>
+          </a:p>
+        </p:txBody>
+      </p:sp>
+      <p:pic>
+        <p:nvPicPr>
+          <p:cNvPr id="4" name="Picture 5"/>
+          <p:cNvPicPr>
+            <a:picLocks noChangeAspect="1"/>
+          </p:cNvPicPr>
+          <p:nvPr/>
+        </p:nvPicPr>
+        <p:blipFill>
+          <a:blip r:embed="rId4"/>
+          <a:stretch>
+            <a:fillRect/>
+          </a:stretch>
+        </p:blipFill>
+        <p:spPr>
+          <a:xfrm>
+            <a:off x="7166567" y="1790700"/>
+            <a:ext cx="838200" cy="228600"/>
+          </a:xfrm>
+          <a:prstGeom prst="rect">
+            <a:avLst/>
+          </a:prstGeom>
+        </p:spPr>
+      </p:pic>
+      <p:pic>
+        <p:nvPicPr>
+          <p:cNvPr id="9" name="Picture 9"/>
+          <p:cNvPicPr>
+            <a:picLocks noChangeAspect="1"/>
+          </p:cNvPicPr>
+          <p:nvPr/>
+        </p:nvPicPr>
+        <p:blipFill rotWithShape="1">
+          <a:blip r:embed="rId5"/>
+          <a:srcRect l="2280" t="15277" r="2425" b="15426"/>
+          <a:stretch/>
+        </p:blipFill>
+        <p:spPr>
+          <a:xfrm>
+            <a:off x="4617820" y="1286220"/>
+            <a:ext cx="2160287" cy="990078"/>
+          </a:xfrm>
+          <a:prstGeom prst="rect">
+            <a:avLst/>
+          </a:prstGeom>
+        </p:spPr>
+      </p:pic>
+      <p:pic>
+        <p:nvPicPr>
+          <p:cNvPr id="11" name="Picture 11"/>
+          <p:cNvPicPr>
+            <a:picLocks noChangeAspect="1"/>
+          </p:cNvPicPr>
+          <p:nvPr/>
+        </p:nvPicPr>
+        <p:blipFill>
+          <a:blip r:embed="rId6"/>
+          <a:stretch>
+            <a:fillRect/>
+          </a:stretch>
+        </p:blipFill>
+        <p:spPr>
+          <a:xfrm>
+            <a:off x="8926384" y="1834622"/>
+            <a:ext cx="1228726" cy="1228875"/>
+          </a:xfrm>
+          <a:prstGeom prst="rect">
+            <a:avLst/>
+          </a:prstGeom>
+        </p:spPr>
+      </p:pic>
+      <p:pic>
+        <p:nvPicPr>
+          <p:cNvPr id="13" name="Picture 13"/>
+          <p:cNvPicPr>
+            <a:picLocks noChangeAspect="1"/>
+          </p:cNvPicPr>
+          <p:nvPr/>
+        </p:nvPicPr>
+        <p:blipFill>
+          <a:blip r:embed="rId7"/>
+          <a:stretch>
+            <a:fillRect/>
+          </a:stretch>
+        </p:blipFill>
+        <p:spPr>
+          <a:xfrm>
+            <a:off x="8971280" y="3076575"/>
+            <a:ext cx="1136956" cy="1251368"/>
+          </a:xfrm>
+          <a:prstGeom prst="rect">
+            <a:avLst/>
+          </a:prstGeom>
+        </p:spPr>
+      </p:pic>
+      <p:cxnSp>
+        <p:nvCxnSpPr>
+          <p:cNvPr id="15" name="Straight Arrow Connector 14"/>
+          <p:cNvCxnSpPr/>
+          <p:nvPr/>
+        </p:nvCxnSpPr>
+        <p:spPr>
+          <a:xfrm>
+            <a:off x="3381928" y="3097269"/>
+            <a:ext cx="1764791" cy="402420"/>
+          </a:xfrm>
+          <a:prstGeom prst="straightConnector1">
+            <a:avLst/>
+          </a:prstGeom>
+          <a:ln>
+            <a:solidFill>
+              <a:schemeClr val="tx1"/>
+            </a:solidFill>
+            <a:headEnd type="triangle"/>
+            <a:tailEnd type="triangle"/>
+          </a:ln>
+        </p:spPr>
+        <p:style>
+          <a:lnRef idx="1">
+            <a:schemeClr val="accent1"/>
+          </a:lnRef>
+          <a:fillRef idx="0">
+            <a:schemeClr val="accent1"/>
+          </a:fillRef>
+          <a:effectRef idx="0">
+            <a:schemeClr val="accent1"/>
+          </a:effectRef>
+          <a:fontRef idx="minor">
+            <a:schemeClr val="tx1"/>
+          </a:fontRef>
+        </p:style>
+      </p:cxnSp>
+      <p:cxnSp>
+        <p:nvCxnSpPr>
+          <p:cNvPr id="16" name="Straight Arrow Connector 15"/>
+          <p:cNvCxnSpPr>
+            <a:cxnSpLocks/>
+          </p:cNvCxnSpPr>
+          <p:nvPr/>
+        </p:nvCxnSpPr>
+        <p:spPr>
+          <a:xfrm>
+            <a:off x="4276546" y="2512340"/>
+            <a:ext cx="1042417" cy="694979"/>
+          </a:xfrm>
+          <a:prstGeom prst="straightConnector1">
+            <a:avLst/>
+          </a:prstGeom>
+          <a:ln>
+            <a:solidFill>
+              <a:schemeClr val="tx1"/>
+            </a:solidFill>
+            <a:headEnd type="triangle"/>
+            <a:tailEnd type="triangle"/>
+          </a:ln>
+        </p:spPr>
+        <p:style>
+          <a:lnRef idx="1">
+            <a:schemeClr val="accent1"/>
+          </a:lnRef>
+          <a:fillRef idx="0">
+            <a:schemeClr val="accent1"/>
+          </a:fillRef>
+          <a:effectRef idx="0">
+            <a:schemeClr val="accent1"/>
+          </a:effectRef>
+          <a:fontRef idx="minor">
+            <a:schemeClr val="tx1"/>
+          </a:fontRef>
+        </p:style>
+      </p:cxnSp>
+      <p:cxnSp>
+        <p:nvCxnSpPr>
+          <p:cNvPr id="17" name="Straight Arrow Connector 16"/>
+          <p:cNvCxnSpPr>
+            <a:cxnSpLocks/>
+          </p:cNvCxnSpPr>
+          <p:nvPr/>
+        </p:nvCxnSpPr>
+        <p:spPr>
+          <a:xfrm>
+            <a:off x="5851524" y="2034218"/>
+            <a:ext cx="1" cy="923542"/>
+          </a:xfrm>
+          <a:prstGeom prst="straightConnector1">
+            <a:avLst/>
+          </a:prstGeom>
+          <a:ln>
+            <a:solidFill>
+              <a:schemeClr val="tx1"/>
+            </a:solidFill>
+            <a:headEnd type="triangle"/>
+            <a:tailEnd type="triangle"/>
+          </a:ln>
+        </p:spPr>
+        <p:style>
+          <a:lnRef idx="1">
+            <a:schemeClr val="accent1"/>
+          </a:lnRef>
+          <a:fillRef idx="0">
+            <a:schemeClr val="accent1"/>
+          </a:fillRef>
+          <a:effectRef idx="0">
+            <a:schemeClr val="accent1"/>
+          </a:effectRef>
+          <a:fontRef idx="minor">
+            <a:schemeClr val="tx1"/>
+          </a:fontRef>
+        </p:style>
+      </p:cxnSp>
+      <p:cxnSp>
+        <p:nvCxnSpPr>
+          <p:cNvPr id="18" name="Straight Arrow Connector 17"/>
+          <p:cNvCxnSpPr>
+            <a:cxnSpLocks/>
+          </p:cNvCxnSpPr>
+          <p:nvPr/>
+        </p:nvCxnSpPr>
+        <p:spPr>
+          <a:xfrm flipH="1">
+            <a:off x="6466659" y="2254747"/>
+            <a:ext cx="850391" cy="941827"/>
+          </a:xfrm>
+          <a:prstGeom prst="straightConnector1">
+            <a:avLst/>
+          </a:prstGeom>
+          <a:ln>
+            <a:solidFill>
+              <a:schemeClr val="tx1"/>
+            </a:solidFill>
+            <a:headEnd type="triangle"/>
+            <a:tailEnd type="triangle"/>
+          </a:ln>
+        </p:spPr>
+        <p:style>
+          <a:lnRef idx="1">
+            <a:schemeClr val="accent1"/>
+          </a:lnRef>
+          <a:fillRef idx="0">
+            <a:schemeClr val="accent1"/>
+          </a:fillRef>
+          <a:effectRef idx="0">
+            <a:schemeClr val="accent1"/>
+          </a:effectRef>
+          <a:fontRef idx="minor">
+            <a:schemeClr val="tx1"/>
+          </a:fontRef>
+        </p:style>
+      </p:cxnSp>
+      <p:cxnSp>
+        <p:nvCxnSpPr>
+          <p:cNvPr id="22" name="Straight Arrow Connector 21"/>
+          <p:cNvCxnSpPr>
+            <a:cxnSpLocks/>
+          </p:cNvCxnSpPr>
+          <p:nvPr/>
+        </p:nvCxnSpPr>
+        <p:spPr>
+          <a:xfrm flipH="1">
+            <a:off x="6679835" y="2624142"/>
+            <a:ext cx="2029967" cy="777262"/>
+          </a:xfrm>
+          <a:prstGeom prst="straightConnector1">
+            <a:avLst/>
+          </a:prstGeom>
+          <a:ln>
+            <a:solidFill>
+              <a:schemeClr val="tx1"/>
+            </a:solidFill>
+            <a:headEnd type="triangle"/>
+            <a:tailEnd type="triangle"/>
+          </a:ln>
+        </p:spPr>
+        <p:style>
+          <a:lnRef idx="1">
+            <a:schemeClr val="accent1"/>
+          </a:lnRef>
+          <a:fillRef idx="0">
+            <a:schemeClr val="accent1"/>
+          </a:fillRef>
+          <a:effectRef idx="0">
+            <a:schemeClr val="accent1"/>
+          </a:effectRef>
+          <a:fontRef idx="minor">
+            <a:schemeClr val="tx1"/>
+          </a:fontRef>
+        </p:style>
+      </p:cxnSp>
+      <p:cxnSp>
+        <p:nvCxnSpPr>
+          <p:cNvPr id="23" name="Straight Arrow Connector 22"/>
+          <p:cNvCxnSpPr>
+            <a:cxnSpLocks/>
+          </p:cNvCxnSpPr>
+          <p:nvPr/>
+        </p:nvCxnSpPr>
+        <p:spPr>
+          <a:xfrm flipH="1">
+            <a:off x="6780078" y="3806416"/>
+            <a:ext cx="2258566" cy="150"/>
+          </a:xfrm>
+          <a:prstGeom prst="straightConnector1">
+            <a:avLst/>
+          </a:prstGeom>
+          <a:ln>
+            <a:solidFill>
+              <a:schemeClr val="tx1"/>
+            </a:solidFill>
+            <a:headEnd type="triangle"/>
+            <a:tailEnd type="triangle"/>
+          </a:ln>
+        </p:spPr>
+        <p:style>
+          <a:lnRef idx="1">
+            <a:schemeClr val="accent1"/>
+          </a:lnRef>
+          <a:fillRef idx="0">
+            <a:schemeClr val="accent1"/>
+          </a:fillRef>
+          <a:effectRef idx="0">
+            <a:schemeClr val="accent1"/>
+          </a:effectRef>
+          <a:fontRef idx="minor">
+            <a:schemeClr val="tx1"/>
+          </a:fontRef>
+        </p:style>
+      </p:cxnSp>
+      <p:pic>
+        <p:nvPicPr>
+          <p:cNvPr id="26" name="Picture 26"/>
+          <p:cNvPicPr>
+            <a:picLocks noChangeAspect="1"/>
+          </p:cNvPicPr>
+          <p:nvPr/>
+        </p:nvPicPr>
+        <p:blipFill>
+          <a:blip r:embed="rId8"/>
+          <a:stretch>
+            <a:fillRect/>
+          </a:stretch>
+        </p:blipFill>
+        <p:spPr>
+          <a:xfrm>
+            <a:off x="1829098" y="5153025"/>
+            <a:ext cx="1200389" cy="1172873"/>
+          </a:xfrm>
+          <a:prstGeom prst="rect">
+            <a:avLst/>
+          </a:prstGeom>
+        </p:spPr>
+      </p:pic>
+      <p:pic>
+        <p:nvPicPr>
+          <p:cNvPr id="28" name="Picture 28"/>
+          <p:cNvPicPr>
+            <a:picLocks noChangeAspect="1"/>
+          </p:cNvPicPr>
+          <p:nvPr/>
+        </p:nvPicPr>
+        <p:blipFill>
+          <a:blip r:embed="rId9"/>
+          <a:stretch>
+            <a:fillRect/>
+          </a:stretch>
+        </p:blipFill>
+        <p:spPr>
+          <a:xfrm>
+            <a:off x="1878219" y="2448122"/>
+            <a:ext cx="1280694" cy="1255155"/>
+          </a:xfrm>
+          <a:prstGeom prst="rect">
+            <a:avLst/>
+          </a:prstGeom>
+        </p:spPr>
+      </p:pic>
+      <p:pic>
+        <p:nvPicPr>
+          <p:cNvPr id="30" name="Picture 30"/>
+          <p:cNvPicPr>
+            <a:picLocks noChangeAspect="1"/>
+          </p:cNvPicPr>
+          <p:nvPr/>
+        </p:nvPicPr>
+        <p:blipFill>
+          <a:blip r:embed="rId10"/>
+          <a:stretch>
+            <a:fillRect/>
+          </a:stretch>
+        </p:blipFill>
+        <p:spPr>
+          <a:xfrm>
+            <a:off x="3815079" y="5139676"/>
+            <a:ext cx="1217287" cy="1219850"/>
+          </a:xfrm>
+          <a:prstGeom prst="rect">
+            <a:avLst/>
+          </a:prstGeom>
+        </p:spPr>
+      </p:pic>
+      <p:pic>
+        <p:nvPicPr>
+          <p:cNvPr id="34" name="Picture 34"/>
+          <p:cNvPicPr>
+            <a:picLocks noChangeAspect="1"/>
+          </p:cNvPicPr>
+          <p:nvPr/>
+        </p:nvPicPr>
+        <p:blipFill>
+          <a:blip r:embed="rId11"/>
+          <a:stretch>
+            <a:fillRect/>
+          </a:stretch>
+        </p:blipFill>
+        <p:spPr>
+          <a:xfrm>
+            <a:off x="8364317" y="5153027"/>
+            <a:ext cx="2351773" cy="1317280"/>
+          </a:xfrm>
+          <a:prstGeom prst="rect">
+            <a:avLst/>
+          </a:prstGeom>
+        </p:spPr>
+      </p:pic>
+      <p:pic>
+        <p:nvPicPr>
+          <p:cNvPr id="36" name="Picture 36"/>
+          <p:cNvPicPr>
+            <a:picLocks noChangeAspect="1"/>
+          </p:cNvPicPr>
+          <p:nvPr/>
+        </p:nvPicPr>
+        <p:blipFill>
+          <a:blip r:embed="rId12"/>
+          <a:stretch>
+            <a:fillRect/>
+          </a:stretch>
+        </p:blipFill>
+        <p:spPr>
+          <a:xfrm>
+            <a:off x="5998265" y="4914900"/>
+            <a:ext cx="1795272" cy="1795328"/>
+          </a:xfrm>
+          <a:prstGeom prst="rect">
+            <a:avLst/>
+          </a:prstGeom>
+        </p:spPr>
+      </p:pic>
+      <p:cxnSp>
+        <p:nvCxnSpPr>
+          <p:cNvPr id="38" name="Straight Arrow Connector 37"/>
+          <p:cNvCxnSpPr/>
+          <p:nvPr/>
+        </p:nvCxnSpPr>
+        <p:spPr>
+          <a:xfrm flipH="1">
+            <a:off x="3022066" y="4033956"/>
+            <a:ext cx="2743198" cy="1024110"/>
+          </a:xfrm>
+          <a:prstGeom prst="straightConnector1">
+            <a:avLst/>
+          </a:prstGeom>
+          <a:ln>
+            <a:solidFill>
+              <a:schemeClr val="tx1"/>
+            </a:solidFill>
+            <a:tailEnd type="triangle"/>
+          </a:ln>
+        </p:spPr>
+        <p:style>
+          <a:lnRef idx="1">
+            <a:schemeClr val="accent1"/>
+          </a:lnRef>
+          <a:fillRef idx="0">
+            <a:schemeClr val="accent1"/>
+          </a:fillRef>
+          <a:effectRef idx="0">
+            <a:schemeClr val="accent1"/>
+          </a:effectRef>
+          <a:fontRef idx="minor">
+            <a:schemeClr val="tx1"/>
+          </a:fontRef>
+        </p:style>
+      </p:cxnSp>
+      <p:cxnSp>
+        <p:nvCxnSpPr>
+          <p:cNvPr id="39" name="Straight Arrow Connector 38"/>
+          <p:cNvCxnSpPr>
+            <a:cxnSpLocks/>
+          </p:cNvCxnSpPr>
+          <p:nvPr/>
+        </p:nvCxnSpPr>
+        <p:spPr>
+          <a:xfrm flipH="1">
+            <a:off x="4851179" y="4055192"/>
+            <a:ext cx="987551" cy="1033252"/>
+          </a:xfrm>
+          <a:prstGeom prst="straightConnector1">
+            <a:avLst/>
+          </a:prstGeom>
+          <a:ln>
+            <a:solidFill>
+              <a:schemeClr val="tx1"/>
+            </a:solidFill>
+            <a:tailEnd type="triangle"/>
+          </a:ln>
+        </p:spPr>
+        <p:style>
+          <a:lnRef idx="1">
+            <a:schemeClr val="accent1"/>
+          </a:lnRef>
+          <a:fillRef idx="0">
+            <a:schemeClr val="accent1"/>
+          </a:fillRef>
+          <a:effectRef idx="0">
+            <a:schemeClr val="accent1"/>
+          </a:effectRef>
+          <a:fontRef idx="minor">
+            <a:schemeClr val="tx1"/>
+          </a:fontRef>
+        </p:style>
+      </p:cxnSp>
+      <p:cxnSp>
+        <p:nvCxnSpPr>
+          <p:cNvPr id="40" name="Straight Arrow Connector 39"/>
+          <p:cNvCxnSpPr>
+            <a:cxnSpLocks/>
+          </p:cNvCxnSpPr>
+          <p:nvPr/>
+        </p:nvCxnSpPr>
+        <p:spPr>
+          <a:xfrm>
+            <a:off x="5987594" y="4072978"/>
+            <a:ext cx="502921" cy="1005825"/>
+          </a:xfrm>
+          <a:prstGeom prst="straightConnector1">
+            <a:avLst/>
+          </a:prstGeom>
+          <a:ln>
+            <a:solidFill>
+              <a:schemeClr val="tx1"/>
+            </a:solidFill>
+            <a:tailEnd type="triangle"/>
+          </a:ln>
+        </p:spPr>
+        <p:style>
+          <a:lnRef idx="1">
+            <a:schemeClr val="accent1"/>
+          </a:lnRef>
+          <a:fillRef idx="0">
+            <a:schemeClr val="accent1"/>
+          </a:fillRef>
+          <a:effectRef idx="0">
+            <a:schemeClr val="accent1"/>
+          </a:effectRef>
+          <a:fontRef idx="minor">
+            <a:schemeClr val="tx1"/>
+          </a:fontRef>
+        </p:style>
+      </p:cxnSp>
+      <p:cxnSp>
+        <p:nvCxnSpPr>
+          <p:cNvPr id="41" name="Straight Arrow Connector 40"/>
+          <p:cNvCxnSpPr>
+            <a:cxnSpLocks/>
+          </p:cNvCxnSpPr>
+          <p:nvPr/>
+        </p:nvCxnSpPr>
+        <p:spPr>
+          <a:xfrm>
+            <a:off x="6116051" y="4033000"/>
+            <a:ext cx="2029968" cy="1051537"/>
+          </a:xfrm>
+          <a:prstGeom prst="straightConnector1">
+            <a:avLst/>
+          </a:prstGeom>
+          <a:ln>
+            <a:solidFill>
+              <a:schemeClr val="tx1"/>
+            </a:solidFill>
+            <a:tailEnd type="triangle"/>
+          </a:ln>
+        </p:spPr>
+        <p:style>
+          <a:lnRef idx="1">
+            <a:schemeClr val="accent1"/>
+          </a:lnRef>
+          <a:fillRef idx="0">
+            <a:schemeClr val="accent1"/>
+          </a:fillRef>
+          <a:effectRef idx="0">
+            <a:schemeClr val="accent1"/>
+          </a:effectRef>
+          <a:fontRef idx="minor">
+            <a:schemeClr val="tx1"/>
+          </a:fontRef>
+        </p:style>
+      </p:cxnSp>
+    </p:spTree>
+    <p:extLst>
+      <p:ext uri="{BB962C8B-B14F-4D97-AF65-F5344CB8AC3E}">
+        <p14:creationId xmlns:p14="http://schemas.microsoft.com/office/powerpoint/2010/main" val="862277054"/>
+      </p:ext>
+    </p:extLst>
+  </p:cSld>
+  <p:clrMapOvr>
+    <a:masterClrMapping/>
+  </p:clrMapOvr>
+  <p:timing>
+    <p:tnLst>
+      <p:par>
+        <p:cTn id="1" dur="indefinite" restart="never" nodeType="tmRoot"/>
+      </p:par>
+    </p:tnLst>
+  </p:timing>
+</p:sld>
+</file>
+
+<file path=ppt/slides/slide5.xml><?xml version="1.0" encoding="utf-8"?>
+<p:sld xmlns:a="http://schemas.openxmlformats.org/drawingml/2006/main" xmlns:r="http://schemas.openxmlformats.org/officeDocument/2006/relationships" xmlns:p="http://schemas.openxmlformats.org/presentationml/2006/main">
+  <p:cSld>
+    <p:spTree>
+      <p:nvGrpSpPr>
+        <p:cNvPr id="1" name="Shape 169"/>
+        <p:cNvGrpSpPr/>
+        <p:nvPr/>
+      </p:nvGrpSpPr>
+      <p:grpSpPr>
+        <a:xfrm>
+          <a:off x="0" y="0"/>
+          <a:ext cx="0" cy="0"/>
+          <a:chOff x="0" y="0"/>
+          <a:chExt cx="0" cy="0"/>
+        </a:xfrm>
+      </p:grpSpPr>
+      <p:pic>
+        <p:nvPicPr>
+          <p:cNvPr id="18" name="Google Shape;323;p18"/>
+          <p:cNvPicPr preferRelativeResize="0"/>
+          <p:nvPr/>
+        </p:nvPicPr>
+        <p:blipFill rotWithShape="1">
+          <a:blip r:embed="rId3">
+            <a:alphaModFix/>
+          </a:blip>
+          <a:srcRect l="5500" t="13726" r="8562"/>
+          <a:stretch/>
+        </p:blipFill>
+        <p:spPr>
+          <a:xfrm>
+            <a:off x="3491308" y="1443454"/>
+            <a:ext cx="3637361" cy="2094825"/>
+          </a:xfrm>
+          <a:prstGeom prst="rect">
+            <a:avLst/>
+          </a:prstGeom>
+          <a:noFill/>
+          <a:ln>
+            <a:noFill/>
+          </a:ln>
+        </p:spPr>
+      </p:pic>
+      <p:pic>
+        <p:nvPicPr>
+          <p:cNvPr id="14" name="Google Shape;477;p19"/>
+          <p:cNvPicPr preferRelativeResize="0"/>
+          <p:nvPr/>
+        </p:nvPicPr>
+        <p:blipFill rotWithShape="1">
+          <a:blip r:embed="rId4">
+            <a:alphaModFix/>
+          </a:blip>
+          <a:srcRect t="15591"/>
+          <a:stretch/>
+        </p:blipFill>
+        <p:spPr>
+          <a:xfrm>
+            <a:off x="0" y="4731949"/>
+            <a:ext cx="3444004" cy="1645427"/>
+          </a:xfrm>
+          <a:prstGeom prst="rect">
+            <a:avLst/>
+          </a:prstGeom>
+          <a:noFill/>
+          <a:ln>
+            <a:noFill/>
+          </a:ln>
+        </p:spPr>
+      </p:pic>
+      <p:sp>
+        <p:nvSpPr>
+          <p:cNvPr id="170" name="Google Shape;170;ge1146ef680_0_8"/>
+          <p:cNvSpPr txBox="1"/>
+          <p:nvPr/>
+        </p:nvSpPr>
+        <p:spPr>
+          <a:xfrm>
+            <a:off x="7835154" y="6216385"/>
+            <a:ext cx="4330501" cy="507801"/>
+          </a:xfrm>
+          <a:prstGeom prst="rect">
+            <a:avLst/>
+          </a:prstGeom>
+          <a:solidFill>
+            <a:schemeClr val="lt1"/>
+          </a:solidFill>
+          <a:ln>
+            <a:noFill/>
+          </a:ln>
+        </p:spPr>
+        <p:txBody>
+          <a:bodyPr spcFirstLastPara="1" wrap="square" lIns="91425" tIns="91425" rIns="91425" bIns="91425" anchor="t" anchorCtr="0">
+            <a:spAutoFit/>
+          </a:bodyPr>
+          <a:lstStyle/>
+          <a:p>
+            <a:pPr marL="0" marR="0" lvl="0" indent="0" algn="l" rtl="0">
+              <a:lnSpc>
+                <a:spcPct val="100000"/>
+              </a:lnSpc>
+              <a:spcBef>
+                <a:spcPts val="0"/>
+              </a:spcBef>
+              <a:spcAft>
+                <a:spcPts val="0"/>
+              </a:spcAft>
+              <a:buClr>
+                <a:srgbClr val="000000"/>
+              </a:buClr>
+              <a:buSzPts val="1100"/>
+              <a:buFont typeface="Arial"/>
+              <a:buNone/>
+            </a:pPr>
+            <a:r>
+              <a:rPr lang="en-US" sz="1050" b="0" i="1" u="none" strike="noStrike" cap="none" dirty="0">
+                <a:solidFill>
+                  <a:srgbClr val="000000"/>
+                </a:solidFill>
+                <a:latin typeface="Calibri"/>
+                <a:ea typeface="Calibri"/>
+                <a:cs typeface="Calibri"/>
+                <a:sym typeface="Calibri"/>
+              </a:rPr>
+              <a:t>SOURCE: Jarvis et al, </a:t>
+            </a:r>
+            <a:r>
+              <a:rPr lang="en-US" sz="1050" b="0" i="1" u="none" strike="noStrike" cap="none" dirty="0">
+                <a:solidFill>
+                  <a:srgbClr val="1B3051"/>
+                </a:solidFill>
+                <a:latin typeface="Calibri"/>
+                <a:ea typeface="Calibri"/>
+                <a:cs typeface="Calibri"/>
+                <a:sym typeface="Calibri"/>
+              </a:rPr>
+              <a:t>The impact of local and national restrictions in response to COVID-19 on social contacts in England: a longitudinal natural experiment</a:t>
+            </a:r>
+            <a:endParaRPr sz="1200" b="0" i="1" u="none" strike="noStrike" cap="none" dirty="0">
+              <a:solidFill>
+                <a:srgbClr val="000000"/>
+              </a:solidFill>
+              <a:latin typeface="Calibri"/>
+              <a:ea typeface="Calibri"/>
+              <a:cs typeface="Calibri"/>
+              <a:sym typeface="Calibri"/>
+            </a:endParaRPr>
+          </a:p>
+        </p:txBody>
+      </p:sp>
+      <p:pic>
+        <p:nvPicPr>
+          <p:cNvPr id="173" name="Google Shape;173;ge1146ef680_0_8"/>
+          <p:cNvPicPr preferRelativeResize="0"/>
+          <p:nvPr/>
+        </p:nvPicPr>
+        <p:blipFill rotWithShape="1">
+          <a:blip r:embed="rId5">
+            <a:alphaModFix/>
+          </a:blip>
+          <a:srcRect/>
+          <a:stretch/>
+        </p:blipFill>
+        <p:spPr>
+          <a:xfrm>
+            <a:off x="7826194" y="3693457"/>
+            <a:ext cx="4130501" cy="2513962"/>
+          </a:xfrm>
+          <a:prstGeom prst="rect">
+            <a:avLst/>
+          </a:prstGeom>
+          <a:noFill/>
+          <a:ln w="9525" cap="flat" cmpd="sng">
+            <a:noFill/>
+            <a:prstDash val="solid"/>
+            <a:round/>
+            <a:headEnd type="none" w="sm" len="sm"/>
+            <a:tailEnd type="none" w="sm" len="sm"/>
+          </a:ln>
+        </p:spPr>
+      </p:pic>
+      <p:pic>
+        <p:nvPicPr>
+          <p:cNvPr id="174" name="Google Shape;174;ge1146ef680_0_8"/>
+          <p:cNvPicPr preferRelativeResize="0"/>
+          <p:nvPr/>
+        </p:nvPicPr>
+        <p:blipFill rotWithShape="1">
+          <a:blip r:embed="rId6">
+            <a:alphaModFix/>
+          </a:blip>
+          <a:srcRect/>
+          <a:stretch/>
+        </p:blipFill>
+        <p:spPr>
+          <a:xfrm rot="20849635">
+            <a:off x="7105743" y="1555520"/>
+            <a:ext cx="2077458" cy="2101799"/>
+          </a:xfrm>
+          <a:prstGeom prst="rect">
+            <a:avLst/>
+          </a:prstGeom>
+          <a:noFill/>
+          <a:ln w="9525" cap="flat" cmpd="sng">
+            <a:solidFill>
+              <a:srgbClr val="888888"/>
+            </a:solidFill>
+            <a:prstDash val="solid"/>
+            <a:round/>
+            <a:headEnd type="none" w="sm" len="sm"/>
+            <a:tailEnd type="none" w="sm" len="sm"/>
+          </a:ln>
+        </p:spPr>
+      </p:pic>
+      <p:pic>
+        <p:nvPicPr>
+          <p:cNvPr id="12" name="Google Shape;471;p18"/>
+          <p:cNvPicPr preferRelativeResize="0"/>
+          <p:nvPr/>
+        </p:nvPicPr>
+        <p:blipFill rotWithShape="1">
+          <a:blip r:embed="rId7">
+            <a:alphaModFix/>
+          </a:blip>
+          <a:srcRect t="12552"/>
+          <a:stretch/>
+        </p:blipFill>
+        <p:spPr>
+          <a:xfrm>
+            <a:off x="3375921" y="3918986"/>
+            <a:ext cx="4441027" cy="2551299"/>
+          </a:xfrm>
+          <a:prstGeom prst="rect">
+            <a:avLst/>
+          </a:prstGeom>
+          <a:noFill/>
+          <a:ln>
+            <a:noFill/>
+          </a:ln>
+        </p:spPr>
+      </p:pic>
+      <p:pic>
+        <p:nvPicPr>
+          <p:cNvPr id="9" name="Google Shape;487;p20"/>
+          <p:cNvPicPr preferRelativeResize="0"/>
+          <p:nvPr/>
+        </p:nvPicPr>
+        <p:blipFill rotWithShape="1">
+          <a:blip r:embed="rId8">
+            <a:alphaModFix/>
+          </a:blip>
+          <a:srcRect/>
+          <a:stretch/>
+        </p:blipFill>
+        <p:spPr>
+          <a:xfrm>
+            <a:off x="9435678" y="1237130"/>
+            <a:ext cx="2464646" cy="2096723"/>
+          </a:xfrm>
+          <a:prstGeom prst="rect">
+            <a:avLst/>
+          </a:prstGeom>
+          <a:noFill/>
+          <a:ln>
+            <a:noFill/>
+          </a:ln>
+        </p:spPr>
+      </p:pic>
+      <p:sp>
+        <p:nvSpPr>
+          <p:cNvPr id="11" name="Google Shape;175;ge1146ef680_0_8"/>
+          <p:cNvSpPr txBox="1"/>
+          <p:nvPr/>
+        </p:nvSpPr>
+        <p:spPr>
+          <a:xfrm>
+            <a:off x="9683439" y="3376712"/>
+            <a:ext cx="2315335" cy="323135"/>
+          </a:xfrm>
+          <a:prstGeom prst="rect">
+            <a:avLst/>
+          </a:prstGeom>
+          <a:noFill/>
+          <a:ln>
+            <a:noFill/>
+          </a:ln>
+        </p:spPr>
+        <p:txBody>
+          <a:bodyPr spcFirstLastPara="1" wrap="square" lIns="91425" tIns="91425" rIns="91425" bIns="91425" anchor="t" anchorCtr="0">
+            <a:spAutoFit/>
+          </a:bodyPr>
+          <a:lstStyle/>
+          <a:p>
+            <a:pPr marL="0" marR="0" lvl="0" indent="0" algn="l" rtl="0">
+              <a:lnSpc>
+                <a:spcPct val="100000"/>
+              </a:lnSpc>
+              <a:spcBef>
+                <a:spcPts val="0"/>
+              </a:spcBef>
+              <a:spcAft>
+                <a:spcPts val="0"/>
+              </a:spcAft>
+              <a:buClr>
+                <a:srgbClr val="000000"/>
+              </a:buClr>
+              <a:buSzPts val="1100"/>
+              <a:buFont typeface="Arial"/>
+              <a:buNone/>
+            </a:pPr>
+            <a:r>
+              <a:rPr lang="en-US" sz="900" b="0" i="1" u="none" strike="noStrike" cap="none" dirty="0">
+                <a:solidFill>
+                  <a:srgbClr val="000000"/>
+                </a:solidFill>
+                <a:latin typeface="Calibri"/>
+                <a:ea typeface="Calibri"/>
+                <a:cs typeface="Calibri"/>
+                <a:sym typeface="Calibri"/>
+              </a:rPr>
+              <a:t>SOURCE: R epi handbook; </a:t>
+            </a:r>
+            <a:r>
+              <a:rPr lang="en-US" sz="900" b="0" i="1" u="none" strike="noStrike" cap="none" dirty="0" smtClean="0">
+                <a:solidFill>
+                  <a:srgbClr val="000000"/>
+                </a:solidFill>
+                <a:latin typeface="Calibri"/>
+                <a:ea typeface="Calibri"/>
+                <a:cs typeface="Calibri"/>
+                <a:sym typeface="Calibri"/>
+              </a:rPr>
+              <a:t>phylogenetic trees</a:t>
+            </a:r>
+            <a:endParaRPr sz="1050" b="0" i="1" u="none" strike="noStrike" cap="none" dirty="0">
+              <a:solidFill>
+                <a:srgbClr val="000000"/>
+              </a:solidFill>
+              <a:latin typeface="Calibri"/>
+              <a:ea typeface="Calibri"/>
+              <a:cs typeface="Calibri"/>
+              <a:sym typeface="Calibri"/>
+            </a:endParaRPr>
+          </a:p>
+        </p:txBody>
+      </p:sp>
+      <p:sp>
+        <p:nvSpPr>
+          <p:cNvPr id="175" name="Google Shape;175;ge1146ef680_0_8"/>
+          <p:cNvSpPr txBox="1"/>
+          <p:nvPr/>
+        </p:nvSpPr>
+        <p:spPr>
+          <a:xfrm rot="20848127">
+            <a:off x="7251533" y="3642404"/>
+            <a:ext cx="2315335" cy="323135"/>
+          </a:xfrm>
+          <a:prstGeom prst="rect">
+            <a:avLst/>
+          </a:prstGeom>
+          <a:solidFill>
+            <a:schemeClr val="bg1"/>
+          </a:solidFill>
+          <a:ln>
+            <a:noFill/>
+          </a:ln>
+        </p:spPr>
+        <p:txBody>
+          <a:bodyPr spcFirstLastPara="1" wrap="square" lIns="91425" tIns="91425" rIns="91425" bIns="91425" anchor="t" anchorCtr="0">
+            <a:spAutoFit/>
+          </a:bodyPr>
+          <a:lstStyle/>
+          <a:p>
+            <a:pPr marL="0" marR="0" lvl="0" indent="0" algn="l" rtl="0">
+              <a:lnSpc>
+                <a:spcPct val="100000"/>
+              </a:lnSpc>
+              <a:spcBef>
+                <a:spcPts val="0"/>
+              </a:spcBef>
+              <a:spcAft>
+                <a:spcPts val="0"/>
+              </a:spcAft>
+              <a:buClr>
+                <a:srgbClr val="000000"/>
+              </a:buClr>
+              <a:buSzPts val="1100"/>
+              <a:buFont typeface="Arial"/>
+              <a:buNone/>
+            </a:pPr>
+            <a:r>
+              <a:rPr lang="en-US" sz="900" b="0" i="1" u="none" strike="noStrike" cap="none" dirty="0">
+                <a:solidFill>
+                  <a:srgbClr val="000000"/>
+                </a:solidFill>
+                <a:latin typeface="Calibri"/>
+                <a:ea typeface="Calibri"/>
+                <a:cs typeface="Calibri"/>
+                <a:sym typeface="Calibri"/>
+              </a:rPr>
+              <a:t>SOURCE: R epi handbook; transmission chains</a:t>
+            </a:r>
+            <a:endParaRPr sz="1050" b="0" i="1" u="none" strike="noStrike" cap="none" dirty="0">
+              <a:solidFill>
+                <a:srgbClr val="000000"/>
+              </a:solidFill>
+              <a:latin typeface="Calibri"/>
+              <a:ea typeface="Calibri"/>
+              <a:cs typeface="Calibri"/>
+              <a:sym typeface="Calibri"/>
+            </a:endParaRPr>
+          </a:p>
+        </p:txBody>
+      </p:sp>
+      <p:sp>
+        <p:nvSpPr>
+          <p:cNvPr id="13" name="Google Shape;175;ge1146ef680_0_8"/>
+          <p:cNvSpPr txBox="1"/>
+          <p:nvPr/>
+        </p:nvSpPr>
+        <p:spPr>
+          <a:xfrm>
+            <a:off x="3444004" y="6386057"/>
+            <a:ext cx="2315335" cy="323135"/>
+          </a:xfrm>
+          <a:prstGeom prst="rect">
+            <a:avLst/>
+          </a:prstGeom>
+          <a:noFill/>
+          <a:ln>
+            <a:noFill/>
+          </a:ln>
+        </p:spPr>
+        <p:txBody>
+          <a:bodyPr spcFirstLastPara="1" wrap="square" lIns="91425" tIns="91425" rIns="91425" bIns="91425" anchor="t" anchorCtr="0">
+            <a:spAutoFit/>
+          </a:bodyPr>
+          <a:lstStyle/>
+          <a:p>
+            <a:pPr marL="0" marR="0" lvl="0" indent="0" algn="l" rtl="0">
+              <a:lnSpc>
+                <a:spcPct val="100000"/>
+              </a:lnSpc>
+              <a:spcBef>
+                <a:spcPts val="0"/>
+              </a:spcBef>
+              <a:spcAft>
+                <a:spcPts val="0"/>
+              </a:spcAft>
+              <a:buClr>
+                <a:srgbClr val="000000"/>
+              </a:buClr>
+              <a:buSzPts val="1100"/>
+              <a:buFont typeface="Arial"/>
+              <a:buNone/>
+            </a:pPr>
+            <a:r>
+              <a:rPr lang="en-US" sz="900" b="0" i="1" u="none" strike="noStrike" cap="none" dirty="0">
+                <a:solidFill>
+                  <a:srgbClr val="000000"/>
+                </a:solidFill>
+                <a:latin typeface="Calibri"/>
+                <a:ea typeface="Calibri"/>
+                <a:cs typeface="Calibri"/>
+                <a:sym typeface="Calibri"/>
+              </a:rPr>
+              <a:t>SOURCE: R epi handbook; </a:t>
+            </a:r>
+            <a:r>
+              <a:rPr lang="en-US" sz="900" i="1" dirty="0" smtClean="0">
+                <a:solidFill>
+                  <a:srgbClr val="000000"/>
+                </a:solidFill>
+                <a:latin typeface="Calibri"/>
+                <a:ea typeface="Calibri"/>
+                <a:cs typeface="Calibri"/>
+                <a:sym typeface="Calibri"/>
+              </a:rPr>
+              <a:t>GIS basics</a:t>
+            </a:r>
+            <a:endParaRPr sz="1050" b="0" i="1" u="none" strike="noStrike" cap="none" dirty="0">
+              <a:solidFill>
+                <a:srgbClr val="000000"/>
+              </a:solidFill>
+              <a:latin typeface="Calibri"/>
+              <a:ea typeface="Calibri"/>
+              <a:cs typeface="Calibri"/>
+              <a:sym typeface="Calibri"/>
+            </a:endParaRPr>
+          </a:p>
+        </p:txBody>
+      </p:sp>
+      <p:pic>
+        <p:nvPicPr>
+          <p:cNvPr id="15" name="Google Shape;335;p19"/>
+          <p:cNvPicPr preferRelativeResize="0"/>
+          <p:nvPr/>
+        </p:nvPicPr>
+        <p:blipFill rotWithShape="1">
+          <a:blip r:embed="rId9">
+            <a:alphaModFix/>
+          </a:blip>
+          <a:srcRect/>
+          <a:stretch/>
+        </p:blipFill>
+        <p:spPr>
+          <a:xfrm>
+            <a:off x="24688" y="1686289"/>
+            <a:ext cx="3803239" cy="2509195"/>
+          </a:xfrm>
+          <a:prstGeom prst="rect">
+            <a:avLst/>
+          </a:prstGeom>
+          <a:noFill/>
+          <a:ln>
+            <a:noFill/>
+          </a:ln>
+        </p:spPr>
+      </p:pic>
+      <p:sp>
+        <p:nvSpPr>
+          <p:cNvPr id="16" name="Google Shape;175;ge1146ef680_0_8"/>
+          <p:cNvSpPr txBox="1"/>
+          <p:nvPr/>
+        </p:nvSpPr>
+        <p:spPr>
+          <a:xfrm>
+            <a:off x="22678" y="6308717"/>
+            <a:ext cx="3106004" cy="323135"/>
+          </a:xfrm>
+          <a:prstGeom prst="rect">
+            <a:avLst/>
+          </a:prstGeom>
+          <a:noFill/>
+          <a:ln>
+            <a:noFill/>
+          </a:ln>
+        </p:spPr>
+        <p:txBody>
+          <a:bodyPr spcFirstLastPara="1" wrap="square" lIns="91425" tIns="91425" rIns="91425" bIns="91425" anchor="t" anchorCtr="0">
+            <a:spAutoFit/>
+          </a:bodyPr>
+          <a:lstStyle/>
+          <a:p>
+            <a:pPr marL="0" marR="0" lvl="0" indent="0" algn="l" rtl="0">
+              <a:lnSpc>
+                <a:spcPct val="100000"/>
+              </a:lnSpc>
+              <a:spcBef>
+                <a:spcPts val="0"/>
+              </a:spcBef>
+              <a:spcAft>
+                <a:spcPts val="0"/>
+              </a:spcAft>
+              <a:buClr>
+                <a:srgbClr val="000000"/>
+              </a:buClr>
+              <a:buSzPts val="1100"/>
+              <a:buFont typeface="Arial"/>
+              <a:buNone/>
+            </a:pPr>
+            <a:r>
+              <a:rPr lang="en-US" sz="900" b="0" i="1" u="none" strike="noStrike" cap="none" dirty="0">
+                <a:solidFill>
+                  <a:srgbClr val="000000"/>
+                </a:solidFill>
+                <a:latin typeface="Calibri"/>
+                <a:ea typeface="Calibri"/>
+                <a:cs typeface="Calibri"/>
+                <a:sym typeface="Calibri"/>
+              </a:rPr>
+              <a:t>SOURCE: R epi handbook; </a:t>
+            </a:r>
+            <a:r>
+              <a:rPr lang="en-US" sz="900" i="1" dirty="0" smtClean="0">
+                <a:solidFill>
+                  <a:srgbClr val="000000"/>
+                </a:solidFill>
+                <a:latin typeface="Calibri"/>
+                <a:ea typeface="Calibri"/>
+                <a:cs typeface="Calibri"/>
+                <a:sym typeface="Calibri"/>
+              </a:rPr>
+              <a:t>tables for presentation</a:t>
+            </a:r>
+            <a:endParaRPr sz="1050" b="0" i="1" u="none" strike="noStrike" cap="none" dirty="0">
+              <a:solidFill>
+                <a:srgbClr val="000000"/>
+              </a:solidFill>
+              <a:latin typeface="Calibri"/>
+              <a:ea typeface="Calibri"/>
+              <a:cs typeface="Calibri"/>
+              <a:sym typeface="Calibri"/>
+            </a:endParaRPr>
+          </a:p>
+        </p:txBody>
+      </p:sp>
+      <p:sp>
+        <p:nvSpPr>
+          <p:cNvPr id="17" name="Google Shape;175;ge1146ef680_0_8"/>
+          <p:cNvSpPr txBox="1"/>
+          <p:nvPr/>
+        </p:nvSpPr>
+        <p:spPr>
+          <a:xfrm>
+            <a:off x="30612" y="4115184"/>
+            <a:ext cx="3106004" cy="323135"/>
+          </a:xfrm>
+          <a:prstGeom prst="rect">
+            <a:avLst/>
+          </a:prstGeom>
+          <a:noFill/>
+          <a:ln>
+            <a:noFill/>
+          </a:ln>
+        </p:spPr>
+        <p:txBody>
+          <a:bodyPr spcFirstLastPara="1" wrap="square" lIns="91425" tIns="91425" rIns="91425" bIns="91425" anchor="t" anchorCtr="0">
+            <a:spAutoFit/>
+          </a:bodyPr>
+          <a:lstStyle/>
+          <a:p>
+            <a:pPr marL="0" marR="0" lvl="0" indent="0" algn="l" rtl="0">
+              <a:lnSpc>
+                <a:spcPct val="100000"/>
+              </a:lnSpc>
+              <a:spcBef>
+                <a:spcPts val="0"/>
+              </a:spcBef>
+              <a:spcAft>
+                <a:spcPts val="0"/>
+              </a:spcAft>
+              <a:buClr>
+                <a:srgbClr val="000000"/>
+              </a:buClr>
+              <a:buSzPts val="1100"/>
+              <a:buFont typeface="Arial"/>
+              <a:buNone/>
+            </a:pPr>
+            <a:r>
+              <a:rPr lang="en-US" sz="900" b="0" i="1" u="none" strike="noStrike" cap="none" dirty="0">
+                <a:solidFill>
+                  <a:srgbClr val="000000"/>
+                </a:solidFill>
+                <a:latin typeface="Calibri"/>
+                <a:ea typeface="Calibri"/>
+                <a:cs typeface="Calibri"/>
+                <a:sym typeface="Calibri"/>
+              </a:rPr>
+              <a:t>SOURCE: R epi handbook; </a:t>
+            </a:r>
+            <a:r>
+              <a:rPr lang="en-US" sz="900" i="1" dirty="0" smtClean="0">
+                <a:solidFill>
+                  <a:srgbClr val="000000"/>
+                </a:solidFill>
+                <a:latin typeface="Calibri"/>
+                <a:ea typeface="Calibri"/>
+                <a:cs typeface="Calibri"/>
+                <a:sym typeface="Calibri"/>
+              </a:rPr>
+              <a:t>epidemic curves</a:t>
+            </a:r>
+            <a:endParaRPr sz="1050" b="0" i="1" u="none" strike="noStrike" cap="none" dirty="0">
+              <a:solidFill>
+                <a:srgbClr val="000000"/>
+              </a:solidFill>
+              <a:latin typeface="Calibri"/>
+              <a:ea typeface="Calibri"/>
+              <a:cs typeface="Calibri"/>
+              <a:sym typeface="Calibri"/>
+            </a:endParaRPr>
+          </a:p>
+        </p:txBody>
+      </p:sp>
+      <p:sp>
+        <p:nvSpPr>
+          <p:cNvPr id="19" name="Google Shape;175;ge1146ef680_0_8"/>
+          <p:cNvSpPr txBox="1"/>
+          <p:nvPr/>
+        </p:nvSpPr>
+        <p:spPr>
+          <a:xfrm>
+            <a:off x="3796819" y="3429943"/>
+            <a:ext cx="3106004" cy="323135"/>
+          </a:xfrm>
+          <a:prstGeom prst="rect">
+            <a:avLst/>
+          </a:prstGeom>
+          <a:noFill/>
+          <a:ln>
+            <a:noFill/>
+          </a:ln>
+        </p:spPr>
+        <p:txBody>
+          <a:bodyPr spcFirstLastPara="1" wrap="square" lIns="91425" tIns="91425" rIns="91425" bIns="91425" anchor="t" anchorCtr="0">
+            <a:spAutoFit/>
+          </a:bodyPr>
+          <a:lstStyle/>
+          <a:p>
+            <a:pPr marL="0" marR="0" lvl="0" indent="0" algn="l" rtl="0">
+              <a:lnSpc>
+                <a:spcPct val="100000"/>
+              </a:lnSpc>
+              <a:spcBef>
+                <a:spcPts val="0"/>
+              </a:spcBef>
+              <a:spcAft>
+                <a:spcPts val="0"/>
+              </a:spcAft>
+              <a:buClr>
+                <a:srgbClr val="000000"/>
+              </a:buClr>
+              <a:buSzPts val="1100"/>
+              <a:buFont typeface="Arial"/>
+              <a:buNone/>
+            </a:pPr>
+            <a:r>
+              <a:rPr lang="en-US" sz="900" b="0" i="1" u="none" strike="noStrike" cap="none" dirty="0">
+                <a:solidFill>
+                  <a:srgbClr val="000000"/>
+                </a:solidFill>
+                <a:latin typeface="Calibri"/>
+                <a:ea typeface="Calibri"/>
+                <a:cs typeface="Calibri"/>
+                <a:sym typeface="Calibri"/>
+              </a:rPr>
+              <a:t>SOURCE: R epi handbook; </a:t>
+            </a:r>
+            <a:r>
+              <a:rPr lang="en-US" sz="900" i="1" dirty="0" smtClean="0">
+                <a:solidFill>
+                  <a:srgbClr val="000000"/>
+                </a:solidFill>
+                <a:latin typeface="Calibri"/>
+                <a:ea typeface="Calibri"/>
+                <a:cs typeface="Calibri"/>
+                <a:sym typeface="Calibri"/>
+              </a:rPr>
+              <a:t>survival analysis</a:t>
+            </a:r>
+            <a:endParaRPr sz="1050" b="0" i="1" u="none" strike="noStrike" cap="none" dirty="0">
+              <a:solidFill>
+                <a:srgbClr val="000000"/>
+              </a:solidFill>
+              <a:latin typeface="Calibri"/>
+              <a:ea typeface="Calibri"/>
+              <a:cs typeface="Calibri"/>
+              <a:sym typeface="Calibri"/>
+            </a:endParaRPr>
+          </a:p>
+        </p:txBody>
+      </p:sp>
+    </p:spTree>
+    <p:extLst>
+      <p:ext uri="{BB962C8B-B14F-4D97-AF65-F5344CB8AC3E}">
+        <p14:creationId xmlns:p14="http://schemas.microsoft.com/office/powerpoint/2010/main" val="81489961"/>
+      </p:ext>
+    </p:extLst>
+  </p:cSld>
+  <p:clrMapOvr>
+    <a:masterClrMapping/>
+  </p:clrMapOvr>
+  <p:timing>
+    <p:tnLst>
+      <p:par>
+        <p:cTn id="1" dur="indefinite" restart="never" nodeType="tmRoot"/>
+      </p:par>
+    </p:tnLst>
+  </p:timing>
+</p:sld>
+</file>
+
+<file path=ppt/slides/slide6.xml><?xml version="1.0" encoding="utf-8"?>
+<p:sld xmlns:a="http://schemas.openxmlformats.org/drawingml/2006/main" xmlns:r="http://schemas.openxmlformats.org/officeDocument/2006/relationships" xmlns:p="http://schemas.openxmlformats.org/presentationml/2006/main">
+  <p:cSld>
+    <p:spTree>
+      <p:nvGrpSpPr>
+        <p:cNvPr id="1" name="Shape 135"/>
+        <p:cNvGrpSpPr/>
+        <p:nvPr/>
+      </p:nvGrpSpPr>
+      <p:grpSpPr>
+        <a:xfrm>
+          <a:off x="0" y="0"/>
+          <a:ext cx="0" cy="0"/>
+          <a:chOff x="0" y="0"/>
+          <a:chExt cx="0" cy="0"/>
+        </a:xfrm>
+      </p:grpSpPr>
+      <p:pic>
+        <p:nvPicPr>
+          <p:cNvPr id="137" name="Google Shape;137;ge1146ef680_0_24" descr="The title pages of three reports are overlaid on one another, each with a similar title such as “Epidemiology of laboratory-confirmed COVID-19 cases in Tower Hamlet, London”."/>
+          <p:cNvPicPr preferRelativeResize="0"/>
+          <p:nvPr/>
+        </p:nvPicPr>
+        <p:blipFill rotWithShape="1">
+          <a:blip r:embed="rId3">
+            <a:alphaModFix/>
+          </a:blip>
+          <a:srcRect l="3138"/>
+          <a:stretch/>
+        </p:blipFill>
+        <p:spPr>
+          <a:xfrm rot="1391614">
+            <a:off x="5942445" y="701493"/>
+            <a:ext cx="5634343" cy="6528631"/>
+          </a:xfrm>
+          <a:prstGeom prst="rect">
+            <a:avLst/>
+          </a:prstGeom>
+          <a:noFill/>
+          <a:ln>
+            <a:noFill/>
+          </a:ln>
+        </p:spPr>
+      </p:pic>
+      <p:sp>
+        <p:nvSpPr>
+          <p:cNvPr id="138" name="Google Shape;138;ge1146ef680_0_24"/>
+          <p:cNvSpPr txBox="1">
+            <a:spLocks noGrp="1"/>
+          </p:cNvSpPr>
+          <p:nvPr>
+            <p:ph type="body" idx="1"/>
+          </p:nvPr>
+        </p:nvSpPr>
+        <p:spPr>
+          <a:xfrm>
+            <a:off x="185652" y="226173"/>
+            <a:ext cx="7063200" cy="4351200"/>
+          </a:xfrm>
+          <a:prstGeom prst="rect">
+            <a:avLst/>
+          </a:prstGeom>
+          <a:noFill/>
+          <a:ln>
+            <a:noFill/>
+          </a:ln>
+        </p:spPr>
+        <p:txBody>
+          <a:bodyPr spcFirstLastPara="1" wrap="square" lIns="91425" tIns="45700" rIns="91425" bIns="45700" anchor="t" anchorCtr="0">
+            <a:normAutofit/>
+          </a:bodyPr>
+          <a:lstStyle/>
+          <a:p>
+            <a:pPr marL="0" lvl="0" indent="0" algn="l" rtl="0">
+              <a:lnSpc>
+                <a:spcPct val="90000"/>
+              </a:lnSpc>
+              <a:spcBef>
+                <a:spcPts val="1000"/>
+              </a:spcBef>
+              <a:spcAft>
+                <a:spcPts val="0"/>
+              </a:spcAft>
+              <a:buSzPts val="1800"/>
+              <a:buNone/>
+            </a:pPr>
+            <a:endParaRPr sz="2400" dirty="0">
+              <a:latin typeface="Calibri" panose="020F0502020204030204" pitchFamily="34" charset="0"/>
+              <a:ea typeface="Helvetica Neue"/>
+              <a:cs typeface="Calibri" panose="020F0502020204030204" pitchFamily="34" charset="0"/>
+              <a:sym typeface="Helvetica Neue"/>
+            </a:endParaRPr>
+          </a:p>
+          <a:p>
+            <a:pPr marL="0" lvl="0" indent="0" algn="l" rtl="0">
+              <a:lnSpc>
+                <a:spcPct val="90000"/>
+              </a:lnSpc>
+              <a:spcBef>
+                <a:spcPts val="1000"/>
+              </a:spcBef>
+              <a:spcAft>
+                <a:spcPts val="0"/>
+              </a:spcAft>
+              <a:buSzPts val="1800"/>
+              <a:buNone/>
+            </a:pPr>
+            <a:endParaRPr b="1" dirty="0">
+              <a:latin typeface="Calibri" panose="020F0502020204030204" pitchFamily="34" charset="0"/>
+              <a:ea typeface="Helvetica Neue"/>
+              <a:cs typeface="Calibri" panose="020F0502020204030204" pitchFamily="34" charset="0"/>
+              <a:sym typeface="Helvetica Neue"/>
+            </a:endParaRPr>
+          </a:p>
+        </p:txBody>
+      </p:sp>
+    </p:spTree>
+    <p:extLst>
+      <p:ext uri="{BB962C8B-B14F-4D97-AF65-F5344CB8AC3E}">
+        <p14:creationId xmlns:p14="http://schemas.microsoft.com/office/powerpoint/2010/main" val="3530295936"/>
+      </p:ext>
+    </p:extLst>
+  </p:cSld>
+  <p:clrMapOvr>
+    <a:masterClrMapping/>
+  </p:clrMapOvr>
+  <p:timing>
+    <p:tnLst>
+      <p:par>
+        <p:cTn id="1" dur="indefinite" restart="never" nodeType="tmRoot"/>
+      </p:par>
+    </p:tnLst>
+  </p:timing>
+</p:sld>
+</file>
+
+<file path=ppt/slides/slide7.xml><?xml version="1.0" encoding="utf-8"?>
+<p:sld xmlns:a="http://schemas.openxmlformats.org/drawingml/2006/main" xmlns:r="http://schemas.openxmlformats.org/officeDocument/2006/relationships" xmlns:p="http://schemas.openxmlformats.org/presentationml/2006/main">
+  <p:cSld>
+    <p:spTree>
+      <p:nvGrpSpPr>
+        <p:cNvPr id="1" name="Shape 127"/>
+        <p:cNvGrpSpPr/>
+        <p:nvPr/>
+      </p:nvGrpSpPr>
+      <p:grpSpPr>
+        <a:xfrm>
+          <a:off x="0" y="0"/>
+          <a:ext cx="0" cy="0"/>
+          <a:chOff x="0" y="0"/>
+          <a:chExt cx="0" cy="0"/>
+        </a:xfrm>
+      </p:grpSpPr>
+      <p:sp>
+        <p:nvSpPr>
+          <p:cNvPr id="129" name="Google Shape;129;ge1146ef680_0_0"/>
+          <p:cNvSpPr txBox="1">
+            <a:spLocks noGrp="1"/>
+          </p:cNvSpPr>
+          <p:nvPr>
+            <p:ph type="body" idx="1"/>
+          </p:nvPr>
+        </p:nvSpPr>
+        <p:spPr>
+          <a:xfrm>
+            <a:off x="243525" y="341921"/>
+            <a:ext cx="10715700" cy="1016722"/>
+          </a:xfrm>
+          <a:prstGeom prst="rect">
+            <a:avLst/>
+          </a:prstGeom>
+          <a:noFill/>
+          <a:ln>
+            <a:noFill/>
+          </a:ln>
+        </p:spPr>
+        <p:txBody>
+          <a:bodyPr spcFirstLastPara="1" wrap="square" lIns="91425" tIns="45700" rIns="91425" bIns="45700" anchor="t" anchorCtr="0">
+            <a:normAutofit/>
+          </a:bodyPr>
+          <a:lstStyle/>
+          <a:p>
+            <a:pPr marL="0" lvl="0" indent="0" algn="l" rtl="0">
+              <a:lnSpc>
+                <a:spcPct val="90000"/>
+              </a:lnSpc>
+              <a:spcBef>
+                <a:spcPts val="1000"/>
+              </a:spcBef>
+              <a:spcAft>
+                <a:spcPts val="0"/>
+              </a:spcAft>
+              <a:buSzPts val="1800"/>
+              <a:buNone/>
+            </a:pPr>
+            <a:endParaRPr dirty="0">
+              <a:latin typeface="Calibri" panose="020F0502020204030204" pitchFamily="34" charset="0"/>
+              <a:ea typeface="Helvetica Neue"/>
+              <a:cs typeface="Calibri" panose="020F0502020204030204" pitchFamily="34" charset="0"/>
+              <a:sym typeface="Helvetica Neue"/>
+            </a:endParaRPr>
+          </a:p>
+        </p:txBody>
+      </p:sp>
+      <p:pic>
+        <p:nvPicPr>
+          <p:cNvPr id="130" name="Google Shape;130;ge1146ef680_0_0" descr="A screenshot of the WHO COVID-19 surveillance dashboard, which is an R shiny app with a sidebar with toggle options to choose cases or deaths to display and a download button. In the main panel of the dashboard, an epidemic curve is displayed that shows the number of daily COVID-19 cases reported by each WHO region."/>
+          <p:cNvPicPr preferRelativeResize="0"/>
+          <p:nvPr/>
+        </p:nvPicPr>
+        <p:blipFill rotWithShape="1">
+          <a:blip r:embed="rId3">
+            <a:alphaModFix/>
+          </a:blip>
+          <a:srcRect/>
+          <a:stretch/>
+        </p:blipFill>
+        <p:spPr>
+          <a:xfrm>
+            <a:off x="1669418" y="1676461"/>
+            <a:ext cx="9106551" cy="4521800"/>
+          </a:xfrm>
+          <a:prstGeom prst="rect">
+            <a:avLst/>
+          </a:prstGeom>
+          <a:noFill/>
+          <a:ln w="9525" cap="flat" cmpd="sng">
+            <a:solidFill>
+              <a:srgbClr val="888888"/>
+            </a:solidFill>
+            <a:prstDash val="solid"/>
+            <a:round/>
+            <a:headEnd type="none" w="sm" len="sm"/>
+            <a:tailEnd type="none" w="sm" len="sm"/>
+          </a:ln>
+        </p:spPr>
+      </p:pic>
+      <p:sp>
+        <p:nvSpPr>
+          <p:cNvPr id="5" name="TextBox 4">
+            <a:extLst>
+              <a:ext uri="{FF2B5EF4-FFF2-40B4-BE49-F238E27FC236}">
+                <a16:creationId xmlns:a16="http://schemas.microsoft.com/office/drawing/2014/main" xmlns="" id="{3179CF86-54CB-4CF4-AB3F-FB6B772A6DE7}"/>
+              </a:ext>
+            </a:extLst>
+          </p:cNvPr>
+          <p:cNvSpPr txBox="1"/>
+          <p:nvPr/>
+        </p:nvSpPr>
+        <p:spPr>
+          <a:xfrm>
+            <a:off x="8683388" y="6516079"/>
+            <a:ext cx="3508612" cy="307777"/>
+          </a:xfrm>
+          <a:prstGeom prst="rect">
+            <a:avLst/>
+          </a:prstGeom>
+          <a:noFill/>
+        </p:spPr>
+        <p:txBody>
+          <a:bodyPr wrap="square">
+            <a:spAutoFit/>
+          </a:bodyPr>
+          <a:lstStyle/>
+          <a:p>
+            <a:r>
+              <a:rPr lang="en-US" dirty="0"/>
+              <a:t>https://worldhealthorg.shinyapps.io/covid/</a:t>
+            </a:r>
+          </a:p>
+        </p:txBody>
+      </p:sp>
+    </p:spTree>
+    <p:extLst>
+      <p:ext uri="{BB962C8B-B14F-4D97-AF65-F5344CB8AC3E}">
+        <p14:creationId xmlns:p14="http://schemas.microsoft.com/office/powerpoint/2010/main" val="1200710571"/>
+      </p:ext>
+    </p:extLst>
+  </p:cSld>
+  <p:clrMapOvr>
+    <a:masterClrMapping/>
+  </p:clrMapOvr>
+  <p:timing>
+    <p:tnLst>
+      <p:par>
+        <p:cTn id="1" dur="indefinite" restart="never" nodeType="tmRoot"/>
+      </p:par>
+    </p:tnLst>
+  </p:timing>
 </p:sld>
 </file>
 
@@ -4450,4 +7838,265 @@
     </a:ext>
   </a:extLst>
 </a:theme>
+</file>
+
+<file path=ppt/theme/theme2.xml><?xml version="1.0" encoding="utf-8"?>
+<a:theme xmlns:a="http://schemas.openxmlformats.org/drawingml/2006/main" name="Office Theme">
+  <a:themeElements>
+    <a:clrScheme name="Office">
+      <a:dk1>
+        <a:sysClr val="windowText" lastClr="000000"/>
+      </a:dk1>
+      <a:lt1>
+        <a:sysClr val="window" lastClr="FFFFFF"/>
+      </a:lt1>
+      <a:dk2>
+        <a:srgbClr val="44546A"/>
+      </a:dk2>
+      <a:lt2>
+        <a:srgbClr val="E7E6E6"/>
+      </a:lt2>
+      <a:accent1>
+        <a:srgbClr val="5B9BD5"/>
+      </a:accent1>
+      <a:accent2>
+        <a:srgbClr val="ED7D31"/>
+      </a:accent2>
+      <a:accent3>
+        <a:srgbClr val="A5A5A5"/>
+      </a:accent3>
+      <a:accent4>
+        <a:srgbClr val="FFC000"/>
+      </a:accent4>
+      <a:accent5>
+        <a:srgbClr val="4472C4"/>
+      </a:accent5>
+      <a:accent6>
+        <a:srgbClr val="70AD47"/>
+      </a:accent6>
+      <a:hlink>
+        <a:srgbClr val="0563C1"/>
+      </a:hlink>
+      <a:folHlink>
+        <a:srgbClr val="954F72"/>
+      </a:folHlink>
+    </a:clrScheme>
+    <a:fontScheme name="Office">
+      <a:majorFont>
+        <a:latin typeface="Calibri Light" panose="020F0302020204030204"/>
+        <a:ea typeface=""/>
+        <a:cs typeface=""/>
+        <a:font script="Jpan" typeface="ＭＳ Ｐゴシック"/>
+        <a:font script="Hang" typeface="맑은 고딕"/>
+        <a:font script="Hans" typeface="宋体"/>
+        <a:font script="Hant" typeface="新細明體"/>
+        <a:font script="Arab" typeface="Times New Roman"/>
+        <a:font script="Hebr" typeface="Times New Roman"/>
+        <a:font script="Thai" typeface="Angsana New"/>
+        <a:font script="Ethi" typeface="Nyala"/>
+        <a:font script="Beng" typeface="Vrinda"/>
+        <a:font script="Gujr" typeface="Shruti"/>
+        <a:font script="Khmr" typeface="MoolBoran"/>
+        <a:font script="Knda" typeface="Tunga"/>
+        <a:font script="Guru" typeface="Raavi"/>
+        <a:font script="Cans" typeface="Euphemia"/>
+        <a:font script="Cher" typeface="Plantagenet Cherokee"/>
+        <a:font script="Yiii" typeface="Microsoft Yi Baiti"/>
+        <a:font script="Tibt" typeface="Microsoft Himalaya"/>
+        <a:font script="Thaa" typeface="MV Boli"/>
+        <a:font script="Deva" typeface="Mangal"/>
+        <a:font script="Telu" typeface="Gautami"/>
+        <a:font script="Taml" typeface="Latha"/>
+        <a:font script="Syrc" typeface="Estrangelo Edessa"/>
+        <a:font script="Orya" typeface="Kalinga"/>
+        <a:font script="Mlym" typeface="Kartika"/>
+        <a:font script="Laoo" typeface="DokChampa"/>
+        <a:font script="Sinh" typeface="Iskoola Pota"/>
+        <a:font script="Mong" typeface="Mongolian Baiti"/>
+        <a:font script="Viet" typeface="Times New Roman"/>
+        <a:font script="Uigh" typeface="Microsoft Uighur"/>
+        <a:font script="Geor" typeface="Sylfaen"/>
+      </a:majorFont>
+      <a:minorFont>
+        <a:latin typeface="Calibri" panose="020F0502020204030204"/>
+        <a:ea typeface=""/>
+        <a:cs typeface=""/>
+        <a:font script="Jpan" typeface="ＭＳ Ｐゴシック"/>
+        <a:font script="Hang" typeface="맑은 고딕"/>
+        <a:font script="Hans" typeface="宋体"/>
+        <a:font script="Hant" typeface="新細明體"/>
+        <a:font script="Arab" typeface="Arial"/>
+        <a:font script="Hebr" typeface="Arial"/>
+        <a:font script="Thai" typeface="Cordia New"/>
+        <a:font script="Ethi" typeface="Nyala"/>
+        <a:font script="Beng" typeface="Vrinda"/>
+        <a:font script="Gujr" typeface="Shruti"/>
+        <a:font script="Khmr" typeface="DaunPenh"/>
+        <a:font script="Knda" typeface="Tunga"/>
+        <a:font script="Guru" typeface="Raavi"/>
+        <a:font script="Cans" typeface="Euphemia"/>
+        <a:font script="Cher" typeface="Plantagenet Cherokee"/>
+        <a:font script="Yiii" typeface="Microsoft Yi Baiti"/>
+        <a:font script="Tibt" typeface="Microsoft Himalaya"/>
+        <a:font script="Thaa" typeface="MV Boli"/>
+        <a:font script="Deva" typeface="Mangal"/>
+        <a:font script="Telu" typeface="Gautami"/>
+        <a:font script="Taml" typeface="Latha"/>
+        <a:font script="Syrc" typeface="Estrangelo Edessa"/>
+        <a:font script="Orya" typeface="Kalinga"/>
+        <a:font script="Mlym" typeface="Kartika"/>
+        <a:font script="Laoo" typeface="DokChampa"/>
+        <a:font script="Sinh" typeface="Iskoola Pota"/>
+        <a:font script="Mong" typeface="Mongolian Baiti"/>
+        <a:font script="Viet" typeface="Arial"/>
+        <a:font script="Uigh" typeface="Microsoft Uighur"/>
+        <a:font script="Geor" typeface="Sylfaen"/>
+      </a:minorFont>
+    </a:fontScheme>
+    <a:fmtScheme name="Office">
+      <a:fillStyleLst>
+        <a:solidFill>
+          <a:schemeClr val="phClr"/>
+        </a:solidFill>
+        <a:gradFill rotWithShape="1">
+          <a:gsLst>
+            <a:gs pos="0">
+              <a:schemeClr val="phClr">
+                <a:lumMod val="110000"/>
+                <a:satMod val="105000"/>
+                <a:tint val="67000"/>
+              </a:schemeClr>
+            </a:gs>
+            <a:gs pos="50000">
+              <a:schemeClr val="phClr">
+                <a:lumMod val="105000"/>
+                <a:satMod val="103000"/>
+                <a:tint val="73000"/>
+              </a:schemeClr>
+            </a:gs>
+            <a:gs pos="100000">
+              <a:schemeClr val="phClr">
+                <a:lumMod val="105000"/>
+                <a:satMod val="109000"/>
+                <a:tint val="81000"/>
+              </a:schemeClr>
+            </a:gs>
+          </a:gsLst>
+          <a:lin ang="5400000" scaled="0"/>
+        </a:gradFill>
+        <a:gradFill rotWithShape="1">
+          <a:gsLst>
+            <a:gs pos="0">
+              <a:schemeClr val="phClr">
+                <a:satMod val="103000"/>
+                <a:lumMod val="102000"/>
+                <a:tint val="94000"/>
+              </a:schemeClr>
+            </a:gs>
+            <a:gs pos="50000">
+              <a:schemeClr val="phClr">
+                <a:satMod val="110000"/>
+                <a:lumMod val="100000"/>
+                <a:shade val="100000"/>
+              </a:schemeClr>
+            </a:gs>
+            <a:gs pos="100000">
+              <a:schemeClr val="phClr">
+                <a:lumMod val="99000"/>
+                <a:satMod val="120000"/>
+                <a:shade val="78000"/>
+              </a:schemeClr>
+            </a:gs>
+          </a:gsLst>
+          <a:lin ang="5400000" scaled="0"/>
+        </a:gradFill>
+      </a:fillStyleLst>
+      <a:lnStyleLst>
+        <a:ln w="6350" cap="flat" cmpd="sng" algn="ctr">
+          <a:solidFill>
+            <a:schemeClr val="phClr"/>
+          </a:solidFill>
+          <a:prstDash val="solid"/>
+          <a:miter lim="800000"/>
+        </a:ln>
+        <a:ln w="12700" cap="flat" cmpd="sng" algn="ctr">
+          <a:solidFill>
+            <a:schemeClr val="phClr"/>
+          </a:solidFill>
+          <a:prstDash val="solid"/>
+          <a:miter lim="800000"/>
+        </a:ln>
+        <a:ln w="19050" cap="flat" cmpd="sng" algn="ctr">
+          <a:solidFill>
+            <a:schemeClr val="phClr"/>
+          </a:solidFill>
+          <a:prstDash val="solid"/>
+          <a:miter lim="800000"/>
+        </a:ln>
+      </a:lnStyleLst>
+      <a:effectStyleLst>
+        <a:effectStyle>
+          <a:effectLst/>
+        </a:effectStyle>
+        <a:effectStyle>
+          <a:effectLst/>
+        </a:effectStyle>
+        <a:effectStyle>
+          <a:effectLst>
+            <a:outerShdw blurRad="57150" dist="19050" dir="5400000" algn="ctr" rotWithShape="0">
+              <a:srgbClr val="000000">
+                <a:alpha val="63000"/>
+              </a:srgbClr>
+            </a:outerShdw>
+          </a:effectLst>
+        </a:effectStyle>
+      </a:effectStyleLst>
+      <a:bgFillStyleLst>
+        <a:solidFill>
+          <a:schemeClr val="phClr"/>
+        </a:solidFill>
+        <a:solidFill>
+          <a:schemeClr val="phClr">
+            <a:tint val="95000"/>
+            <a:satMod val="170000"/>
+          </a:schemeClr>
+        </a:solidFill>
+        <a:gradFill rotWithShape="1">
+          <a:gsLst>
+            <a:gs pos="0">
+              <a:schemeClr val="phClr">
+                <a:tint val="93000"/>
+                <a:satMod val="150000"/>
+                <a:shade val="98000"/>
+                <a:lumMod val="102000"/>
+              </a:schemeClr>
+            </a:gs>
+            <a:gs pos="50000">
+              <a:schemeClr val="phClr">
+                <a:tint val="98000"/>
+                <a:satMod val="130000"/>
+                <a:shade val="90000"/>
+                <a:lumMod val="103000"/>
+              </a:schemeClr>
+            </a:gs>
+            <a:gs pos="100000">
+              <a:schemeClr val="phClr">
+                <a:shade val="63000"/>
+                <a:satMod val="120000"/>
+              </a:schemeClr>
+            </a:gs>
+          </a:gsLst>
+          <a:lin ang="5400000" scaled="0"/>
+        </a:gradFill>
+      </a:bgFillStyleLst>
+    </a:fmtScheme>
+  </a:themeElements>
+  <a:objectDefaults/>
+  <a:extraClrSchemeLst/>
+  <a:extLst>
+    <a:ext uri="{05A4C25C-085E-4340-85A3-A5531E510DB2}">
+      <thm15:themeFamily xmlns:thm15="http://schemas.microsoft.com/office/thememl/2012/main" name="Office Theme" id="{62F939B6-93AF-4DB8-9C6B-D6C7DFDC589F}" vid="{4A3C46E8-61CC-4603-A589-7422A47A8E4A}"/>
+    </a:ext>
+  </a:extLst>
+</a:theme>
 </file>